--- a/4,5개월차/Teacher/Day38/우선순위큐.pptx
+++ b/4,5개월차/Teacher/Day38/우선순위큐.pptx
@@ -121,6 +121,11 @@
       </a:defRPr>
     </a:lvl9pPr>
   </p:defaultTextStyle>
+  <p:extLst>
+    <p:ext uri="{EFAFB233-063F-42B5-8137-9DF3F51BA10A}">
+      <p15:sldGuideLst xmlns:p15="http://schemas.microsoft.com/office/powerpoint/2012/main"/>
+    </p:ext>
+  </p:extLst>
 </p:presentation>
 </file>
 
@@ -166,10 +171,9 @@
           </a:lstStyle>
           <a:p>
             <a:r>
-              <a:rPr lang="ko-KR" altLang="en-US" smtClean="0"/>
+              <a:rPr lang="ko-KR" altLang="en-US"/>
               <a:t>마스터 제목 스타일 편집</a:t>
             </a:r>
-            <a:endParaRPr lang="ko-KR" altLang="en-US"/>
           </a:p>
         </p:txBody>
       </p:sp>
@@ -231,10 +235,9 @@
           </a:lstStyle>
           <a:p>
             <a:r>
-              <a:rPr lang="ko-KR" altLang="en-US" smtClean="0"/>
+              <a:rPr lang="ko-KR" altLang="en-US"/>
               <a:t>클릭하여 마스터 부제목 스타일 편집</a:t>
             </a:r>
-            <a:endParaRPr lang="ko-KR" altLang="en-US"/>
           </a:p>
         </p:txBody>
       </p:sp>
@@ -255,7 +258,7 @@
           <a:p>
             <a:fld id="{17DBC272-F24C-4AE2-A4DE-588A4C57A0E0}" type="datetimeFigureOut">
               <a:rPr lang="ko-KR" altLang="en-US" smtClean="0"/>
-              <a:t>2024-06-03</a:t>
+              <a:t>07-15(Mon)</a:t>
             </a:fld>
             <a:endParaRPr lang="ko-KR" altLang="en-US"/>
           </a:p>
@@ -349,10 +352,9 @@
           <a:lstStyle/>
           <a:p>
             <a:r>
-              <a:rPr lang="ko-KR" altLang="en-US" smtClean="0"/>
+              <a:rPr lang="ko-KR" altLang="en-US"/>
               <a:t>마스터 제목 스타일 편집</a:t>
             </a:r>
-            <a:endParaRPr lang="ko-KR" altLang="en-US"/>
           </a:p>
         </p:txBody>
       </p:sp>
@@ -373,38 +375,37 @@
           <a:p>
             <a:pPr lvl="0"/>
             <a:r>
-              <a:rPr lang="ko-KR" altLang="en-US" smtClean="0"/>
+              <a:rPr lang="ko-KR" altLang="en-US"/>
               <a:t>마스터 텍스트 스타일 편집</a:t>
             </a:r>
           </a:p>
           <a:p>
             <a:pPr lvl="1"/>
             <a:r>
-              <a:rPr lang="ko-KR" altLang="en-US" smtClean="0"/>
+              <a:rPr lang="ko-KR" altLang="en-US"/>
               <a:t>둘째 수준</a:t>
             </a:r>
           </a:p>
           <a:p>
             <a:pPr lvl="2"/>
             <a:r>
-              <a:rPr lang="ko-KR" altLang="en-US" smtClean="0"/>
+              <a:rPr lang="ko-KR" altLang="en-US"/>
               <a:t>셋째 수준</a:t>
             </a:r>
           </a:p>
           <a:p>
             <a:pPr lvl="3"/>
             <a:r>
-              <a:rPr lang="ko-KR" altLang="en-US" smtClean="0"/>
+              <a:rPr lang="ko-KR" altLang="en-US"/>
               <a:t>넷째 수준</a:t>
             </a:r>
           </a:p>
           <a:p>
             <a:pPr lvl="4"/>
             <a:r>
-              <a:rPr lang="ko-KR" altLang="en-US" smtClean="0"/>
+              <a:rPr lang="ko-KR" altLang="en-US"/>
               <a:t>다섯째 수준</a:t>
             </a:r>
-            <a:endParaRPr lang="ko-KR" altLang="en-US"/>
           </a:p>
         </p:txBody>
       </p:sp>
@@ -425,7 +426,7 @@
           <a:p>
             <a:fld id="{17DBC272-F24C-4AE2-A4DE-588A4C57A0E0}" type="datetimeFigureOut">
               <a:rPr lang="ko-KR" altLang="en-US" smtClean="0"/>
-              <a:t>2024-06-03</a:t>
+              <a:t>07-15(Mon)</a:t>
             </a:fld>
             <a:endParaRPr lang="ko-KR" altLang="en-US"/>
           </a:p>
@@ -524,10 +525,9 @@
           <a:lstStyle/>
           <a:p>
             <a:r>
-              <a:rPr lang="ko-KR" altLang="en-US" smtClean="0"/>
+              <a:rPr lang="ko-KR" altLang="en-US"/>
               <a:t>마스터 제목 스타일 편집</a:t>
             </a:r>
-            <a:endParaRPr lang="ko-KR" altLang="en-US"/>
           </a:p>
         </p:txBody>
       </p:sp>
@@ -553,38 +553,37 @@
           <a:p>
             <a:pPr lvl="0"/>
             <a:r>
-              <a:rPr lang="ko-KR" altLang="en-US" smtClean="0"/>
+              <a:rPr lang="ko-KR" altLang="en-US"/>
               <a:t>마스터 텍스트 스타일 편집</a:t>
             </a:r>
           </a:p>
           <a:p>
             <a:pPr lvl="1"/>
             <a:r>
-              <a:rPr lang="ko-KR" altLang="en-US" smtClean="0"/>
+              <a:rPr lang="ko-KR" altLang="en-US"/>
               <a:t>둘째 수준</a:t>
             </a:r>
           </a:p>
           <a:p>
             <a:pPr lvl="2"/>
             <a:r>
-              <a:rPr lang="ko-KR" altLang="en-US" smtClean="0"/>
+              <a:rPr lang="ko-KR" altLang="en-US"/>
               <a:t>셋째 수준</a:t>
             </a:r>
           </a:p>
           <a:p>
             <a:pPr lvl="3"/>
             <a:r>
-              <a:rPr lang="ko-KR" altLang="en-US" smtClean="0"/>
+              <a:rPr lang="ko-KR" altLang="en-US"/>
               <a:t>넷째 수준</a:t>
             </a:r>
           </a:p>
           <a:p>
             <a:pPr lvl="4"/>
             <a:r>
-              <a:rPr lang="ko-KR" altLang="en-US" smtClean="0"/>
+              <a:rPr lang="ko-KR" altLang="en-US"/>
               <a:t>다섯째 수준</a:t>
             </a:r>
-            <a:endParaRPr lang="ko-KR" altLang="en-US"/>
           </a:p>
         </p:txBody>
       </p:sp>
@@ -605,7 +604,7 @@
           <a:p>
             <a:fld id="{17DBC272-F24C-4AE2-A4DE-588A4C57A0E0}" type="datetimeFigureOut">
               <a:rPr lang="ko-KR" altLang="en-US" smtClean="0"/>
-              <a:t>2024-06-03</a:t>
+              <a:t>07-15(Mon)</a:t>
             </a:fld>
             <a:endParaRPr lang="ko-KR" altLang="en-US"/>
           </a:p>
@@ -699,10 +698,9 @@
           <a:lstStyle/>
           <a:p>
             <a:r>
-              <a:rPr lang="ko-KR" altLang="en-US" smtClean="0"/>
+              <a:rPr lang="ko-KR" altLang="en-US"/>
               <a:t>마스터 제목 스타일 편집</a:t>
             </a:r>
-            <a:endParaRPr lang="ko-KR" altLang="en-US"/>
           </a:p>
         </p:txBody>
       </p:sp>
@@ -723,38 +721,37 @@
           <a:p>
             <a:pPr lvl="0"/>
             <a:r>
-              <a:rPr lang="ko-KR" altLang="en-US" smtClean="0"/>
+              <a:rPr lang="ko-KR" altLang="en-US"/>
               <a:t>마스터 텍스트 스타일 편집</a:t>
             </a:r>
           </a:p>
           <a:p>
             <a:pPr lvl="1"/>
             <a:r>
-              <a:rPr lang="ko-KR" altLang="en-US" smtClean="0"/>
+              <a:rPr lang="ko-KR" altLang="en-US"/>
               <a:t>둘째 수준</a:t>
             </a:r>
           </a:p>
           <a:p>
             <a:pPr lvl="2"/>
             <a:r>
-              <a:rPr lang="ko-KR" altLang="en-US" smtClean="0"/>
+              <a:rPr lang="ko-KR" altLang="en-US"/>
               <a:t>셋째 수준</a:t>
             </a:r>
           </a:p>
           <a:p>
             <a:pPr lvl="3"/>
             <a:r>
-              <a:rPr lang="ko-KR" altLang="en-US" smtClean="0"/>
+              <a:rPr lang="ko-KR" altLang="en-US"/>
               <a:t>넷째 수준</a:t>
             </a:r>
           </a:p>
           <a:p>
             <a:pPr lvl="4"/>
             <a:r>
-              <a:rPr lang="ko-KR" altLang="en-US" smtClean="0"/>
+              <a:rPr lang="ko-KR" altLang="en-US"/>
               <a:t>다섯째 수준</a:t>
             </a:r>
-            <a:endParaRPr lang="ko-KR" altLang="en-US"/>
           </a:p>
         </p:txBody>
       </p:sp>
@@ -775,7 +772,7 @@
           <a:p>
             <a:fld id="{17DBC272-F24C-4AE2-A4DE-588A4C57A0E0}" type="datetimeFigureOut">
               <a:rPr lang="ko-KR" altLang="en-US" smtClean="0"/>
-              <a:t>2024-06-03</a:t>
+              <a:t>07-15(Mon)</a:t>
             </a:fld>
             <a:endParaRPr lang="ko-KR" altLang="en-US"/>
           </a:p>
@@ -878,10 +875,9 @@
           </a:lstStyle>
           <a:p>
             <a:r>
-              <a:rPr lang="ko-KR" altLang="en-US" smtClean="0"/>
+              <a:rPr lang="ko-KR" altLang="en-US"/>
               <a:t>마스터 제목 스타일 편집</a:t>
             </a:r>
-            <a:endParaRPr lang="ko-KR" altLang="en-US"/>
           </a:p>
         </p:txBody>
       </p:sp>
@@ -998,7 +994,7 @@
           <a:p>
             <a:pPr lvl="0"/>
             <a:r>
-              <a:rPr lang="ko-KR" altLang="en-US" smtClean="0"/>
+              <a:rPr lang="ko-KR" altLang="en-US"/>
               <a:t>마스터 텍스트 스타일 편집</a:t>
             </a:r>
           </a:p>
@@ -1021,7 +1017,7 @@
           <a:p>
             <a:fld id="{17DBC272-F24C-4AE2-A4DE-588A4C57A0E0}" type="datetimeFigureOut">
               <a:rPr lang="ko-KR" altLang="en-US" smtClean="0"/>
-              <a:t>2024-06-03</a:t>
+              <a:t>07-15(Mon)</a:t>
             </a:fld>
             <a:endParaRPr lang="ko-KR" altLang="en-US"/>
           </a:p>
@@ -1115,10 +1111,9 @@
           <a:lstStyle/>
           <a:p>
             <a:r>
-              <a:rPr lang="ko-KR" altLang="en-US" smtClean="0"/>
+              <a:rPr lang="ko-KR" altLang="en-US"/>
               <a:t>마스터 제목 스타일 편집</a:t>
             </a:r>
-            <a:endParaRPr lang="ko-KR" altLang="en-US"/>
           </a:p>
         </p:txBody>
       </p:sp>
@@ -1144,38 +1139,37 @@
           <a:p>
             <a:pPr lvl="0"/>
             <a:r>
-              <a:rPr lang="ko-KR" altLang="en-US" smtClean="0"/>
+              <a:rPr lang="ko-KR" altLang="en-US"/>
               <a:t>마스터 텍스트 스타일 편집</a:t>
             </a:r>
           </a:p>
           <a:p>
             <a:pPr lvl="1"/>
             <a:r>
-              <a:rPr lang="ko-KR" altLang="en-US" smtClean="0"/>
+              <a:rPr lang="ko-KR" altLang="en-US"/>
               <a:t>둘째 수준</a:t>
             </a:r>
           </a:p>
           <a:p>
             <a:pPr lvl="2"/>
             <a:r>
-              <a:rPr lang="ko-KR" altLang="en-US" smtClean="0"/>
+              <a:rPr lang="ko-KR" altLang="en-US"/>
               <a:t>셋째 수준</a:t>
             </a:r>
           </a:p>
           <a:p>
             <a:pPr lvl="3"/>
             <a:r>
-              <a:rPr lang="ko-KR" altLang="en-US" smtClean="0"/>
+              <a:rPr lang="ko-KR" altLang="en-US"/>
               <a:t>넷째 수준</a:t>
             </a:r>
           </a:p>
           <a:p>
             <a:pPr lvl="4"/>
             <a:r>
-              <a:rPr lang="ko-KR" altLang="en-US" smtClean="0"/>
+              <a:rPr lang="ko-KR" altLang="en-US"/>
               <a:t>다섯째 수준</a:t>
             </a:r>
-            <a:endParaRPr lang="ko-KR" altLang="en-US"/>
           </a:p>
         </p:txBody>
       </p:sp>
@@ -1201,38 +1195,37 @@
           <a:p>
             <a:pPr lvl="0"/>
             <a:r>
-              <a:rPr lang="ko-KR" altLang="en-US" smtClean="0"/>
+              <a:rPr lang="ko-KR" altLang="en-US"/>
               <a:t>마스터 텍스트 스타일 편집</a:t>
             </a:r>
           </a:p>
           <a:p>
             <a:pPr lvl="1"/>
             <a:r>
-              <a:rPr lang="ko-KR" altLang="en-US" smtClean="0"/>
+              <a:rPr lang="ko-KR" altLang="en-US"/>
               <a:t>둘째 수준</a:t>
             </a:r>
           </a:p>
           <a:p>
             <a:pPr lvl="2"/>
             <a:r>
-              <a:rPr lang="ko-KR" altLang="en-US" smtClean="0"/>
+              <a:rPr lang="ko-KR" altLang="en-US"/>
               <a:t>셋째 수준</a:t>
             </a:r>
           </a:p>
           <a:p>
             <a:pPr lvl="3"/>
             <a:r>
-              <a:rPr lang="ko-KR" altLang="en-US" smtClean="0"/>
+              <a:rPr lang="ko-KR" altLang="en-US"/>
               <a:t>넷째 수준</a:t>
             </a:r>
           </a:p>
           <a:p>
             <a:pPr lvl="4"/>
             <a:r>
-              <a:rPr lang="ko-KR" altLang="en-US" smtClean="0"/>
+              <a:rPr lang="ko-KR" altLang="en-US"/>
               <a:t>다섯째 수준</a:t>
             </a:r>
-            <a:endParaRPr lang="ko-KR" altLang="en-US"/>
           </a:p>
         </p:txBody>
       </p:sp>
@@ -1253,7 +1246,7 @@
           <a:p>
             <a:fld id="{17DBC272-F24C-4AE2-A4DE-588A4C57A0E0}" type="datetimeFigureOut">
               <a:rPr lang="ko-KR" altLang="en-US" smtClean="0"/>
-              <a:t>2024-06-03</a:t>
+              <a:t>07-15(Mon)</a:t>
             </a:fld>
             <a:endParaRPr lang="ko-KR" altLang="en-US"/>
           </a:p>
@@ -1352,10 +1345,9 @@
           <a:lstStyle/>
           <a:p>
             <a:r>
-              <a:rPr lang="ko-KR" altLang="en-US" smtClean="0"/>
+              <a:rPr lang="ko-KR" altLang="en-US"/>
               <a:t>마스터 제목 스타일 편집</a:t>
             </a:r>
-            <a:endParaRPr lang="ko-KR" altLang="en-US"/>
           </a:p>
         </p:txBody>
       </p:sp>
@@ -1418,7 +1410,7 @@
           <a:p>
             <a:pPr lvl="0"/>
             <a:r>
-              <a:rPr lang="ko-KR" altLang="en-US" smtClean="0"/>
+              <a:rPr lang="ko-KR" altLang="en-US"/>
               <a:t>마스터 텍스트 스타일 편집</a:t>
             </a:r>
           </a:p>
@@ -1446,38 +1438,37 @@
           <a:p>
             <a:pPr lvl="0"/>
             <a:r>
-              <a:rPr lang="ko-KR" altLang="en-US" smtClean="0"/>
+              <a:rPr lang="ko-KR" altLang="en-US"/>
               <a:t>마스터 텍스트 스타일 편집</a:t>
             </a:r>
           </a:p>
           <a:p>
             <a:pPr lvl="1"/>
             <a:r>
-              <a:rPr lang="ko-KR" altLang="en-US" smtClean="0"/>
+              <a:rPr lang="ko-KR" altLang="en-US"/>
               <a:t>둘째 수준</a:t>
             </a:r>
           </a:p>
           <a:p>
             <a:pPr lvl="2"/>
             <a:r>
-              <a:rPr lang="ko-KR" altLang="en-US" smtClean="0"/>
+              <a:rPr lang="ko-KR" altLang="en-US"/>
               <a:t>셋째 수준</a:t>
             </a:r>
           </a:p>
           <a:p>
             <a:pPr lvl="3"/>
             <a:r>
-              <a:rPr lang="ko-KR" altLang="en-US" smtClean="0"/>
+              <a:rPr lang="ko-KR" altLang="en-US"/>
               <a:t>넷째 수준</a:t>
             </a:r>
           </a:p>
           <a:p>
             <a:pPr lvl="4"/>
             <a:r>
-              <a:rPr lang="ko-KR" altLang="en-US" smtClean="0"/>
+              <a:rPr lang="ko-KR" altLang="en-US"/>
               <a:t>다섯째 수준</a:t>
             </a:r>
-            <a:endParaRPr lang="ko-KR" altLang="en-US"/>
           </a:p>
         </p:txBody>
       </p:sp>
@@ -1540,7 +1531,7 @@
           <a:p>
             <a:pPr lvl="0"/>
             <a:r>
-              <a:rPr lang="ko-KR" altLang="en-US" smtClean="0"/>
+              <a:rPr lang="ko-KR" altLang="en-US"/>
               <a:t>마스터 텍스트 스타일 편집</a:t>
             </a:r>
           </a:p>
@@ -1568,38 +1559,37 @@
           <a:p>
             <a:pPr lvl="0"/>
             <a:r>
-              <a:rPr lang="ko-KR" altLang="en-US" smtClean="0"/>
+              <a:rPr lang="ko-KR" altLang="en-US"/>
               <a:t>마스터 텍스트 스타일 편집</a:t>
             </a:r>
           </a:p>
           <a:p>
             <a:pPr lvl="1"/>
             <a:r>
-              <a:rPr lang="ko-KR" altLang="en-US" smtClean="0"/>
+              <a:rPr lang="ko-KR" altLang="en-US"/>
               <a:t>둘째 수준</a:t>
             </a:r>
           </a:p>
           <a:p>
             <a:pPr lvl="2"/>
             <a:r>
-              <a:rPr lang="ko-KR" altLang="en-US" smtClean="0"/>
+              <a:rPr lang="ko-KR" altLang="en-US"/>
               <a:t>셋째 수준</a:t>
             </a:r>
           </a:p>
           <a:p>
             <a:pPr lvl="3"/>
             <a:r>
-              <a:rPr lang="ko-KR" altLang="en-US" smtClean="0"/>
+              <a:rPr lang="ko-KR" altLang="en-US"/>
               <a:t>넷째 수준</a:t>
             </a:r>
           </a:p>
           <a:p>
             <a:pPr lvl="4"/>
             <a:r>
-              <a:rPr lang="ko-KR" altLang="en-US" smtClean="0"/>
+              <a:rPr lang="ko-KR" altLang="en-US"/>
               <a:t>다섯째 수준</a:t>
             </a:r>
-            <a:endParaRPr lang="ko-KR" altLang="en-US"/>
           </a:p>
         </p:txBody>
       </p:sp>
@@ -1620,7 +1610,7 @@
           <a:p>
             <a:fld id="{17DBC272-F24C-4AE2-A4DE-588A4C57A0E0}" type="datetimeFigureOut">
               <a:rPr lang="ko-KR" altLang="en-US" smtClean="0"/>
-              <a:t>2024-06-03</a:t>
+              <a:t>07-15(Mon)</a:t>
             </a:fld>
             <a:endParaRPr lang="ko-KR" altLang="en-US"/>
           </a:p>
@@ -1714,10 +1704,9 @@
           <a:lstStyle/>
           <a:p>
             <a:r>
-              <a:rPr lang="ko-KR" altLang="en-US" smtClean="0"/>
+              <a:rPr lang="ko-KR" altLang="en-US"/>
               <a:t>마스터 제목 스타일 편집</a:t>
             </a:r>
-            <a:endParaRPr lang="ko-KR" altLang="en-US"/>
           </a:p>
         </p:txBody>
       </p:sp>
@@ -1738,7 +1727,7 @@
           <a:p>
             <a:fld id="{17DBC272-F24C-4AE2-A4DE-588A4C57A0E0}" type="datetimeFigureOut">
               <a:rPr lang="ko-KR" altLang="en-US" smtClean="0"/>
-              <a:t>2024-06-03</a:t>
+              <a:t>07-15(Mon)</a:t>
             </a:fld>
             <a:endParaRPr lang="ko-KR" altLang="en-US"/>
           </a:p>
@@ -1833,7 +1822,7 @@
           <a:p>
             <a:fld id="{17DBC272-F24C-4AE2-A4DE-588A4C57A0E0}" type="datetimeFigureOut">
               <a:rPr lang="ko-KR" altLang="en-US" smtClean="0"/>
-              <a:t>2024-06-03</a:t>
+              <a:t>07-15(Mon)</a:t>
             </a:fld>
             <a:endParaRPr lang="ko-KR" altLang="en-US"/>
           </a:p>
@@ -1936,10 +1925,9 @@
           </a:lstStyle>
           <a:p>
             <a:r>
-              <a:rPr lang="ko-KR" altLang="en-US" smtClean="0"/>
+              <a:rPr lang="ko-KR" altLang="en-US"/>
               <a:t>마스터 제목 스타일 편집</a:t>
             </a:r>
-            <a:endParaRPr lang="ko-KR" altLang="en-US"/>
           </a:p>
         </p:txBody>
       </p:sp>
@@ -1993,38 +1981,37 @@
           <a:p>
             <a:pPr lvl="0"/>
             <a:r>
-              <a:rPr lang="ko-KR" altLang="en-US" smtClean="0"/>
+              <a:rPr lang="ko-KR" altLang="en-US"/>
               <a:t>마스터 텍스트 스타일 편집</a:t>
             </a:r>
           </a:p>
           <a:p>
             <a:pPr lvl="1"/>
             <a:r>
-              <a:rPr lang="ko-KR" altLang="en-US" smtClean="0"/>
+              <a:rPr lang="ko-KR" altLang="en-US"/>
               <a:t>둘째 수준</a:t>
             </a:r>
           </a:p>
           <a:p>
             <a:pPr lvl="2"/>
             <a:r>
-              <a:rPr lang="ko-KR" altLang="en-US" smtClean="0"/>
+              <a:rPr lang="ko-KR" altLang="en-US"/>
               <a:t>셋째 수준</a:t>
             </a:r>
           </a:p>
           <a:p>
             <a:pPr lvl="3"/>
             <a:r>
-              <a:rPr lang="ko-KR" altLang="en-US" smtClean="0"/>
+              <a:rPr lang="ko-KR" altLang="en-US"/>
               <a:t>넷째 수준</a:t>
             </a:r>
           </a:p>
           <a:p>
             <a:pPr lvl="4"/>
             <a:r>
-              <a:rPr lang="ko-KR" altLang="en-US" smtClean="0"/>
+              <a:rPr lang="ko-KR" altLang="en-US"/>
               <a:t>다섯째 수준</a:t>
             </a:r>
-            <a:endParaRPr lang="ko-KR" altLang="en-US"/>
           </a:p>
         </p:txBody>
       </p:sp>
@@ -2087,7 +2074,7 @@
           <a:p>
             <a:pPr lvl="0"/>
             <a:r>
-              <a:rPr lang="ko-KR" altLang="en-US" smtClean="0"/>
+              <a:rPr lang="ko-KR" altLang="en-US"/>
               <a:t>마스터 텍스트 스타일 편집</a:t>
             </a:r>
           </a:p>
@@ -2110,7 +2097,7 @@
           <a:p>
             <a:fld id="{17DBC272-F24C-4AE2-A4DE-588A4C57A0E0}" type="datetimeFigureOut">
               <a:rPr lang="ko-KR" altLang="en-US" smtClean="0"/>
-              <a:t>2024-06-03</a:t>
+              <a:t>07-15(Mon)</a:t>
             </a:fld>
             <a:endParaRPr lang="ko-KR" altLang="en-US"/>
           </a:p>
@@ -2213,10 +2200,9 @@
           </a:lstStyle>
           <a:p>
             <a:r>
-              <a:rPr lang="ko-KR" altLang="en-US" smtClean="0"/>
+              <a:rPr lang="ko-KR" altLang="en-US"/>
               <a:t>마스터 제목 스타일 편집</a:t>
             </a:r>
-            <a:endParaRPr lang="ko-KR" altLang="en-US"/>
           </a:p>
         </p:txBody>
       </p:sp>
@@ -2340,7 +2326,7 @@
           <a:p>
             <a:pPr lvl="0"/>
             <a:r>
-              <a:rPr lang="ko-KR" altLang="en-US" smtClean="0"/>
+              <a:rPr lang="ko-KR" altLang="en-US"/>
               <a:t>마스터 텍스트 스타일 편집</a:t>
             </a:r>
           </a:p>
@@ -2363,7 +2349,7 @@
           <a:p>
             <a:fld id="{17DBC272-F24C-4AE2-A4DE-588A4C57A0E0}" type="datetimeFigureOut">
               <a:rPr lang="ko-KR" altLang="en-US" smtClean="0"/>
-              <a:t>2024-06-03</a:t>
+              <a:t>07-15(Mon)</a:t>
             </a:fld>
             <a:endParaRPr lang="ko-KR" altLang="en-US"/>
           </a:p>
@@ -2472,10 +2458,9 @@
           <a:lstStyle/>
           <a:p>
             <a:r>
-              <a:rPr lang="ko-KR" altLang="en-US" smtClean="0"/>
+              <a:rPr lang="ko-KR" altLang="en-US"/>
               <a:t>마스터 제목 스타일 편집</a:t>
             </a:r>
-            <a:endParaRPr lang="ko-KR" altLang="en-US"/>
           </a:p>
         </p:txBody>
       </p:sp>
@@ -2506,38 +2491,37 @@
           <a:p>
             <a:pPr lvl="0"/>
             <a:r>
-              <a:rPr lang="ko-KR" altLang="en-US" smtClean="0"/>
+              <a:rPr lang="ko-KR" altLang="en-US"/>
               <a:t>마스터 텍스트 스타일 편집</a:t>
             </a:r>
           </a:p>
           <a:p>
             <a:pPr lvl="1"/>
             <a:r>
-              <a:rPr lang="ko-KR" altLang="en-US" smtClean="0"/>
+              <a:rPr lang="ko-KR" altLang="en-US"/>
               <a:t>둘째 수준</a:t>
             </a:r>
           </a:p>
           <a:p>
             <a:pPr lvl="2"/>
             <a:r>
-              <a:rPr lang="ko-KR" altLang="en-US" smtClean="0"/>
+              <a:rPr lang="ko-KR" altLang="en-US"/>
               <a:t>셋째 수준</a:t>
             </a:r>
           </a:p>
           <a:p>
             <a:pPr lvl="3"/>
             <a:r>
-              <a:rPr lang="ko-KR" altLang="en-US" smtClean="0"/>
+              <a:rPr lang="ko-KR" altLang="en-US"/>
               <a:t>넷째 수준</a:t>
             </a:r>
           </a:p>
           <a:p>
             <a:pPr lvl="4"/>
             <a:r>
-              <a:rPr lang="ko-KR" altLang="en-US" smtClean="0"/>
+              <a:rPr lang="ko-KR" altLang="en-US"/>
               <a:t>다섯째 수준</a:t>
             </a:r>
-            <a:endParaRPr lang="ko-KR" altLang="en-US"/>
           </a:p>
         </p:txBody>
       </p:sp>
@@ -2576,7 +2560,7 @@
           <a:p>
             <a:fld id="{17DBC272-F24C-4AE2-A4DE-588A4C57A0E0}" type="datetimeFigureOut">
               <a:rPr lang="ko-KR" altLang="en-US" smtClean="0"/>
-              <a:t>2024-06-03</a:t>
+              <a:t>07-15(Mon)</a:t>
             </a:fld>
             <a:endParaRPr lang="ko-KR" altLang="en-US"/>
           </a:p>
@@ -3004,7 +2988,7 @@
           <a:lstStyle/>
           <a:p>
             <a:r>
-              <a:rPr lang="en-US" altLang="ko-KR" dirty="0" smtClean="0">
+              <a:rPr lang="en-US" altLang="ko-KR" dirty="0">
                 <a:latin typeface="에스코어 드림 5 Medium" panose="020B0503030302020204" pitchFamily="34" charset="-127"/>
                 <a:ea typeface="에스코어 드림 5 Medium" panose="020B0503030302020204" pitchFamily="34" charset="-127"/>
               </a:rPr>
@@ -3518,28 +3502,28 @@
           <a:lstStyle/>
           <a:p>
             <a:r>
-              <a:rPr lang="ko-KR" altLang="en-US" dirty="0" smtClean="0">
+              <a:rPr lang="ko-KR" altLang="en-US" dirty="0">
                 <a:latin typeface="에스코어 드림 5 Medium" panose="020B0503030302020204" pitchFamily="34" charset="-127"/>
                 <a:ea typeface="에스코어 드림 5 Medium" panose="020B0503030302020204" pitchFamily="34" charset="-127"/>
               </a:rPr>
               <a:t>자료구조 </a:t>
             </a:r>
             <a:r>
-              <a:rPr lang="en-US" altLang="ko-KR" dirty="0" smtClean="0">
+              <a:rPr lang="en-US" altLang="ko-KR" dirty="0">
                 <a:latin typeface="에스코어 드림 5 Medium" panose="020B0503030302020204" pitchFamily="34" charset="-127"/>
                 <a:ea typeface="에스코어 드림 5 Medium" panose="020B0503030302020204" pitchFamily="34" charset="-127"/>
               </a:rPr>
               <a:t>(</a:t>
             </a:r>
             <a:r>
-              <a:rPr lang="ko-KR" altLang="en-US" dirty="0" err="1" smtClean="0">
+              <a:rPr lang="ko-KR" altLang="en-US" dirty="0" err="1">
                 <a:latin typeface="에스코어 드림 5 Medium" panose="020B0503030302020204" pitchFamily="34" charset="-127"/>
                 <a:ea typeface="에스코어 드림 5 Medium" panose="020B0503030302020204" pitchFamily="34" charset="-127"/>
               </a:rPr>
               <a:t>시간복잡도</a:t>
             </a:r>
             <a:r>
-              <a:rPr lang="en-US" altLang="ko-KR" dirty="0" smtClean="0">
+              <a:rPr lang="en-US" altLang="ko-KR" dirty="0">
                 <a:latin typeface="에스코어 드림 5 Medium" panose="020B0503030302020204" pitchFamily="34" charset="-127"/>
                 <a:ea typeface="에스코어 드림 5 Medium" panose="020B0503030302020204" pitchFamily="34" charset="-127"/>
               </a:rPr>
@@ -3548,42 +3532,42 @@
           </a:p>
           <a:p>
             <a:r>
-              <a:rPr lang="ko-KR" altLang="en-US" dirty="0" smtClean="0">
+              <a:rPr lang="ko-KR" altLang="en-US" dirty="0">
                 <a:latin typeface="에스코어 드림 5 Medium" panose="020B0503030302020204" pitchFamily="34" charset="-127"/>
                 <a:ea typeface="에스코어 드림 5 Medium" panose="020B0503030302020204" pitchFamily="34" charset="-127"/>
               </a:rPr>
               <a:t>장점 </a:t>
             </a:r>
             <a:r>
-              <a:rPr lang="en-US" altLang="ko-KR" dirty="0" smtClean="0">
+              <a:rPr lang="en-US" altLang="ko-KR" dirty="0">
                 <a:latin typeface="에스코어 드림 5 Medium" panose="020B0503030302020204" pitchFamily="34" charset="-127"/>
                 <a:ea typeface="에스코어 드림 5 Medium" panose="020B0503030302020204" pitchFamily="34" charset="-127"/>
               </a:rPr>
               <a:t>: </a:t>
             </a:r>
             <a:r>
-              <a:rPr lang="ko-KR" altLang="en-US" dirty="0" smtClean="0">
+              <a:rPr lang="ko-KR" altLang="en-US" dirty="0">
                 <a:latin typeface="에스코어 드림 5 Medium" panose="020B0503030302020204" pitchFamily="34" charset="-127"/>
                 <a:ea typeface="에스코어 드림 5 Medium" panose="020B0503030302020204" pitchFamily="34" charset="-127"/>
               </a:rPr>
               <a:t>찾는게 빠르다</a:t>
             </a:r>
             <a:r>
-              <a:rPr lang="en-US" altLang="ko-KR" dirty="0" smtClean="0">
+              <a:rPr lang="en-US" altLang="ko-KR" dirty="0">
                 <a:latin typeface="에스코어 드림 5 Medium" panose="020B0503030302020204" pitchFamily="34" charset="-127"/>
                 <a:ea typeface="에스코어 드림 5 Medium" panose="020B0503030302020204" pitchFamily="34" charset="-127"/>
               </a:rPr>
               <a:t>. O(</a:t>
             </a:r>
             <a:r>
-              <a:rPr lang="en-US" altLang="ko-KR" dirty="0" err="1" smtClean="0">
+              <a:rPr lang="en-US" altLang="ko-KR" dirty="0" err="1">
                 <a:latin typeface="에스코어 드림 5 Medium" panose="020B0503030302020204" pitchFamily="34" charset="-127"/>
                 <a:ea typeface="에스코어 드림 5 Medium" panose="020B0503030302020204" pitchFamily="34" charset="-127"/>
               </a:rPr>
               <a:t>logN</a:t>
             </a:r>
             <a:r>
-              <a:rPr lang="en-US" altLang="ko-KR" dirty="0" smtClean="0">
+              <a:rPr lang="en-US" altLang="ko-KR" dirty="0">
                 <a:latin typeface="에스코어 드림 5 Medium" panose="020B0503030302020204" pitchFamily="34" charset="-127"/>
                 <a:ea typeface="에스코어 드림 5 Medium" panose="020B0503030302020204" pitchFamily="34" charset="-127"/>
               </a:rPr>
@@ -3592,45 +3576,41 @@
           </a:p>
           <a:p>
             <a:r>
-              <a:rPr lang="ko-KR" altLang="en-US" dirty="0" smtClean="0">
+              <a:rPr lang="ko-KR" altLang="en-US" dirty="0">
                 <a:latin typeface="에스코어 드림 5 Medium" panose="020B0503030302020204" pitchFamily="34" charset="-127"/>
                 <a:ea typeface="에스코어 드림 5 Medium" panose="020B0503030302020204" pitchFamily="34" charset="-127"/>
               </a:rPr>
               <a:t>단점 </a:t>
             </a:r>
             <a:r>
-              <a:rPr lang="en-US" altLang="ko-KR" dirty="0" smtClean="0">
+              <a:rPr lang="en-US" altLang="ko-KR" dirty="0">
                 <a:latin typeface="에스코어 드림 5 Medium" panose="020B0503030302020204" pitchFamily="34" charset="-127"/>
                 <a:ea typeface="에스코어 드림 5 Medium" panose="020B0503030302020204" pitchFamily="34" charset="-127"/>
               </a:rPr>
               <a:t>: </a:t>
             </a:r>
             <a:r>
-              <a:rPr lang="ko-KR" altLang="en-US" dirty="0" smtClean="0">
+              <a:rPr lang="ko-KR" altLang="en-US" dirty="0">
                 <a:latin typeface="에스코어 드림 5 Medium" panose="020B0503030302020204" pitchFamily="34" charset="-127"/>
                 <a:ea typeface="에스코어 드림 5 Medium" panose="020B0503030302020204" pitchFamily="34" charset="-127"/>
               </a:rPr>
               <a:t>한쪽으로 기형적으로 커질 수 있다</a:t>
             </a:r>
             <a:r>
-              <a:rPr lang="en-US" altLang="ko-KR" dirty="0" smtClean="0">
+              <a:rPr lang="en-US" altLang="ko-KR" dirty="0">
                 <a:latin typeface="에스코어 드림 5 Medium" panose="020B0503030302020204" pitchFamily="34" charset="-127"/>
                 <a:ea typeface="에스코어 드림 5 Medium" panose="020B0503030302020204" pitchFamily="34" charset="-127"/>
               </a:rPr>
               <a:t>.</a:t>
             </a:r>
+          </a:p>
+          <a:p>
             <a:endParaRPr lang="en-US" altLang="ko-KR" dirty="0">
               <a:latin typeface="에스코어 드림 5 Medium" panose="020B0503030302020204" pitchFamily="34" charset="-127"/>
               <a:ea typeface="에스코어 드림 5 Medium" panose="020B0503030302020204" pitchFamily="34" charset="-127"/>
             </a:endParaRPr>
           </a:p>
           <a:p>
-            <a:endParaRPr lang="en-US" altLang="ko-KR" dirty="0" smtClean="0">
-              <a:latin typeface="에스코어 드림 5 Medium" panose="020B0503030302020204" pitchFamily="34" charset="-127"/>
-              <a:ea typeface="에스코어 드림 5 Medium" panose="020B0503030302020204" pitchFamily="34" charset="-127"/>
-            </a:endParaRPr>
-          </a:p>
-          <a:p>
             <a:endParaRPr lang="en-US" altLang="ko-KR" dirty="0">
               <a:latin typeface="에스코어 드림 5 Medium" panose="020B0503030302020204" pitchFamily="34" charset="-127"/>
               <a:ea typeface="에스코어 드림 5 Medium" panose="020B0503030302020204" pitchFamily="34" charset="-127"/>
@@ -3638,21 +3618,21 @@
           </a:p>
           <a:p>
             <a:r>
-              <a:rPr lang="ko-KR" altLang="en-US" dirty="0" smtClean="0">
+              <a:rPr lang="ko-KR" altLang="en-US" dirty="0">
                 <a:latin typeface="에스코어 드림 5 Medium" panose="020B0503030302020204" pitchFamily="34" charset="-127"/>
                 <a:ea typeface="에스코어 드림 5 Medium" panose="020B0503030302020204" pitchFamily="34" charset="-127"/>
               </a:rPr>
               <a:t>이거를 보완하는 자료구조가 </a:t>
             </a:r>
             <a:r>
-              <a:rPr lang="ko-KR" altLang="en-US" dirty="0" err="1" smtClean="0">
+              <a:rPr lang="ko-KR" altLang="en-US" dirty="0" err="1">
                 <a:latin typeface="에스코어 드림 5 Medium" panose="020B0503030302020204" pitchFamily="34" charset="-127"/>
                 <a:ea typeface="에스코어 드림 5 Medium" panose="020B0503030302020204" pitchFamily="34" charset="-127"/>
               </a:rPr>
               <a:t>나와야합니다</a:t>
             </a:r>
             <a:r>
-              <a:rPr lang="en-US" altLang="ko-KR" dirty="0" smtClean="0">
+              <a:rPr lang="en-US" altLang="ko-KR" dirty="0">
                 <a:latin typeface="에스코어 드림 5 Medium" panose="020B0503030302020204" pitchFamily="34" charset="-127"/>
                 <a:ea typeface="에스코어 드림 5 Medium" panose="020B0503030302020204" pitchFamily="34" charset="-127"/>
               </a:rPr>
@@ -4010,20 +3990,20 @@
           <a:lstStyle/>
           <a:p>
             <a:r>
-              <a:rPr lang="ko-KR" altLang="en-US" dirty="0" smtClean="0">
+              <a:rPr lang="ko-KR" altLang="en-US" dirty="0">
                 <a:latin typeface="에스코어 드림 5 Medium" panose="020B0503030302020204" pitchFamily="34" charset="-127"/>
                 <a:ea typeface="에스코어 드림 5 Medium" panose="020B0503030302020204" pitchFamily="34" charset="-127"/>
               </a:rPr>
               <a:t>우선순위 큐</a:t>
             </a:r>
-            <a:endParaRPr lang="en-US" altLang="ko-KR" dirty="0" smtClean="0">
+            <a:endParaRPr lang="en-US" altLang="ko-KR" dirty="0">
               <a:latin typeface="에스코어 드림 5 Medium" panose="020B0503030302020204" pitchFamily="34" charset="-127"/>
               <a:ea typeface="에스코어 드림 5 Medium" panose="020B0503030302020204" pitchFamily="34" charset="-127"/>
             </a:endParaRPr>
           </a:p>
           <a:p>
             <a:r>
-              <a:rPr lang="en-US" altLang="ko-KR" dirty="0" smtClean="0">
+              <a:rPr lang="en-US" altLang="ko-KR" dirty="0">
                 <a:latin typeface="에스코어 드림 5 Medium" panose="020B0503030302020204" pitchFamily="34" charset="-127"/>
                 <a:ea typeface="에스코어 드림 5 Medium" panose="020B0503030302020204" pitchFamily="34" charset="-127"/>
               </a:rPr>
@@ -4059,7 +4039,7 @@
           <a:lstStyle/>
           <a:p>
             <a:r>
-              <a:rPr lang="ko-KR" altLang="en-US" dirty="0" smtClean="0">
+              <a:rPr lang="ko-KR" altLang="en-US" dirty="0">
                 <a:solidFill>
                   <a:srgbClr val="FF0000"/>
                 </a:solidFill>
@@ -4069,7 +4049,7 @@
               <a:t>우선순위 큐에  데이터를 쌓을 때</a:t>
             </a:r>
             <a:r>
-              <a:rPr lang="en-US" altLang="ko-KR" dirty="0" smtClean="0">
+              <a:rPr lang="en-US" altLang="ko-KR" dirty="0">
                 <a:solidFill>
                   <a:srgbClr val="FF0000"/>
                 </a:solidFill>
@@ -4104,14 +4084,14 @@
           <a:lstStyle/>
           <a:p>
             <a:r>
-              <a:rPr lang="ko-KR" altLang="en-US" dirty="0" smtClean="0">
+              <a:rPr lang="ko-KR" altLang="en-US" dirty="0">
                 <a:latin typeface="에스코어 드림 5 Medium" panose="020B0503030302020204" pitchFamily="34" charset="-127"/>
                 <a:ea typeface="에스코어 드림 5 Medium" panose="020B0503030302020204" pitchFamily="34" charset="-127"/>
               </a:rPr>
               <a:t>우선순위 큐에  데이터를 뺄 때</a:t>
             </a:r>
             <a:r>
-              <a:rPr lang="en-US" altLang="ko-KR" dirty="0" smtClean="0">
+              <a:rPr lang="en-US" altLang="ko-KR" dirty="0">
                 <a:latin typeface="에스코어 드림 5 Medium" panose="020B0503030302020204" pitchFamily="34" charset="-127"/>
                 <a:ea typeface="에스코어 드림 5 Medium" panose="020B0503030302020204" pitchFamily="34" charset="-127"/>
               </a:rPr>
@@ -4157,11 +4137,11 @@
           <a:p>
             <a:pPr algn="ctr"/>
             <a:r>
-              <a:rPr lang="en-US" altLang="ko-KR" dirty="0" err="1" smtClean="0"/>
+              <a:rPr lang="en-US" altLang="ko-KR" dirty="0" err="1"/>
               <a:t>Arr</a:t>
             </a:r>
             <a:r>
-              <a:rPr lang="en-US" altLang="ko-KR" dirty="0" smtClean="0"/>
+              <a:rPr lang="en-US" altLang="ko-KR" dirty="0"/>
               <a:t>[0]</a:t>
             </a:r>
           </a:p>
@@ -4172,7 +4152,7 @@
           <a:p>
             <a:pPr algn="ctr"/>
             <a:r>
-              <a:rPr lang="en-US" altLang="ko-KR" dirty="0" smtClean="0"/>
+              <a:rPr lang="en-US" altLang="ko-KR" dirty="0"/>
               <a:t>20</a:t>
             </a:r>
             <a:endParaRPr lang="ko-KR" altLang="en-US" dirty="0"/>
@@ -4249,11 +4229,11 @@
           <a:p>
             <a:pPr algn="ctr"/>
             <a:r>
-              <a:rPr lang="en-US" altLang="ko-KR" dirty="0" err="1" smtClean="0"/>
+              <a:rPr lang="en-US" altLang="ko-KR" dirty="0" err="1"/>
               <a:t>Arr</a:t>
             </a:r>
             <a:r>
-              <a:rPr lang="en-US" altLang="ko-KR" dirty="0" smtClean="0"/>
+              <a:rPr lang="en-US" altLang="ko-KR" dirty="0"/>
               <a:t>[1]</a:t>
             </a:r>
           </a:p>
@@ -4264,7 +4244,7 @@
           <a:p>
             <a:pPr algn="ctr"/>
             <a:r>
-              <a:rPr lang="en-US" altLang="ko-KR" dirty="0" smtClean="0"/>
+              <a:rPr lang="en-US" altLang="ko-KR" dirty="0"/>
               <a:t>10</a:t>
             </a:r>
             <a:endParaRPr lang="ko-KR" altLang="en-US" dirty="0"/>
@@ -4308,11 +4288,11 @@
           <a:p>
             <a:pPr algn="ctr"/>
             <a:r>
-              <a:rPr lang="en-US" altLang="ko-KR" dirty="0" err="1" smtClean="0"/>
+              <a:rPr lang="en-US" altLang="ko-KR" dirty="0" err="1"/>
               <a:t>Arr</a:t>
             </a:r>
             <a:r>
-              <a:rPr lang="en-US" altLang="ko-KR" dirty="0" smtClean="0"/>
+              <a:rPr lang="en-US" altLang="ko-KR" dirty="0"/>
               <a:t>[2]</a:t>
             </a:r>
           </a:p>
@@ -4323,7 +4303,7 @@
           <a:p>
             <a:pPr algn="ctr"/>
             <a:r>
-              <a:rPr lang="en-US" altLang="ko-KR" dirty="0" smtClean="0"/>
+              <a:rPr lang="en-US" altLang="ko-KR" dirty="0"/>
               <a:t>15</a:t>
             </a:r>
             <a:endParaRPr lang="ko-KR" altLang="en-US" dirty="0"/>
@@ -4386,28 +4366,28 @@
           <a:lstStyle/>
           <a:p>
             <a:r>
-              <a:rPr lang="ko-KR" altLang="en-US" dirty="0" smtClean="0">
+              <a:rPr lang="ko-KR" altLang="en-US" dirty="0">
                 <a:latin typeface="에스코어 드림 5 Medium" panose="020B0503030302020204" pitchFamily="34" charset="-127"/>
                 <a:ea typeface="에스코어 드림 5 Medium" panose="020B0503030302020204" pitchFamily="34" charset="-127"/>
               </a:rPr>
               <a:t>법칙 </a:t>
             </a:r>
             <a:r>
-              <a:rPr lang="en-US" altLang="ko-KR" dirty="0" smtClean="0">
+              <a:rPr lang="en-US" altLang="ko-KR" dirty="0">
                 <a:latin typeface="에스코어 드림 5 Medium" panose="020B0503030302020204" pitchFamily="34" charset="-127"/>
                 <a:ea typeface="에스코어 드림 5 Medium" panose="020B0503030302020204" pitchFamily="34" charset="-127"/>
               </a:rPr>
               <a:t>1. </a:t>
             </a:r>
             <a:r>
-              <a:rPr lang="ko-KR" altLang="en-US" dirty="0" smtClean="0">
+              <a:rPr lang="ko-KR" altLang="en-US" dirty="0">
                 <a:latin typeface="에스코어 드림 5 Medium" panose="020B0503030302020204" pitchFamily="34" charset="-127"/>
                 <a:ea typeface="에스코어 드림 5 Medium" panose="020B0503030302020204" pitchFamily="34" charset="-127"/>
               </a:rPr>
               <a:t>무조건 높이가 균일 해야 합니다</a:t>
             </a:r>
             <a:r>
-              <a:rPr lang="en-US" altLang="ko-KR" dirty="0" smtClean="0">
+              <a:rPr lang="en-US" altLang="ko-KR" dirty="0">
                 <a:latin typeface="에스코어 드림 5 Medium" panose="020B0503030302020204" pitchFamily="34" charset="-127"/>
                 <a:ea typeface="에스코어 드림 5 Medium" panose="020B0503030302020204" pitchFamily="34" charset="-127"/>
               </a:rPr>
@@ -4416,28 +4396,28 @@
           </a:p>
           <a:p>
             <a:r>
-              <a:rPr lang="ko-KR" altLang="en-US" dirty="0" smtClean="0">
+              <a:rPr lang="ko-KR" altLang="en-US" dirty="0">
                 <a:latin typeface="에스코어 드림 5 Medium" panose="020B0503030302020204" pitchFamily="34" charset="-127"/>
                 <a:ea typeface="에스코어 드림 5 Medium" panose="020B0503030302020204" pitchFamily="34" charset="-127"/>
               </a:rPr>
               <a:t>법칙 </a:t>
             </a:r>
             <a:r>
-              <a:rPr lang="en-US" altLang="ko-KR" dirty="0" smtClean="0">
+              <a:rPr lang="en-US" altLang="ko-KR" dirty="0">
                 <a:latin typeface="에스코어 드림 5 Medium" panose="020B0503030302020204" pitchFamily="34" charset="-127"/>
                 <a:ea typeface="에스코어 드림 5 Medium" panose="020B0503030302020204" pitchFamily="34" charset="-127"/>
               </a:rPr>
               <a:t>2. </a:t>
             </a:r>
             <a:r>
-              <a:rPr lang="ko-KR" altLang="en-US" dirty="0" smtClean="0">
+              <a:rPr lang="ko-KR" altLang="en-US" dirty="0">
                 <a:latin typeface="에스코어 드림 5 Medium" panose="020B0503030302020204" pitchFamily="34" charset="-127"/>
                 <a:ea typeface="에스코어 드림 5 Medium" panose="020B0503030302020204" pitchFamily="34" charset="-127"/>
               </a:rPr>
               <a:t>왼쪽노드부터 하나씩 채운다</a:t>
             </a:r>
             <a:r>
-              <a:rPr lang="en-US" altLang="ko-KR" dirty="0" smtClean="0">
+              <a:rPr lang="en-US" altLang="ko-KR" dirty="0">
                 <a:latin typeface="에스코어 드림 5 Medium" panose="020B0503030302020204" pitchFamily="34" charset="-127"/>
                 <a:ea typeface="에스코어 드림 5 Medium" panose="020B0503030302020204" pitchFamily="34" charset="-127"/>
               </a:rPr>
@@ -4446,7 +4426,7 @@
           </a:p>
           <a:p>
             <a:r>
-              <a:rPr lang="ko-KR" altLang="en-US" dirty="0" smtClean="0">
+              <a:rPr lang="ko-KR" altLang="en-US" dirty="0">
                 <a:solidFill>
                   <a:srgbClr val="FF0000"/>
                 </a:solidFill>
@@ -4456,7 +4436,7 @@
               <a:t>법칙 </a:t>
             </a:r>
             <a:r>
-              <a:rPr lang="en-US" altLang="ko-KR" dirty="0" smtClean="0">
+              <a:rPr lang="en-US" altLang="ko-KR" dirty="0">
                 <a:solidFill>
                   <a:srgbClr val="FF0000"/>
                 </a:solidFill>
@@ -4466,7 +4446,7 @@
               <a:t>3. </a:t>
             </a:r>
             <a:r>
-              <a:rPr lang="ko-KR" altLang="en-US" dirty="0" smtClean="0">
+              <a:rPr lang="ko-KR" altLang="en-US" dirty="0">
                 <a:solidFill>
                   <a:srgbClr val="FF0000"/>
                 </a:solidFill>
@@ -4476,7 +4456,7 @@
               <a:t>부모 노드는 자식 노드보다 무조건 커야 한다</a:t>
             </a:r>
             <a:r>
-              <a:rPr lang="en-US" altLang="ko-KR" dirty="0" smtClean="0">
+              <a:rPr lang="en-US" altLang="ko-KR" dirty="0">
                 <a:solidFill>
                   <a:srgbClr val="FF0000"/>
                 </a:solidFill>
@@ -4541,20 +4521,20 @@
           <a:lstStyle/>
           <a:p>
             <a:r>
-              <a:rPr lang="ko-KR" altLang="en-US" dirty="0" smtClean="0">
+              <a:rPr lang="ko-KR" altLang="en-US" dirty="0">
                 <a:latin typeface="에스코어 드림 5 Medium" panose="020B0503030302020204" pitchFamily="34" charset="-127"/>
                 <a:ea typeface="에스코어 드림 5 Medium" panose="020B0503030302020204" pitchFamily="34" charset="-127"/>
               </a:rPr>
               <a:t>우선순위 큐</a:t>
             </a:r>
-            <a:endParaRPr lang="en-US" altLang="ko-KR" dirty="0" smtClean="0">
+            <a:endParaRPr lang="en-US" altLang="ko-KR" dirty="0">
               <a:latin typeface="에스코어 드림 5 Medium" panose="020B0503030302020204" pitchFamily="34" charset="-127"/>
               <a:ea typeface="에스코어 드림 5 Medium" panose="020B0503030302020204" pitchFamily="34" charset="-127"/>
             </a:endParaRPr>
           </a:p>
           <a:p>
             <a:r>
-              <a:rPr lang="en-US" altLang="ko-KR" dirty="0" smtClean="0">
+              <a:rPr lang="en-US" altLang="ko-KR" dirty="0">
                 <a:latin typeface="에스코어 드림 5 Medium" panose="020B0503030302020204" pitchFamily="34" charset="-127"/>
                 <a:ea typeface="에스코어 드림 5 Medium" panose="020B0503030302020204" pitchFamily="34" charset="-127"/>
               </a:rPr>
@@ -4590,7 +4570,7 @@
           <a:lstStyle/>
           <a:p>
             <a:r>
-              <a:rPr lang="ko-KR" altLang="en-US" dirty="0" smtClean="0">
+              <a:rPr lang="ko-KR" altLang="en-US" dirty="0">
                 <a:solidFill>
                   <a:srgbClr val="FF0000"/>
                 </a:solidFill>
@@ -4600,7 +4580,7 @@
               <a:t>우선순위 큐에  데이터를 쌓을 때</a:t>
             </a:r>
             <a:r>
-              <a:rPr lang="en-US" altLang="ko-KR" dirty="0" smtClean="0">
+              <a:rPr lang="en-US" altLang="ko-KR" dirty="0">
                 <a:solidFill>
                   <a:srgbClr val="FF0000"/>
                 </a:solidFill>
@@ -4635,14 +4615,14 @@
           <a:lstStyle/>
           <a:p>
             <a:r>
-              <a:rPr lang="ko-KR" altLang="en-US" dirty="0" smtClean="0">
+              <a:rPr lang="ko-KR" altLang="en-US" dirty="0">
                 <a:latin typeface="에스코어 드림 5 Medium" panose="020B0503030302020204" pitchFamily="34" charset="-127"/>
                 <a:ea typeface="에스코어 드림 5 Medium" panose="020B0503030302020204" pitchFamily="34" charset="-127"/>
               </a:rPr>
               <a:t>우선순위 큐에  데이터를 뺄 때</a:t>
             </a:r>
             <a:r>
-              <a:rPr lang="en-US" altLang="ko-KR" dirty="0" smtClean="0">
+              <a:rPr lang="en-US" altLang="ko-KR" dirty="0">
                 <a:latin typeface="에스코어 드림 5 Medium" panose="020B0503030302020204" pitchFamily="34" charset="-127"/>
                 <a:ea typeface="에스코어 드림 5 Medium" panose="020B0503030302020204" pitchFamily="34" charset="-127"/>
               </a:rPr>
@@ -4688,11 +4668,11 @@
           <a:p>
             <a:pPr algn="ctr"/>
             <a:r>
-              <a:rPr lang="en-US" altLang="ko-KR" dirty="0" err="1" smtClean="0"/>
+              <a:rPr lang="en-US" altLang="ko-KR" dirty="0" err="1"/>
               <a:t>Arr</a:t>
             </a:r>
             <a:r>
-              <a:rPr lang="en-US" altLang="ko-KR" dirty="0" smtClean="0"/>
+              <a:rPr lang="en-US" altLang="ko-KR" dirty="0"/>
               <a:t>[0]</a:t>
             </a:r>
           </a:p>
@@ -4703,7 +4683,7 @@
           <a:p>
             <a:pPr algn="ctr"/>
             <a:r>
-              <a:rPr lang="en-US" altLang="ko-KR" dirty="0" smtClean="0"/>
+              <a:rPr lang="en-US" altLang="ko-KR" dirty="0"/>
               <a:t>20</a:t>
             </a:r>
             <a:endParaRPr lang="ko-KR" altLang="en-US" dirty="0"/>
@@ -4780,11 +4760,11 @@
           <a:p>
             <a:pPr algn="ctr"/>
             <a:r>
-              <a:rPr lang="en-US" altLang="ko-KR" dirty="0" err="1" smtClean="0"/>
+              <a:rPr lang="en-US" altLang="ko-KR" dirty="0" err="1"/>
               <a:t>Arr</a:t>
             </a:r>
             <a:r>
-              <a:rPr lang="en-US" altLang="ko-KR" dirty="0" smtClean="0"/>
+              <a:rPr lang="en-US" altLang="ko-KR" dirty="0"/>
               <a:t>[1]</a:t>
             </a:r>
           </a:p>
@@ -4795,7 +4775,7 @@
           <a:p>
             <a:pPr algn="ctr"/>
             <a:r>
-              <a:rPr lang="en-US" altLang="ko-KR" dirty="0" smtClean="0"/>
+              <a:rPr lang="en-US" altLang="ko-KR" dirty="0"/>
               <a:t>10</a:t>
             </a:r>
             <a:endParaRPr lang="ko-KR" altLang="en-US" dirty="0"/>
@@ -4839,11 +4819,11 @@
           <a:p>
             <a:pPr algn="ctr"/>
             <a:r>
-              <a:rPr lang="en-US" altLang="ko-KR" dirty="0" err="1" smtClean="0"/>
+              <a:rPr lang="en-US" altLang="ko-KR" dirty="0" err="1"/>
               <a:t>Arr</a:t>
             </a:r>
             <a:r>
-              <a:rPr lang="en-US" altLang="ko-KR" dirty="0" smtClean="0"/>
+              <a:rPr lang="en-US" altLang="ko-KR" dirty="0"/>
               <a:t>[2]</a:t>
             </a:r>
           </a:p>
@@ -4854,7 +4834,7 @@
           <a:p>
             <a:pPr algn="ctr"/>
             <a:r>
-              <a:rPr lang="en-US" altLang="ko-KR" dirty="0" smtClean="0"/>
+              <a:rPr lang="en-US" altLang="ko-KR" dirty="0"/>
               <a:t>15</a:t>
             </a:r>
             <a:endParaRPr lang="ko-KR" altLang="en-US" dirty="0"/>
@@ -4917,28 +4897,28 @@
           <a:lstStyle/>
           <a:p>
             <a:r>
-              <a:rPr lang="ko-KR" altLang="en-US" dirty="0" smtClean="0">
+              <a:rPr lang="ko-KR" altLang="en-US" dirty="0">
                 <a:latin typeface="에스코어 드림 5 Medium" panose="020B0503030302020204" pitchFamily="34" charset="-127"/>
                 <a:ea typeface="에스코어 드림 5 Medium" panose="020B0503030302020204" pitchFamily="34" charset="-127"/>
               </a:rPr>
               <a:t>법칙 </a:t>
             </a:r>
             <a:r>
-              <a:rPr lang="en-US" altLang="ko-KR" dirty="0" smtClean="0">
+              <a:rPr lang="en-US" altLang="ko-KR" dirty="0">
                 <a:latin typeface="에스코어 드림 5 Medium" panose="020B0503030302020204" pitchFamily="34" charset="-127"/>
                 <a:ea typeface="에스코어 드림 5 Medium" panose="020B0503030302020204" pitchFamily="34" charset="-127"/>
               </a:rPr>
               <a:t>1. </a:t>
             </a:r>
             <a:r>
-              <a:rPr lang="ko-KR" altLang="en-US" dirty="0" smtClean="0">
+              <a:rPr lang="ko-KR" altLang="en-US" dirty="0">
                 <a:latin typeface="에스코어 드림 5 Medium" panose="020B0503030302020204" pitchFamily="34" charset="-127"/>
                 <a:ea typeface="에스코어 드림 5 Medium" panose="020B0503030302020204" pitchFamily="34" charset="-127"/>
               </a:rPr>
               <a:t>무조건 높이가 균일 해야 합니다</a:t>
             </a:r>
             <a:r>
-              <a:rPr lang="en-US" altLang="ko-KR" dirty="0" smtClean="0">
+              <a:rPr lang="en-US" altLang="ko-KR" dirty="0">
                 <a:latin typeface="에스코어 드림 5 Medium" panose="020B0503030302020204" pitchFamily="34" charset="-127"/>
                 <a:ea typeface="에스코어 드림 5 Medium" panose="020B0503030302020204" pitchFamily="34" charset="-127"/>
               </a:rPr>
@@ -4947,28 +4927,28 @@
           </a:p>
           <a:p>
             <a:r>
-              <a:rPr lang="ko-KR" altLang="en-US" dirty="0" smtClean="0">
+              <a:rPr lang="ko-KR" altLang="en-US" dirty="0">
                 <a:latin typeface="에스코어 드림 5 Medium" panose="020B0503030302020204" pitchFamily="34" charset="-127"/>
                 <a:ea typeface="에스코어 드림 5 Medium" panose="020B0503030302020204" pitchFamily="34" charset="-127"/>
               </a:rPr>
               <a:t>법칙 </a:t>
             </a:r>
             <a:r>
-              <a:rPr lang="en-US" altLang="ko-KR" dirty="0" smtClean="0">
+              <a:rPr lang="en-US" altLang="ko-KR" dirty="0">
                 <a:latin typeface="에스코어 드림 5 Medium" panose="020B0503030302020204" pitchFamily="34" charset="-127"/>
                 <a:ea typeface="에스코어 드림 5 Medium" panose="020B0503030302020204" pitchFamily="34" charset="-127"/>
               </a:rPr>
               <a:t>2. </a:t>
             </a:r>
             <a:r>
-              <a:rPr lang="ko-KR" altLang="en-US" dirty="0" smtClean="0">
+              <a:rPr lang="ko-KR" altLang="en-US" dirty="0">
                 <a:latin typeface="에스코어 드림 5 Medium" panose="020B0503030302020204" pitchFamily="34" charset="-127"/>
                 <a:ea typeface="에스코어 드림 5 Medium" panose="020B0503030302020204" pitchFamily="34" charset="-127"/>
               </a:rPr>
               <a:t>왼쪽노드부터 하나씩 채운다</a:t>
             </a:r>
             <a:r>
-              <a:rPr lang="en-US" altLang="ko-KR" dirty="0" smtClean="0">
+              <a:rPr lang="en-US" altLang="ko-KR" dirty="0">
                 <a:latin typeface="에스코어 드림 5 Medium" panose="020B0503030302020204" pitchFamily="34" charset="-127"/>
                 <a:ea typeface="에스코어 드림 5 Medium" panose="020B0503030302020204" pitchFamily="34" charset="-127"/>
               </a:rPr>
@@ -4977,7 +4957,7 @@
           </a:p>
           <a:p>
             <a:r>
-              <a:rPr lang="ko-KR" altLang="en-US" dirty="0" smtClean="0">
+              <a:rPr lang="ko-KR" altLang="en-US" dirty="0">
                 <a:solidFill>
                   <a:srgbClr val="FF0000"/>
                 </a:solidFill>
@@ -4987,7 +4967,7 @@
               <a:t>법칙 </a:t>
             </a:r>
             <a:r>
-              <a:rPr lang="en-US" altLang="ko-KR" dirty="0" smtClean="0">
+              <a:rPr lang="en-US" altLang="ko-KR" dirty="0">
                 <a:solidFill>
                   <a:srgbClr val="FF0000"/>
                 </a:solidFill>
@@ -4997,7 +4977,7 @@
               <a:t>3. </a:t>
             </a:r>
             <a:r>
-              <a:rPr lang="ko-KR" altLang="en-US" dirty="0" smtClean="0">
+              <a:rPr lang="ko-KR" altLang="en-US" dirty="0">
                 <a:solidFill>
                   <a:srgbClr val="FF0000"/>
                 </a:solidFill>
@@ -5007,7 +4987,7 @@
               <a:t>부모 노드는 자식 노드보다 무조건 커야 한다</a:t>
             </a:r>
             <a:r>
-              <a:rPr lang="en-US" altLang="ko-KR" dirty="0" smtClean="0">
+              <a:rPr lang="en-US" altLang="ko-KR" dirty="0">
                 <a:solidFill>
                   <a:srgbClr val="FF0000"/>
                 </a:solidFill>
@@ -5056,11 +5036,11 @@
           <a:p>
             <a:pPr algn="ctr"/>
             <a:r>
-              <a:rPr lang="en-US" altLang="ko-KR" dirty="0" err="1" smtClean="0"/>
+              <a:rPr lang="en-US" altLang="ko-KR" dirty="0" err="1"/>
               <a:t>Arr</a:t>
             </a:r>
             <a:r>
-              <a:rPr lang="en-US" altLang="ko-KR" dirty="0" smtClean="0"/>
+              <a:rPr lang="en-US" altLang="ko-KR" dirty="0"/>
               <a:t>[3]</a:t>
             </a:r>
           </a:p>
@@ -5071,7 +5051,7 @@
           <a:p>
             <a:pPr algn="ctr"/>
             <a:r>
-              <a:rPr lang="en-US" altLang="ko-KR" dirty="0" smtClean="0"/>
+              <a:rPr lang="en-US" altLang="ko-KR" dirty="0"/>
               <a:t>70</a:t>
             </a:r>
             <a:endParaRPr lang="ko-KR" altLang="en-US" dirty="0"/>
@@ -5164,20 +5144,20 @@
           <a:lstStyle/>
           <a:p>
             <a:r>
-              <a:rPr lang="ko-KR" altLang="en-US" dirty="0" smtClean="0">
+              <a:rPr lang="ko-KR" altLang="en-US" dirty="0">
                 <a:latin typeface="에스코어 드림 5 Medium" panose="020B0503030302020204" pitchFamily="34" charset="-127"/>
                 <a:ea typeface="에스코어 드림 5 Medium" panose="020B0503030302020204" pitchFamily="34" charset="-127"/>
               </a:rPr>
               <a:t>우선순위 큐</a:t>
             </a:r>
-            <a:endParaRPr lang="en-US" altLang="ko-KR" dirty="0" smtClean="0">
+            <a:endParaRPr lang="en-US" altLang="ko-KR" dirty="0">
               <a:latin typeface="에스코어 드림 5 Medium" panose="020B0503030302020204" pitchFamily="34" charset="-127"/>
               <a:ea typeface="에스코어 드림 5 Medium" panose="020B0503030302020204" pitchFamily="34" charset="-127"/>
             </a:endParaRPr>
           </a:p>
           <a:p>
             <a:r>
-              <a:rPr lang="en-US" altLang="ko-KR" dirty="0" smtClean="0">
+              <a:rPr lang="en-US" altLang="ko-KR" dirty="0">
                 <a:latin typeface="에스코어 드림 5 Medium" panose="020B0503030302020204" pitchFamily="34" charset="-127"/>
                 <a:ea typeface="에스코어 드림 5 Medium" panose="020B0503030302020204" pitchFamily="34" charset="-127"/>
               </a:rPr>
@@ -5213,7 +5193,7 @@
           <a:lstStyle/>
           <a:p>
             <a:r>
-              <a:rPr lang="ko-KR" altLang="en-US" dirty="0" smtClean="0">
+              <a:rPr lang="ko-KR" altLang="en-US" dirty="0">
                 <a:solidFill>
                   <a:srgbClr val="FF0000"/>
                 </a:solidFill>
@@ -5223,7 +5203,7 @@
               <a:t>우선순위 큐에  데이터를 쌓을 때</a:t>
             </a:r>
             <a:r>
-              <a:rPr lang="en-US" altLang="ko-KR" dirty="0" smtClean="0">
+              <a:rPr lang="en-US" altLang="ko-KR" dirty="0">
                 <a:solidFill>
                   <a:srgbClr val="FF0000"/>
                 </a:solidFill>
@@ -5258,14 +5238,14 @@
           <a:lstStyle/>
           <a:p>
             <a:r>
-              <a:rPr lang="ko-KR" altLang="en-US" dirty="0" smtClean="0">
+              <a:rPr lang="ko-KR" altLang="en-US" dirty="0">
                 <a:latin typeface="에스코어 드림 5 Medium" panose="020B0503030302020204" pitchFamily="34" charset="-127"/>
                 <a:ea typeface="에스코어 드림 5 Medium" panose="020B0503030302020204" pitchFamily="34" charset="-127"/>
               </a:rPr>
               <a:t>우선순위 큐에  데이터를 뺄 때</a:t>
             </a:r>
             <a:r>
-              <a:rPr lang="en-US" altLang="ko-KR" dirty="0" smtClean="0">
+              <a:rPr lang="en-US" altLang="ko-KR" dirty="0">
                 <a:latin typeface="에스코어 드림 5 Medium" panose="020B0503030302020204" pitchFamily="34" charset="-127"/>
                 <a:ea typeface="에스코어 드림 5 Medium" panose="020B0503030302020204" pitchFamily="34" charset="-127"/>
               </a:rPr>
@@ -5311,11 +5291,11 @@
           <a:p>
             <a:pPr algn="ctr"/>
             <a:r>
-              <a:rPr lang="en-US" altLang="ko-KR" dirty="0" err="1" smtClean="0"/>
+              <a:rPr lang="en-US" altLang="ko-KR" dirty="0" err="1"/>
               <a:t>Arr</a:t>
             </a:r>
             <a:r>
-              <a:rPr lang="en-US" altLang="ko-KR" dirty="0" smtClean="0"/>
+              <a:rPr lang="en-US" altLang="ko-KR" dirty="0"/>
               <a:t>[0]</a:t>
             </a:r>
           </a:p>
@@ -5326,7 +5306,7 @@
           <a:p>
             <a:pPr algn="ctr"/>
             <a:r>
-              <a:rPr lang="en-US" altLang="ko-KR" dirty="0" smtClean="0"/>
+              <a:rPr lang="en-US" altLang="ko-KR" dirty="0"/>
               <a:t>20</a:t>
             </a:r>
             <a:endParaRPr lang="ko-KR" altLang="en-US" dirty="0"/>
@@ -5403,11 +5383,11 @@
           <a:p>
             <a:pPr algn="ctr"/>
             <a:r>
-              <a:rPr lang="en-US" altLang="ko-KR" dirty="0" err="1" smtClean="0"/>
+              <a:rPr lang="en-US" altLang="ko-KR" dirty="0" err="1"/>
               <a:t>Arr</a:t>
             </a:r>
             <a:r>
-              <a:rPr lang="en-US" altLang="ko-KR" dirty="0" smtClean="0"/>
+              <a:rPr lang="en-US" altLang="ko-KR" dirty="0"/>
               <a:t>[1]</a:t>
             </a:r>
           </a:p>
@@ -5419,11 +5399,7 @@
             <a:pPr algn="ctr"/>
             <a:r>
               <a:rPr lang="en-US" altLang="ko-KR" dirty="0"/>
-              <a:t>7</a:t>
-            </a:r>
-            <a:r>
-              <a:rPr lang="en-US" altLang="ko-KR" dirty="0" smtClean="0"/>
-              <a:t>0</a:t>
+              <a:t>70</a:t>
             </a:r>
             <a:endParaRPr lang="ko-KR" altLang="en-US" dirty="0"/>
           </a:p>
@@ -5466,11 +5442,11 @@
           <a:p>
             <a:pPr algn="ctr"/>
             <a:r>
-              <a:rPr lang="en-US" altLang="ko-KR" dirty="0" err="1" smtClean="0"/>
+              <a:rPr lang="en-US" altLang="ko-KR" dirty="0" err="1"/>
               <a:t>Arr</a:t>
             </a:r>
             <a:r>
-              <a:rPr lang="en-US" altLang="ko-KR" dirty="0" smtClean="0"/>
+              <a:rPr lang="en-US" altLang="ko-KR" dirty="0"/>
               <a:t>[2]</a:t>
             </a:r>
           </a:p>
@@ -5481,7 +5457,7 @@
           <a:p>
             <a:pPr algn="ctr"/>
             <a:r>
-              <a:rPr lang="en-US" altLang="ko-KR" dirty="0" smtClean="0"/>
+              <a:rPr lang="en-US" altLang="ko-KR" dirty="0"/>
               <a:t>15</a:t>
             </a:r>
             <a:endParaRPr lang="ko-KR" altLang="en-US" dirty="0"/>
@@ -5544,28 +5520,28 @@
           <a:lstStyle/>
           <a:p>
             <a:r>
-              <a:rPr lang="ko-KR" altLang="en-US" dirty="0" smtClean="0">
+              <a:rPr lang="ko-KR" altLang="en-US" dirty="0">
                 <a:latin typeface="에스코어 드림 5 Medium" panose="020B0503030302020204" pitchFamily="34" charset="-127"/>
                 <a:ea typeface="에스코어 드림 5 Medium" panose="020B0503030302020204" pitchFamily="34" charset="-127"/>
               </a:rPr>
               <a:t>법칙 </a:t>
             </a:r>
             <a:r>
-              <a:rPr lang="en-US" altLang="ko-KR" dirty="0" smtClean="0">
+              <a:rPr lang="en-US" altLang="ko-KR" dirty="0">
                 <a:latin typeface="에스코어 드림 5 Medium" panose="020B0503030302020204" pitchFamily="34" charset="-127"/>
                 <a:ea typeface="에스코어 드림 5 Medium" panose="020B0503030302020204" pitchFamily="34" charset="-127"/>
               </a:rPr>
               <a:t>1. </a:t>
             </a:r>
             <a:r>
-              <a:rPr lang="ko-KR" altLang="en-US" dirty="0" smtClean="0">
+              <a:rPr lang="ko-KR" altLang="en-US" dirty="0">
                 <a:latin typeface="에스코어 드림 5 Medium" panose="020B0503030302020204" pitchFamily="34" charset="-127"/>
                 <a:ea typeface="에스코어 드림 5 Medium" panose="020B0503030302020204" pitchFamily="34" charset="-127"/>
               </a:rPr>
               <a:t>무조건 높이가 균일 해야 합니다</a:t>
             </a:r>
             <a:r>
-              <a:rPr lang="en-US" altLang="ko-KR" dirty="0" smtClean="0">
+              <a:rPr lang="en-US" altLang="ko-KR" dirty="0">
                 <a:latin typeface="에스코어 드림 5 Medium" panose="020B0503030302020204" pitchFamily="34" charset="-127"/>
                 <a:ea typeface="에스코어 드림 5 Medium" panose="020B0503030302020204" pitchFamily="34" charset="-127"/>
               </a:rPr>
@@ -5574,28 +5550,28 @@
           </a:p>
           <a:p>
             <a:r>
-              <a:rPr lang="ko-KR" altLang="en-US" dirty="0" smtClean="0">
+              <a:rPr lang="ko-KR" altLang="en-US" dirty="0">
                 <a:latin typeface="에스코어 드림 5 Medium" panose="020B0503030302020204" pitchFamily="34" charset="-127"/>
                 <a:ea typeface="에스코어 드림 5 Medium" panose="020B0503030302020204" pitchFamily="34" charset="-127"/>
               </a:rPr>
               <a:t>법칙 </a:t>
             </a:r>
             <a:r>
-              <a:rPr lang="en-US" altLang="ko-KR" dirty="0" smtClean="0">
+              <a:rPr lang="en-US" altLang="ko-KR" dirty="0">
                 <a:latin typeface="에스코어 드림 5 Medium" panose="020B0503030302020204" pitchFamily="34" charset="-127"/>
                 <a:ea typeface="에스코어 드림 5 Medium" panose="020B0503030302020204" pitchFamily="34" charset="-127"/>
               </a:rPr>
               <a:t>2. </a:t>
             </a:r>
             <a:r>
-              <a:rPr lang="ko-KR" altLang="en-US" dirty="0" smtClean="0">
+              <a:rPr lang="ko-KR" altLang="en-US" dirty="0">
                 <a:latin typeface="에스코어 드림 5 Medium" panose="020B0503030302020204" pitchFamily="34" charset="-127"/>
                 <a:ea typeface="에스코어 드림 5 Medium" panose="020B0503030302020204" pitchFamily="34" charset="-127"/>
               </a:rPr>
               <a:t>왼쪽노드부터 하나씩 채운다</a:t>
             </a:r>
             <a:r>
-              <a:rPr lang="en-US" altLang="ko-KR" dirty="0" smtClean="0">
+              <a:rPr lang="en-US" altLang="ko-KR" dirty="0">
                 <a:latin typeface="에스코어 드림 5 Medium" panose="020B0503030302020204" pitchFamily="34" charset="-127"/>
                 <a:ea typeface="에스코어 드림 5 Medium" panose="020B0503030302020204" pitchFamily="34" charset="-127"/>
               </a:rPr>
@@ -5604,7 +5580,7 @@
           </a:p>
           <a:p>
             <a:r>
-              <a:rPr lang="ko-KR" altLang="en-US" dirty="0" smtClean="0">
+              <a:rPr lang="ko-KR" altLang="en-US" dirty="0">
                 <a:solidFill>
                   <a:srgbClr val="FF0000"/>
                 </a:solidFill>
@@ -5614,7 +5590,7 @@
               <a:t>법칙 </a:t>
             </a:r>
             <a:r>
-              <a:rPr lang="en-US" altLang="ko-KR" dirty="0" smtClean="0">
+              <a:rPr lang="en-US" altLang="ko-KR" dirty="0">
                 <a:solidFill>
                   <a:srgbClr val="FF0000"/>
                 </a:solidFill>
@@ -5624,7 +5600,7 @@
               <a:t>3. </a:t>
             </a:r>
             <a:r>
-              <a:rPr lang="ko-KR" altLang="en-US" dirty="0" smtClean="0">
+              <a:rPr lang="ko-KR" altLang="en-US" dirty="0">
                 <a:solidFill>
                   <a:srgbClr val="FF0000"/>
                 </a:solidFill>
@@ -5634,7 +5610,7 @@
               <a:t>부모 노드는 자식 노드보다 무조건 커야 한다</a:t>
             </a:r>
             <a:r>
-              <a:rPr lang="en-US" altLang="ko-KR" dirty="0" smtClean="0">
+              <a:rPr lang="en-US" altLang="ko-KR" dirty="0">
                 <a:solidFill>
                   <a:srgbClr val="FF0000"/>
                 </a:solidFill>
@@ -5683,11 +5659,11 @@
           <a:p>
             <a:pPr algn="ctr"/>
             <a:r>
-              <a:rPr lang="en-US" altLang="ko-KR" dirty="0" err="1" smtClean="0"/>
+              <a:rPr lang="en-US" altLang="ko-KR" dirty="0" err="1"/>
               <a:t>Arr</a:t>
             </a:r>
             <a:r>
-              <a:rPr lang="en-US" altLang="ko-KR" dirty="0" smtClean="0"/>
+              <a:rPr lang="en-US" altLang="ko-KR" dirty="0"/>
               <a:t>[3]</a:t>
             </a:r>
           </a:p>
@@ -5699,11 +5675,7 @@
             <a:pPr algn="ctr"/>
             <a:r>
               <a:rPr lang="en-US" altLang="ko-KR" dirty="0"/>
-              <a:t>1</a:t>
-            </a:r>
-            <a:r>
-              <a:rPr lang="en-US" altLang="ko-KR" dirty="0" smtClean="0"/>
-              <a:t>0</a:t>
+              <a:t>10</a:t>
             </a:r>
             <a:endParaRPr lang="ko-KR" altLang="en-US" dirty="0"/>
           </a:p>
@@ -5795,20 +5767,20 @@
           <a:lstStyle/>
           <a:p>
             <a:r>
-              <a:rPr lang="ko-KR" altLang="en-US" dirty="0" smtClean="0">
+              <a:rPr lang="ko-KR" altLang="en-US" dirty="0">
                 <a:latin typeface="에스코어 드림 5 Medium" panose="020B0503030302020204" pitchFamily="34" charset="-127"/>
                 <a:ea typeface="에스코어 드림 5 Medium" panose="020B0503030302020204" pitchFamily="34" charset="-127"/>
               </a:rPr>
               <a:t>우선순위 큐</a:t>
             </a:r>
-            <a:endParaRPr lang="en-US" altLang="ko-KR" dirty="0" smtClean="0">
+            <a:endParaRPr lang="en-US" altLang="ko-KR" dirty="0">
               <a:latin typeface="에스코어 드림 5 Medium" panose="020B0503030302020204" pitchFamily="34" charset="-127"/>
               <a:ea typeface="에스코어 드림 5 Medium" panose="020B0503030302020204" pitchFamily="34" charset="-127"/>
             </a:endParaRPr>
           </a:p>
           <a:p>
             <a:r>
-              <a:rPr lang="en-US" altLang="ko-KR" dirty="0" smtClean="0">
+              <a:rPr lang="en-US" altLang="ko-KR" dirty="0">
                 <a:latin typeface="에스코어 드림 5 Medium" panose="020B0503030302020204" pitchFamily="34" charset="-127"/>
                 <a:ea typeface="에스코어 드림 5 Medium" panose="020B0503030302020204" pitchFamily="34" charset="-127"/>
               </a:rPr>
@@ -5844,7 +5816,7 @@
           <a:lstStyle/>
           <a:p>
             <a:r>
-              <a:rPr lang="ko-KR" altLang="en-US" dirty="0" smtClean="0">
+              <a:rPr lang="ko-KR" altLang="en-US" dirty="0">
                 <a:solidFill>
                   <a:srgbClr val="FF0000"/>
                 </a:solidFill>
@@ -5854,7 +5826,7 @@
               <a:t>우선순위 큐에  데이터를 쌓을 때</a:t>
             </a:r>
             <a:r>
-              <a:rPr lang="en-US" altLang="ko-KR" dirty="0" smtClean="0">
+              <a:rPr lang="en-US" altLang="ko-KR" dirty="0">
                 <a:solidFill>
                   <a:srgbClr val="FF0000"/>
                 </a:solidFill>
@@ -5889,14 +5861,14 @@
           <a:lstStyle/>
           <a:p>
             <a:r>
-              <a:rPr lang="ko-KR" altLang="en-US" dirty="0" smtClean="0">
+              <a:rPr lang="ko-KR" altLang="en-US" dirty="0">
                 <a:latin typeface="에스코어 드림 5 Medium" panose="020B0503030302020204" pitchFamily="34" charset="-127"/>
                 <a:ea typeface="에스코어 드림 5 Medium" panose="020B0503030302020204" pitchFamily="34" charset="-127"/>
               </a:rPr>
               <a:t>우선순위 큐에  데이터를 뺄 때</a:t>
             </a:r>
             <a:r>
-              <a:rPr lang="en-US" altLang="ko-KR" dirty="0" smtClean="0">
+              <a:rPr lang="en-US" altLang="ko-KR" dirty="0">
                 <a:latin typeface="에스코어 드림 5 Medium" panose="020B0503030302020204" pitchFamily="34" charset="-127"/>
                 <a:ea typeface="에스코어 드림 5 Medium" panose="020B0503030302020204" pitchFamily="34" charset="-127"/>
               </a:rPr>
@@ -5942,11 +5914,11 @@
           <a:p>
             <a:pPr algn="ctr"/>
             <a:r>
-              <a:rPr lang="en-US" altLang="ko-KR" dirty="0" err="1" smtClean="0"/>
+              <a:rPr lang="en-US" altLang="ko-KR" dirty="0" err="1"/>
               <a:t>Arr</a:t>
             </a:r>
             <a:r>
-              <a:rPr lang="en-US" altLang="ko-KR" dirty="0" smtClean="0"/>
+              <a:rPr lang="en-US" altLang="ko-KR" dirty="0"/>
               <a:t>[0]</a:t>
             </a:r>
           </a:p>
@@ -5958,11 +5930,7 @@
             <a:pPr algn="ctr"/>
             <a:r>
               <a:rPr lang="en-US" altLang="ko-KR" dirty="0"/>
-              <a:t>7</a:t>
-            </a:r>
-            <a:r>
-              <a:rPr lang="en-US" altLang="ko-KR" dirty="0" smtClean="0"/>
-              <a:t>0</a:t>
+              <a:t>70</a:t>
             </a:r>
             <a:endParaRPr lang="ko-KR" altLang="en-US" dirty="0"/>
           </a:p>
@@ -6038,11 +6006,11 @@
           <a:p>
             <a:pPr algn="ctr"/>
             <a:r>
-              <a:rPr lang="en-US" altLang="ko-KR" dirty="0" err="1" smtClean="0"/>
+              <a:rPr lang="en-US" altLang="ko-KR" dirty="0" err="1"/>
               <a:t>Arr</a:t>
             </a:r>
             <a:r>
-              <a:rPr lang="en-US" altLang="ko-KR" dirty="0" smtClean="0"/>
+              <a:rPr lang="en-US" altLang="ko-KR" dirty="0"/>
               <a:t>[1]</a:t>
             </a:r>
           </a:p>
@@ -6053,7 +6021,7 @@
           <a:p>
             <a:pPr algn="ctr"/>
             <a:r>
-              <a:rPr lang="en-US" altLang="ko-KR" dirty="0" smtClean="0"/>
+              <a:rPr lang="en-US" altLang="ko-KR" dirty="0"/>
               <a:t>20</a:t>
             </a:r>
             <a:endParaRPr lang="ko-KR" altLang="en-US" dirty="0"/>
@@ -6097,11 +6065,11 @@
           <a:p>
             <a:pPr algn="ctr"/>
             <a:r>
-              <a:rPr lang="en-US" altLang="ko-KR" dirty="0" err="1" smtClean="0"/>
+              <a:rPr lang="en-US" altLang="ko-KR" dirty="0" err="1"/>
               <a:t>Arr</a:t>
             </a:r>
             <a:r>
-              <a:rPr lang="en-US" altLang="ko-KR" dirty="0" smtClean="0"/>
+              <a:rPr lang="en-US" altLang="ko-KR" dirty="0"/>
               <a:t>[2]</a:t>
             </a:r>
           </a:p>
@@ -6112,7 +6080,7 @@
           <a:p>
             <a:pPr algn="ctr"/>
             <a:r>
-              <a:rPr lang="en-US" altLang="ko-KR" dirty="0" smtClean="0"/>
+              <a:rPr lang="en-US" altLang="ko-KR" dirty="0"/>
               <a:t>15</a:t>
             </a:r>
             <a:endParaRPr lang="ko-KR" altLang="en-US" dirty="0"/>
@@ -6175,28 +6143,28 @@
           <a:lstStyle/>
           <a:p>
             <a:r>
-              <a:rPr lang="ko-KR" altLang="en-US" dirty="0" smtClean="0">
+              <a:rPr lang="ko-KR" altLang="en-US" dirty="0">
                 <a:latin typeface="에스코어 드림 5 Medium" panose="020B0503030302020204" pitchFamily="34" charset="-127"/>
                 <a:ea typeface="에스코어 드림 5 Medium" panose="020B0503030302020204" pitchFamily="34" charset="-127"/>
               </a:rPr>
               <a:t>법칙 </a:t>
             </a:r>
             <a:r>
-              <a:rPr lang="en-US" altLang="ko-KR" dirty="0" smtClean="0">
+              <a:rPr lang="en-US" altLang="ko-KR" dirty="0">
                 <a:latin typeface="에스코어 드림 5 Medium" panose="020B0503030302020204" pitchFamily="34" charset="-127"/>
                 <a:ea typeface="에스코어 드림 5 Medium" panose="020B0503030302020204" pitchFamily="34" charset="-127"/>
               </a:rPr>
               <a:t>1. </a:t>
             </a:r>
             <a:r>
-              <a:rPr lang="ko-KR" altLang="en-US" dirty="0" smtClean="0">
+              <a:rPr lang="ko-KR" altLang="en-US" dirty="0">
                 <a:latin typeface="에스코어 드림 5 Medium" panose="020B0503030302020204" pitchFamily="34" charset="-127"/>
                 <a:ea typeface="에스코어 드림 5 Medium" panose="020B0503030302020204" pitchFamily="34" charset="-127"/>
               </a:rPr>
               <a:t>무조건 높이가 균일 해야 합니다</a:t>
             </a:r>
             <a:r>
-              <a:rPr lang="en-US" altLang="ko-KR" dirty="0" smtClean="0">
+              <a:rPr lang="en-US" altLang="ko-KR" dirty="0">
                 <a:latin typeface="에스코어 드림 5 Medium" panose="020B0503030302020204" pitchFamily="34" charset="-127"/>
                 <a:ea typeface="에스코어 드림 5 Medium" panose="020B0503030302020204" pitchFamily="34" charset="-127"/>
               </a:rPr>
@@ -6205,28 +6173,28 @@
           </a:p>
           <a:p>
             <a:r>
-              <a:rPr lang="ko-KR" altLang="en-US" dirty="0" smtClean="0">
+              <a:rPr lang="ko-KR" altLang="en-US" dirty="0">
                 <a:latin typeface="에스코어 드림 5 Medium" panose="020B0503030302020204" pitchFamily="34" charset="-127"/>
                 <a:ea typeface="에스코어 드림 5 Medium" panose="020B0503030302020204" pitchFamily="34" charset="-127"/>
               </a:rPr>
               <a:t>법칙 </a:t>
             </a:r>
             <a:r>
-              <a:rPr lang="en-US" altLang="ko-KR" dirty="0" smtClean="0">
+              <a:rPr lang="en-US" altLang="ko-KR" dirty="0">
                 <a:latin typeface="에스코어 드림 5 Medium" panose="020B0503030302020204" pitchFamily="34" charset="-127"/>
                 <a:ea typeface="에스코어 드림 5 Medium" panose="020B0503030302020204" pitchFamily="34" charset="-127"/>
               </a:rPr>
               <a:t>2. </a:t>
             </a:r>
             <a:r>
-              <a:rPr lang="ko-KR" altLang="en-US" dirty="0" smtClean="0">
+              <a:rPr lang="ko-KR" altLang="en-US" dirty="0">
                 <a:latin typeface="에스코어 드림 5 Medium" panose="020B0503030302020204" pitchFamily="34" charset="-127"/>
                 <a:ea typeface="에스코어 드림 5 Medium" panose="020B0503030302020204" pitchFamily="34" charset="-127"/>
               </a:rPr>
               <a:t>왼쪽노드부터 하나씩 채운다</a:t>
             </a:r>
             <a:r>
-              <a:rPr lang="en-US" altLang="ko-KR" dirty="0" smtClean="0">
+              <a:rPr lang="en-US" altLang="ko-KR" dirty="0">
                 <a:latin typeface="에스코어 드림 5 Medium" panose="020B0503030302020204" pitchFamily="34" charset="-127"/>
                 <a:ea typeface="에스코어 드림 5 Medium" panose="020B0503030302020204" pitchFamily="34" charset="-127"/>
               </a:rPr>
@@ -6235,7 +6203,7 @@
           </a:p>
           <a:p>
             <a:r>
-              <a:rPr lang="ko-KR" altLang="en-US" dirty="0" smtClean="0">
+              <a:rPr lang="ko-KR" altLang="en-US" dirty="0">
                 <a:solidFill>
                   <a:srgbClr val="FF0000"/>
                 </a:solidFill>
@@ -6245,7 +6213,7 @@
               <a:t>법칙 </a:t>
             </a:r>
             <a:r>
-              <a:rPr lang="en-US" altLang="ko-KR" dirty="0" smtClean="0">
+              <a:rPr lang="en-US" altLang="ko-KR" dirty="0">
                 <a:solidFill>
                   <a:srgbClr val="FF0000"/>
                 </a:solidFill>
@@ -6255,7 +6223,7 @@
               <a:t>3. </a:t>
             </a:r>
             <a:r>
-              <a:rPr lang="ko-KR" altLang="en-US" dirty="0" smtClean="0">
+              <a:rPr lang="ko-KR" altLang="en-US" dirty="0">
                 <a:solidFill>
                   <a:srgbClr val="FF0000"/>
                 </a:solidFill>
@@ -6265,7 +6233,7 @@
               <a:t>부모 노드는 자식 노드보다 무조건 커야 한다</a:t>
             </a:r>
             <a:r>
-              <a:rPr lang="en-US" altLang="ko-KR" dirty="0" smtClean="0">
+              <a:rPr lang="en-US" altLang="ko-KR" dirty="0">
                 <a:solidFill>
                   <a:srgbClr val="FF0000"/>
                 </a:solidFill>
@@ -6314,11 +6282,11 @@
           <a:p>
             <a:pPr algn="ctr"/>
             <a:r>
-              <a:rPr lang="en-US" altLang="ko-KR" dirty="0" err="1" smtClean="0"/>
+              <a:rPr lang="en-US" altLang="ko-KR" dirty="0" err="1"/>
               <a:t>Arr</a:t>
             </a:r>
             <a:r>
-              <a:rPr lang="en-US" altLang="ko-KR" dirty="0" smtClean="0"/>
+              <a:rPr lang="en-US" altLang="ko-KR" dirty="0"/>
               <a:t>[3]</a:t>
             </a:r>
           </a:p>
@@ -6330,11 +6298,7 @@
             <a:pPr algn="ctr"/>
             <a:r>
               <a:rPr lang="en-US" altLang="ko-KR" dirty="0"/>
-              <a:t>1</a:t>
-            </a:r>
-            <a:r>
-              <a:rPr lang="en-US" altLang="ko-KR" dirty="0" smtClean="0"/>
-              <a:t>0</a:t>
+              <a:t>10</a:t>
             </a:r>
             <a:endParaRPr lang="ko-KR" altLang="en-US" dirty="0"/>
           </a:p>
@@ -6426,20 +6390,20 @@
           <a:lstStyle/>
           <a:p>
             <a:r>
-              <a:rPr lang="ko-KR" altLang="en-US" dirty="0" smtClean="0">
+              <a:rPr lang="ko-KR" altLang="en-US" dirty="0">
                 <a:latin typeface="에스코어 드림 5 Medium" panose="020B0503030302020204" pitchFamily="34" charset="-127"/>
                 <a:ea typeface="에스코어 드림 5 Medium" panose="020B0503030302020204" pitchFamily="34" charset="-127"/>
               </a:rPr>
               <a:t>우선순위 큐</a:t>
             </a:r>
-            <a:endParaRPr lang="en-US" altLang="ko-KR" dirty="0" smtClean="0">
+            <a:endParaRPr lang="en-US" altLang="ko-KR" dirty="0">
               <a:latin typeface="에스코어 드림 5 Medium" panose="020B0503030302020204" pitchFamily="34" charset="-127"/>
               <a:ea typeface="에스코어 드림 5 Medium" panose="020B0503030302020204" pitchFamily="34" charset="-127"/>
             </a:endParaRPr>
           </a:p>
           <a:p>
             <a:r>
-              <a:rPr lang="en-US" altLang="ko-KR" dirty="0" smtClean="0">
+              <a:rPr lang="en-US" altLang="ko-KR" dirty="0">
                 <a:latin typeface="에스코어 드림 5 Medium" panose="020B0503030302020204" pitchFamily="34" charset="-127"/>
                 <a:ea typeface="에스코어 드림 5 Medium" panose="020B0503030302020204" pitchFamily="34" charset="-127"/>
               </a:rPr>
@@ -6475,14 +6439,14 @@
           <a:lstStyle/>
           <a:p>
             <a:r>
-              <a:rPr lang="ko-KR" altLang="en-US" dirty="0" smtClean="0">
+              <a:rPr lang="ko-KR" altLang="en-US" dirty="0">
                 <a:latin typeface="에스코어 드림 5 Medium" panose="020B0503030302020204" pitchFamily="34" charset="-127"/>
                 <a:ea typeface="에스코어 드림 5 Medium" panose="020B0503030302020204" pitchFamily="34" charset="-127"/>
               </a:rPr>
               <a:t>우선순위 큐에  데이터를 쌓을 때</a:t>
             </a:r>
             <a:r>
-              <a:rPr lang="en-US" altLang="ko-KR" dirty="0" smtClean="0">
+              <a:rPr lang="en-US" altLang="ko-KR" dirty="0">
                 <a:latin typeface="에스코어 드림 5 Medium" panose="020B0503030302020204" pitchFamily="34" charset="-127"/>
                 <a:ea typeface="에스코어 드림 5 Medium" panose="020B0503030302020204" pitchFamily="34" charset="-127"/>
               </a:rPr>
@@ -6514,7 +6478,7 @@
           <a:lstStyle/>
           <a:p>
             <a:r>
-              <a:rPr lang="ko-KR" altLang="en-US" dirty="0" smtClean="0">
+              <a:rPr lang="ko-KR" altLang="en-US" dirty="0">
                 <a:solidFill>
                   <a:srgbClr val="C00000"/>
                 </a:solidFill>
@@ -6524,7 +6488,7 @@
               <a:t>우선순위 큐에  데이터를 뺄 때</a:t>
             </a:r>
             <a:r>
-              <a:rPr lang="en-US" altLang="ko-KR" dirty="0" smtClean="0">
+              <a:rPr lang="en-US" altLang="ko-KR" dirty="0">
                 <a:solidFill>
                   <a:srgbClr val="C00000"/>
                 </a:solidFill>
@@ -6543,40 +6507,30 @@
                 <a:latin typeface="에스코어 드림 5 Medium" panose="020B0503030302020204" pitchFamily="34" charset="-127"/>
                 <a:ea typeface="에스코어 드림 5 Medium" panose="020B0503030302020204" pitchFamily="34" charset="-127"/>
               </a:rPr>
-              <a:t> </a:t>
-            </a:r>
-            <a:r>
-              <a:rPr lang="en-US" altLang="ko-KR" dirty="0" smtClean="0">
+              <a:t> - </a:t>
+            </a:r>
+            <a:r>
+              <a:rPr lang="ko-KR" altLang="en-US" dirty="0" err="1">
                 <a:solidFill>
                   <a:srgbClr val="C00000"/>
                 </a:solidFill>
                 <a:latin typeface="에스코어 드림 5 Medium" panose="020B0503030302020204" pitchFamily="34" charset="-127"/>
                 <a:ea typeface="에스코어 드림 5 Medium" panose="020B0503030302020204" pitchFamily="34" charset="-127"/>
               </a:rPr>
-              <a:t>- </a:t>
-            </a:r>
-            <a:r>
-              <a:rPr lang="ko-KR" altLang="en-US" dirty="0" err="1" smtClean="0">
+              <a:t>빼는거는</a:t>
+            </a:r>
+            <a:r>
+              <a:rPr lang="ko-KR" altLang="en-US" dirty="0">
                 <a:solidFill>
                   <a:srgbClr val="C00000"/>
                 </a:solidFill>
                 <a:latin typeface="에스코어 드림 5 Medium" panose="020B0503030302020204" pitchFamily="34" charset="-127"/>
                 <a:ea typeface="에스코어 드림 5 Medium" panose="020B0503030302020204" pitchFamily="34" charset="-127"/>
               </a:rPr>
-              <a:t>빼는거는</a:t>
-            </a:r>
-            <a:r>
-              <a:rPr lang="ko-KR" altLang="en-US" dirty="0" smtClean="0">
-                <a:solidFill>
-                  <a:srgbClr val="C00000"/>
-                </a:solidFill>
-                <a:latin typeface="에스코어 드림 5 Medium" panose="020B0503030302020204" pitchFamily="34" charset="-127"/>
-                <a:ea typeface="에스코어 드림 5 Medium" panose="020B0503030302020204" pitchFamily="34" charset="-127"/>
-              </a:rPr>
               <a:t> 항상 가장 큰 값만 빠집니다</a:t>
             </a:r>
             <a:r>
-              <a:rPr lang="en-US" altLang="ko-KR" dirty="0" smtClean="0">
+              <a:rPr lang="en-US" altLang="ko-KR" dirty="0">
                 <a:solidFill>
                   <a:srgbClr val="C00000"/>
                 </a:solidFill>
@@ -6625,11 +6579,11 @@
           <a:p>
             <a:pPr algn="ctr"/>
             <a:r>
-              <a:rPr lang="en-US" altLang="ko-KR" dirty="0" err="1" smtClean="0"/>
+              <a:rPr lang="en-US" altLang="ko-KR" dirty="0" err="1"/>
               <a:t>Arr</a:t>
             </a:r>
             <a:r>
-              <a:rPr lang="en-US" altLang="ko-KR" dirty="0" smtClean="0"/>
+              <a:rPr lang="en-US" altLang="ko-KR" dirty="0"/>
               <a:t>[0]</a:t>
             </a:r>
           </a:p>
@@ -6640,7 +6594,7 @@
           <a:p>
             <a:pPr algn="ctr"/>
             <a:r>
-              <a:rPr lang="en-US" altLang="ko-KR" dirty="0" smtClean="0"/>
+              <a:rPr lang="en-US" altLang="ko-KR" dirty="0"/>
               <a:t>70</a:t>
             </a:r>
             <a:endParaRPr lang="ko-KR" altLang="en-US" dirty="0"/>
@@ -6717,11 +6671,11 @@
           <a:p>
             <a:pPr algn="ctr"/>
             <a:r>
-              <a:rPr lang="en-US" altLang="ko-KR" dirty="0" err="1" smtClean="0"/>
+              <a:rPr lang="en-US" altLang="ko-KR" dirty="0" err="1"/>
               <a:t>Arr</a:t>
             </a:r>
             <a:r>
-              <a:rPr lang="en-US" altLang="ko-KR" dirty="0" smtClean="0"/>
+              <a:rPr lang="en-US" altLang="ko-KR" dirty="0"/>
               <a:t>[1]</a:t>
             </a:r>
           </a:p>
@@ -6732,7 +6686,7 @@
           <a:p>
             <a:pPr algn="ctr"/>
             <a:r>
-              <a:rPr lang="en-US" altLang="ko-KR" dirty="0" smtClean="0"/>
+              <a:rPr lang="en-US" altLang="ko-KR" dirty="0"/>
               <a:t>20</a:t>
             </a:r>
             <a:endParaRPr lang="ko-KR" altLang="en-US" dirty="0"/>
@@ -6776,11 +6730,11 @@
           <a:p>
             <a:pPr algn="ctr"/>
             <a:r>
-              <a:rPr lang="en-US" altLang="ko-KR" dirty="0" err="1" smtClean="0"/>
+              <a:rPr lang="en-US" altLang="ko-KR" dirty="0" err="1"/>
               <a:t>Arr</a:t>
             </a:r>
             <a:r>
-              <a:rPr lang="en-US" altLang="ko-KR" dirty="0" smtClean="0"/>
+              <a:rPr lang="en-US" altLang="ko-KR" dirty="0"/>
               <a:t>[2]</a:t>
             </a:r>
           </a:p>
@@ -6791,7 +6745,7 @@
           <a:p>
             <a:pPr algn="ctr"/>
             <a:r>
-              <a:rPr lang="en-US" altLang="ko-KR" dirty="0" smtClean="0"/>
+              <a:rPr lang="en-US" altLang="ko-KR" dirty="0"/>
               <a:t>15</a:t>
             </a:r>
             <a:endParaRPr lang="ko-KR" altLang="en-US" dirty="0"/>
@@ -6854,28 +6808,28 @@
           <a:lstStyle/>
           <a:p>
             <a:r>
-              <a:rPr lang="ko-KR" altLang="en-US" dirty="0" smtClean="0">
+              <a:rPr lang="ko-KR" altLang="en-US" dirty="0">
                 <a:latin typeface="에스코어 드림 5 Medium" panose="020B0503030302020204" pitchFamily="34" charset="-127"/>
                 <a:ea typeface="에스코어 드림 5 Medium" panose="020B0503030302020204" pitchFamily="34" charset="-127"/>
               </a:rPr>
               <a:t>법칙 </a:t>
             </a:r>
             <a:r>
-              <a:rPr lang="en-US" altLang="ko-KR" dirty="0" smtClean="0">
+              <a:rPr lang="en-US" altLang="ko-KR" dirty="0">
                 <a:latin typeface="에스코어 드림 5 Medium" panose="020B0503030302020204" pitchFamily="34" charset="-127"/>
                 <a:ea typeface="에스코어 드림 5 Medium" panose="020B0503030302020204" pitchFamily="34" charset="-127"/>
               </a:rPr>
               <a:t>1. </a:t>
             </a:r>
             <a:r>
-              <a:rPr lang="ko-KR" altLang="en-US" dirty="0" smtClean="0">
+              <a:rPr lang="ko-KR" altLang="en-US" dirty="0">
                 <a:latin typeface="에스코어 드림 5 Medium" panose="020B0503030302020204" pitchFamily="34" charset="-127"/>
                 <a:ea typeface="에스코어 드림 5 Medium" panose="020B0503030302020204" pitchFamily="34" charset="-127"/>
               </a:rPr>
               <a:t>무조건 높이가 균일 해야 합니다</a:t>
             </a:r>
             <a:r>
-              <a:rPr lang="en-US" altLang="ko-KR" dirty="0" smtClean="0">
+              <a:rPr lang="en-US" altLang="ko-KR" dirty="0">
                 <a:latin typeface="에스코어 드림 5 Medium" panose="020B0503030302020204" pitchFamily="34" charset="-127"/>
                 <a:ea typeface="에스코어 드림 5 Medium" panose="020B0503030302020204" pitchFamily="34" charset="-127"/>
               </a:rPr>
@@ -6884,28 +6838,28 @@
           </a:p>
           <a:p>
             <a:r>
-              <a:rPr lang="ko-KR" altLang="en-US" dirty="0" smtClean="0">
+              <a:rPr lang="ko-KR" altLang="en-US" dirty="0">
                 <a:latin typeface="에스코어 드림 5 Medium" panose="020B0503030302020204" pitchFamily="34" charset="-127"/>
                 <a:ea typeface="에스코어 드림 5 Medium" panose="020B0503030302020204" pitchFamily="34" charset="-127"/>
               </a:rPr>
               <a:t>법칙 </a:t>
             </a:r>
             <a:r>
-              <a:rPr lang="en-US" altLang="ko-KR" dirty="0" smtClean="0">
+              <a:rPr lang="en-US" altLang="ko-KR" dirty="0">
                 <a:latin typeface="에스코어 드림 5 Medium" panose="020B0503030302020204" pitchFamily="34" charset="-127"/>
                 <a:ea typeface="에스코어 드림 5 Medium" panose="020B0503030302020204" pitchFamily="34" charset="-127"/>
               </a:rPr>
               <a:t>2. </a:t>
             </a:r>
             <a:r>
-              <a:rPr lang="ko-KR" altLang="en-US" dirty="0" smtClean="0">
+              <a:rPr lang="ko-KR" altLang="en-US" dirty="0">
                 <a:latin typeface="에스코어 드림 5 Medium" panose="020B0503030302020204" pitchFamily="34" charset="-127"/>
                 <a:ea typeface="에스코어 드림 5 Medium" panose="020B0503030302020204" pitchFamily="34" charset="-127"/>
               </a:rPr>
               <a:t>왼쪽노드부터 하나씩 채운다</a:t>
             </a:r>
             <a:r>
-              <a:rPr lang="en-US" altLang="ko-KR" dirty="0" smtClean="0">
+              <a:rPr lang="en-US" altLang="ko-KR" dirty="0">
                 <a:latin typeface="에스코어 드림 5 Medium" panose="020B0503030302020204" pitchFamily="34" charset="-127"/>
                 <a:ea typeface="에스코어 드림 5 Medium" panose="020B0503030302020204" pitchFamily="34" charset="-127"/>
               </a:rPr>
@@ -6914,7 +6868,7 @@
           </a:p>
           <a:p>
             <a:r>
-              <a:rPr lang="ko-KR" altLang="en-US" dirty="0" smtClean="0">
+              <a:rPr lang="ko-KR" altLang="en-US" dirty="0">
                 <a:solidFill>
                   <a:srgbClr val="FF0000"/>
                 </a:solidFill>
@@ -6924,7 +6878,7 @@
               <a:t>법칙 </a:t>
             </a:r>
             <a:r>
-              <a:rPr lang="en-US" altLang="ko-KR" dirty="0" smtClean="0">
+              <a:rPr lang="en-US" altLang="ko-KR" dirty="0">
                 <a:solidFill>
                   <a:srgbClr val="FF0000"/>
                 </a:solidFill>
@@ -6934,7 +6888,7 @@
               <a:t>3. </a:t>
             </a:r>
             <a:r>
-              <a:rPr lang="ko-KR" altLang="en-US" dirty="0" smtClean="0">
+              <a:rPr lang="ko-KR" altLang="en-US" dirty="0">
                 <a:solidFill>
                   <a:srgbClr val="FF0000"/>
                 </a:solidFill>
@@ -6944,7 +6898,7 @@
               <a:t>부모 노드는 자식 노드보다 무조건 커야 한다</a:t>
             </a:r>
             <a:r>
-              <a:rPr lang="en-US" altLang="ko-KR" dirty="0" smtClean="0">
+              <a:rPr lang="en-US" altLang="ko-KR" dirty="0">
                 <a:solidFill>
                   <a:srgbClr val="FF0000"/>
                 </a:solidFill>
@@ -6993,11 +6947,11 @@
           <a:p>
             <a:pPr algn="ctr"/>
             <a:r>
-              <a:rPr lang="en-US" altLang="ko-KR" dirty="0" err="1" smtClean="0"/>
+              <a:rPr lang="en-US" altLang="ko-KR" dirty="0" err="1"/>
               <a:t>Arr</a:t>
             </a:r>
             <a:r>
-              <a:rPr lang="en-US" altLang="ko-KR" dirty="0" smtClean="0"/>
+              <a:rPr lang="en-US" altLang="ko-KR" dirty="0"/>
               <a:t>[3]</a:t>
             </a:r>
           </a:p>
@@ -7009,11 +6963,7 @@
             <a:pPr algn="ctr"/>
             <a:r>
               <a:rPr lang="en-US" altLang="ko-KR" dirty="0"/>
-              <a:t>1</a:t>
-            </a:r>
-            <a:r>
-              <a:rPr lang="en-US" altLang="ko-KR" dirty="0" smtClean="0"/>
-              <a:t>0</a:t>
+              <a:t>10</a:t>
             </a:r>
             <a:endParaRPr lang="ko-KR" altLang="en-US" dirty="0"/>
           </a:p>
@@ -7105,20 +7055,20 @@
           <a:lstStyle/>
           <a:p>
             <a:r>
-              <a:rPr lang="ko-KR" altLang="en-US" dirty="0" smtClean="0">
+              <a:rPr lang="ko-KR" altLang="en-US" dirty="0">
                 <a:latin typeface="에스코어 드림 5 Medium" panose="020B0503030302020204" pitchFamily="34" charset="-127"/>
                 <a:ea typeface="에스코어 드림 5 Medium" panose="020B0503030302020204" pitchFamily="34" charset="-127"/>
               </a:rPr>
               <a:t>우선순위 큐</a:t>
             </a:r>
-            <a:endParaRPr lang="en-US" altLang="ko-KR" dirty="0" smtClean="0">
+            <a:endParaRPr lang="en-US" altLang="ko-KR" dirty="0">
               <a:latin typeface="에스코어 드림 5 Medium" panose="020B0503030302020204" pitchFamily="34" charset="-127"/>
               <a:ea typeface="에스코어 드림 5 Medium" panose="020B0503030302020204" pitchFamily="34" charset="-127"/>
             </a:endParaRPr>
           </a:p>
           <a:p>
             <a:r>
-              <a:rPr lang="en-US" altLang="ko-KR" dirty="0" smtClean="0">
+              <a:rPr lang="en-US" altLang="ko-KR" dirty="0">
                 <a:latin typeface="에스코어 드림 5 Medium" panose="020B0503030302020204" pitchFamily="34" charset="-127"/>
                 <a:ea typeface="에스코어 드림 5 Medium" panose="020B0503030302020204" pitchFamily="34" charset="-127"/>
               </a:rPr>
@@ -7154,14 +7104,14 @@
           <a:lstStyle/>
           <a:p>
             <a:r>
-              <a:rPr lang="ko-KR" altLang="en-US" dirty="0" smtClean="0">
+              <a:rPr lang="ko-KR" altLang="en-US" dirty="0">
                 <a:latin typeface="에스코어 드림 5 Medium" panose="020B0503030302020204" pitchFamily="34" charset="-127"/>
                 <a:ea typeface="에스코어 드림 5 Medium" panose="020B0503030302020204" pitchFamily="34" charset="-127"/>
               </a:rPr>
               <a:t>우선순위 큐에  데이터를 쌓을 때</a:t>
             </a:r>
             <a:r>
-              <a:rPr lang="en-US" altLang="ko-KR" dirty="0" smtClean="0">
+              <a:rPr lang="en-US" altLang="ko-KR" dirty="0">
                 <a:latin typeface="에스코어 드림 5 Medium" panose="020B0503030302020204" pitchFamily="34" charset="-127"/>
                 <a:ea typeface="에스코어 드림 5 Medium" panose="020B0503030302020204" pitchFamily="34" charset="-127"/>
               </a:rPr>
@@ -7193,7 +7143,7 @@
           <a:lstStyle/>
           <a:p>
             <a:r>
-              <a:rPr lang="ko-KR" altLang="en-US" dirty="0" smtClean="0">
+              <a:rPr lang="ko-KR" altLang="en-US" dirty="0">
                 <a:solidFill>
                   <a:srgbClr val="C00000"/>
                 </a:solidFill>
@@ -7203,7 +7153,7 @@
               <a:t>우선순위 큐에  데이터를 뺄 때</a:t>
             </a:r>
             <a:r>
-              <a:rPr lang="en-US" altLang="ko-KR" dirty="0" smtClean="0">
+              <a:rPr lang="en-US" altLang="ko-KR" dirty="0">
                 <a:solidFill>
                   <a:srgbClr val="C00000"/>
                 </a:solidFill>
@@ -7222,40 +7172,30 @@
                 <a:latin typeface="에스코어 드림 5 Medium" panose="020B0503030302020204" pitchFamily="34" charset="-127"/>
                 <a:ea typeface="에스코어 드림 5 Medium" panose="020B0503030302020204" pitchFamily="34" charset="-127"/>
               </a:rPr>
-              <a:t> </a:t>
-            </a:r>
-            <a:r>
-              <a:rPr lang="en-US" altLang="ko-KR" dirty="0" smtClean="0">
+              <a:t> - </a:t>
+            </a:r>
+            <a:r>
+              <a:rPr lang="ko-KR" altLang="en-US" dirty="0" err="1">
                 <a:solidFill>
                   <a:srgbClr val="C00000"/>
                 </a:solidFill>
                 <a:latin typeface="에스코어 드림 5 Medium" panose="020B0503030302020204" pitchFamily="34" charset="-127"/>
                 <a:ea typeface="에스코어 드림 5 Medium" panose="020B0503030302020204" pitchFamily="34" charset="-127"/>
               </a:rPr>
-              <a:t>- </a:t>
-            </a:r>
-            <a:r>
-              <a:rPr lang="ko-KR" altLang="en-US" dirty="0" err="1" smtClean="0">
+              <a:t>빼는거는</a:t>
+            </a:r>
+            <a:r>
+              <a:rPr lang="ko-KR" altLang="en-US" dirty="0">
                 <a:solidFill>
                   <a:srgbClr val="C00000"/>
                 </a:solidFill>
                 <a:latin typeface="에스코어 드림 5 Medium" panose="020B0503030302020204" pitchFamily="34" charset="-127"/>
                 <a:ea typeface="에스코어 드림 5 Medium" panose="020B0503030302020204" pitchFamily="34" charset="-127"/>
               </a:rPr>
-              <a:t>빼는거는</a:t>
-            </a:r>
-            <a:r>
-              <a:rPr lang="ko-KR" altLang="en-US" dirty="0" smtClean="0">
-                <a:solidFill>
-                  <a:srgbClr val="C00000"/>
-                </a:solidFill>
-                <a:latin typeface="에스코어 드림 5 Medium" panose="020B0503030302020204" pitchFamily="34" charset="-127"/>
-                <a:ea typeface="에스코어 드림 5 Medium" panose="020B0503030302020204" pitchFamily="34" charset="-127"/>
-              </a:rPr>
               <a:t> 항상 가장 큰 값만 빠집니다</a:t>
             </a:r>
             <a:r>
-              <a:rPr lang="en-US" altLang="ko-KR" dirty="0" smtClean="0">
+              <a:rPr lang="en-US" altLang="ko-KR" dirty="0">
                 <a:solidFill>
                   <a:srgbClr val="C00000"/>
                 </a:solidFill>
@@ -7304,11 +7244,11 @@
           <a:p>
             <a:pPr algn="ctr"/>
             <a:r>
-              <a:rPr lang="en-US" altLang="ko-KR" dirty="0" err="1" smtClean="0"/>
+              <a:rPr lang="en-US" altLang="ko-KR" dirty="0" err="1"/>
               <a:t>Arr</a:t>
             </a:r>
             <a:r>
-              <a:rPr lang="en-US" altLang="ko-KR" dirty="0" smtClean="0"/>
+              <a:rPr lang="en-US" altLang="ko-KR" dirty="0"/>
               <a:t>[0]</a:t>
             </a:r>
           </a:p>
@@ -7319,7 +7259,7 @@
           <a:p>
             <a:pPr algn="ctr"/>
             <a:r>
-              <a:rPr lang="en-US" altLang="ko-KR" dirty="0" smtClean="0"/>
+              <a:rPr lang="en-US" altLang="ko-KR" dirty="0"/>
               <a:t>10</a:t>
             </a:r>
             <a:endParaRPr lang="ko-KR" altLang="en-US" dirty="0"/>
@@ -7396,11 +7336,11 @@
           <a:p>
             <a:pPr algn="ctr"/>
             <a:r>
-              <a:rPr lang="en-US" altLang="ko-KR" dirty="0" err="1" smtClean="0"/>
+              <a:rPr lang="en-US" altLang="ko-KR" dirty="0" err="1"/>
               <a:t>Arr</a:t>
             </a:r>
             <a:r>
-              <a:rPr lang="en-US" altLang="ko-KR" dirty="0" smtClean="0"/>
+              <a:rPr lang="en-US" altLang="ko-KR" dirty="0"/>
               <a:t>[1]</a:t>
             </a:r>
           </a:p>
@@ -7411,7 +7351,7 @@
           <a:p>
             <a:pPr algn="ctr"/>
             <a:r>
-              <a:rPr lang="en-US" altLang="ko-KR" dirty="0" smtClean="0"/>
+              <a:rPr lang="en-US" altLang="ko-KR" dirty="0"/>
               <a:t>20</a:t>
             </a:r>
             <a:endParaRPr lang="ko-KR" altLang="en-US" dirty="0"/>
@@ -7455,11 +7395,11 @@
           <a:p>
             <a:pPr algn="ctr"/>
             <a:r>
-              <a:rPr lang="en-US" altLang="ko-KR" dirty="0" err="1" smtClean="0"/>
+              <a:rPr lang="en-US" altLang="ko-KR" dirty="0" err="1"/>
               <a:t>Arr</a:t>
             </a:r>
             <a:r>
-              <a:rPr lang="en-US" altLang="ko-KR" dirty="0" smtClean="0"/>
+              <a:rPr lang="en-US" altLang="ko-KR" dirty="0"/>
               <a:t>[2]</a:t>
             </a:r>
           </a:p>
@@ -7470,7 +7410,7 @@
           <a:p>
             <a:pPr algn="ctr"/>
             <a:r>
-              <a:rPr lang="en-US" altLang="ko-KR" dirty="0" smtClean="0"/>
+              <a:rPr lang="en-US" altLang="ko-KR" dirty="0"/>
               <a:t>15</a:t>
             </a:r>
             <a:endParaRPr lang="ko-KR" altLang="en-US" dirty="0"/>
@@ -7533,28 +7473,28 @@
           <a:lstStyle/>
           <a:p>
             <a:r>
-              <a:rPr lang="ko-KR" altLang="en-US" dirty="0" smtClean="0">
+              <a:rPr lang="ko-KR" altLang="en-US" dirty="0">
                 <a:latin typeface="에스코어 드림 5 Medium" panose="020B0503030302020204" pitchFamily="34" charset="-127"/>
                 <a:ea typeface="에스코어 드림 5 Medium" panose="020B0503030302020204" pitchFamily="34" charset="-127"/>
               </a:rPr>
               <a:t>법칙 </a:t>
             </a:r>
             <a:r>
-              <a:rPr lang="en-US" altLang="ko-KR" dirty="0" smtClean="0">
+              <a:rPr lang="en-US" altLang="ko-KR" dirty="0">
                 <a:latin typeface="에스코어 드림 5 Medium" panose="020B0503030302020204" pitchFamily="34" charset="-127"/>
                 <a:ea typeface="에스코어 드림 5 Medium" panose="020B0503030302020204" pitchFamily="34" charset="-127"/>
               </a:rPr>
               <a:t>1. </a:t>
             </a:r>
             <a:r>
-              <a:rPr lang="ko-KR" altLang="en-US" dirty="0" smtClean="0">
+              <a:rPr lang="ko-KR" altLang="en-US" dirty="0">
                 <a:latin typeface="에스코어 드림 5 Medium" panose="020B0503030302020204" pitchFamily="34" charset="-127"/>
                 <a:ea typeface="에스코어 드림 5 Medium" panose="020B0503030302020204" pitchFamily="34" charset="-127"/>
               </a:rPr>
               <a:t>무조건 높이가 균일 해야 합니다</a:t>
             </a:r>
             <a:r>
-              <a:rPr lang="en-US" altLang="ko-KR" dirty="0" smtClean="0">
+              <a:rPr lang="en-US" altLang="ko-KR" dirty="0">
                 <a:latin typeface="에스코어 드림 5 Medium" panose="020B0503030302020204" pitchFamily="34" charset="-127"/>
                 <a:ea typeface="에스코어 드림 5 Medium" panose="020B0503030302020204" pitchFamily="34" charset="-127"/>
               </a:rPr>
@@ -7563,28 +7503,28 @@
           </a:p>
           <a:p>
             <a:r>
-              <a:rPr lang="ko-KR" altLang="en-US" dirty="0" smtClean="0">
+              <a:rPr lang="ko-KR" altLang="en-US" dirty="0">
                 <a:latin typeface="에스코어 드림 5 Medium" panose="020B0503030302020204" pitchFamily="34" charset="-127"/>
                 <a:ea typeface="에스코어 드림 5 Medium" panose="020B0503030302020204" pitchFamily="34" charset="-127"/>
               </a:rPr>
               <a:t>법칙 </a:t>
             </a:r>
             <a:r>
-              <a:rPr lang="en-US" altLang="ko-KR" dirty="0" smtClean="0">
+              <a:rPr lang="en-US" altLang="ko-KR" dirty="0">
                 <a:latin typeface="에스코어 드림 5 Medium" panose="020B0503030302020204" pitchFamily="34" charset="-127"/>
                 <a:ea typeface="에스코어 드림 5 Medium" panose="020B0503030302020204" pitchFamily="34" charset="-127"/>
               </a:rPr>
               <a:t>2. </a:t>
             </a:r>
             <a:r>
-              <a:rPr lang="ko-KR" altLang="en-US" dirty="0" smtClean="0">
+              <a:rPr lang="ko-KR" altLang="en-US" dirty="0">
                 <a:latin typeface="에스코어 드림 5 Medium" panose="020B0503030302020204" pitchFamily="34" charset="-127"/>
                 <a:ea typeface="에스코어 드림 5 Medium" panose="020B0503030302020204" pitchFamily="34" charset="-127"/>
               </a:rPr>
               <a:t>왼쪽노드부터 하나씩 채운다</a:t>
             </a:r>
             <a:r>
-              <a:rPr lang="en-US" altLang="ko-KR" dirty="0" smtClean="0">
+              <a:rPr lang="en-US" altLang="ko-KR" dirty="0">
                 <a:latin typeface="에스코어 드림 5 Medium" panose="020B0503030302020204" pitchFamily="34" charset="-127"/>
                 <a:ea typeface="에스코어 드림 5 Medium" panose="020B0503030302020204" pitchFamily="34" charset="-127"/>
               </a:rPr>
@@ -7593,7 +7533,7 @@
           </a:p>
           <a:p>
             <a:r>
-              <a:rPr lang="ko-KR" altLang="en-US" dirty="0" smtClean="0">
+              <a:rPr lang="ko-KR" altLang="en-US" dirty="0">
                 <a:solidFill>
                   <a:srgbClr val="FF0000"/>
                 </a:solidFill>
@@ -7603,7 +7543,7 @@
               <a:t>법칙 </a:t>
             </a:r>
             <a:r>
-              <a:rPr lang="en-US" altLang="ko-KR" dirty="0" smtClean="0">
+              <a:rPr lang="en-US" altLang="ko-KR" dirty="0">
                 <a:solidFill>
                   <a:srgbClr val="FF0000"/>
                 </a:solidFill>
@@ -7613,7 +7553,7 @@
               <a:t>3. </a:t>
             </a:r>
             <a:r>
-              <a:rPr lang="ko-KR" altLang="en-US" dirty="0" smtClean="0">
+              <a:rPr lang="ko-KR" altLang="en-US" dirty="0">
                 <a:solidFill>
                   <a:srgbClr val="FF0000"/>
                 </a:solidFill>
@@ -7623,7 +7563,7 @@
               <a:t>부모 노드는 자식 노드보다 무조건 커야 한다</a:t>
             </a:r>
             <a:r>
-              <a:rPr lang="en-US" altLang="ko-KR" dirty="0" smtClean="0">
+              <a:rPr lang="en-US" altLang="ko-KR" dirty="0">
                 <a:solidFill>
                   <a:srgbClr val="FF0000"/>
                 </a:solidFill>
@@ -7688,20 +7628,20 @@
           <a:lstStyle/>
           <a:p>
             <a:r>
-              <a:rPr lang="ko-KR" altLang="en-US" dirty="0" smtClean="0">
+              <a:rPr lang="ko-KR" altLang="en-US" dirty="0">
                 <a:latin typeface="에스코어 드림 5 Medium" panose="020B0503030302020204" pitchFamily="34" charset="-127"/>
                 <a:ea typeface="에스코어 드림 5 Medium" panose="020B0503030302020204" pitchFamily="34" charset="-127"/>
               </a:rPr>
               <a:t>우선순위 큐</a:t>
             </a:r>
-            <a:endParaRPr lang="en-US" altLang="ko-KR" dirty="0" smtClean="0">
+            <a:endParaRPr lang="en-US" altLang="ko-KR" dirty="0">
               <a:latin typeface="에스코어 드림 5 Medium" panose="020B0503030302020204" pitchFamily="34" charset="-127"/>
               <a:ea typeface="에스코어 드림 5 Medium" panose="020B0503030302020204" pitchFamily="34" charset="-127"/>
             </a:endParaRPr>
           </a:p>
           <a:p>
             <a:r>
-              <a:rPr lang="en-US" altLang="ko-KR" dirty="0" smtClean="0">
+              <a:rPr lang="en-US" altLang="ko-KR" dirty="0">
                 <a:latin typeface="에스코어 드림 5 Medium" panose="020B0503030302020204" pitchFamily="34" charset="-127"/>
                 <a:ea typeface="에스코어 드림 5 Medium" panose="020B0503030302020204" pitchFamily="34" charset="-127"/>
               </a:rPr>
@@ -7737,14 +7677,14 @@
           <a:lstStyle/>
           <a:p>
             <a:r>
-              <a:rPr lang="ko-KR" altLang="en-US" dirty="0" smtClean="0">
+              <a:rPr lang="ko-KR" altLang="en-US" dirty="0">
                 <a:latin typeface="에스코어 드림 5 Medium" panose="020B0503030302020204" pitchFamily="34" charset="-127"/>
                 <a:ea typeface="에스코어 드림 5 Medium" panose="020B0503030302020204" pitchFamily="34" charset="-127"/>
               </a:rPr>
               <a:t>우선순위 큐에  데이터를 쌓을 때</a:t>
             </a:r>
             <a:r>
-              <a:rPr lang="en-US" altLang="ko-KR" dirty="0" smtClean="0">
+              <a:rPr lang="en-US" altLang="ko-KR" dirty="0">
                 <a:latin typeface="에스코어 드림 5 Medium" panose="020B0503030302020204" pitchFamily="34" charset="-127"/>
                 <a:ea typeface="에스코어 드림 5 Medium" panose="020B0503030302020204" pitchFamily="34" charset="-127"/>
               </a:rPr>
@@ -7776,7 +7716,7 @@
           <a:lstStyle/>
           <a:p>
             <a:r>
-              <a:rPr lang="ko-KR" altLang="en-US" dirty="0" smtClean="0">
+              <a:rPr lang="ko-KR" altLang="en-US" dirty="0">
                 <a:solidFill>
                   <a:srgbClr val="C00000"/>
                 </a:solidFill>
@@ -7786,7 +7726,7 @@
               <a:t>우선순위 큐에  데이터를 뺄 때</a:t>
             </a:r>
             <a:r>
-              <a:rPr lang="en-US" altLang="ko-KR" dirty="0" smtClean="0">
+              <a:rPr lang="en-US" altLang="ko-KR" dirty="0">
                 <a:solidFill>
                   <a:srgbClr val="C00000"/>
                 </a:solidFill>
@@ -7805,40 +7745,30 @@
                 <a:latin typeface="에스코어 드림 5 Medium" panose="020B0503030302020204" pitchFamily="34" charset="-127"/>
                 <a:ea typeface="에스코어 드림 5 Medium" panose="020B0503030302020204" pitchFamily="34" charset="-127"/>
               </a:rPr>
-              <a:t> </a:t>
-            </a:r>
-            <a:r>
-              <a:rPr lang="en-US" altLang="ko-KR" dirty="0" smtClean="0">
+              <a:t> - </a:t>
+            </a:r>
+            <a:r>
+              <a:rPr lang="ko-KR" altLang="en-US" dirty="0" err="1">
                 <a:solidFill>
                   <a:srgbClr val="C00000"/>
                 </a:solidFill>
                 <a:latin typeface="에스코어 드림 5 Medium" panose="020B0503030302020204" pitchFamily="34" charset="-127"/>
                 <a:ea typeface="에스코어 드림 5 Medium" panose="020B0503030302020204" pitchFamily="34" charset="-127"/>
               </a:rPr>
-              <a:t>- </a:t>
-            </a:r>
-            <a:r>
-              <a:rPr lang="ko-KR" altLang="en-US" dirty="0" err="1" smtClean="0">
+              <a:t>빼는거는</a:t>
+            </a:r>
+            <a:r>
+              <a:rPr lang="ko-KR" altLang="en-US" dirty="0">
                 <a:solidFill>
                   <a:srgbClr val="C00000"/>
                 </a:solidFill>
                 <a:latin typeface="에스코어 드림 5 Medium" panose="020B0503030302020204" pitchFamily="34" charset="-127"/>
                 <a:ea typeface="에스코어 드림 5 Medium" panose="020B0503030302020204" pitchFamily="34" charset="-127"/>
               </a:rPr>
-              <a:t>빼는거는</a:t>
-            </a:r>
-            <a:r>
-              <a:rPr lang="ko-KR" altLang="en-US" dirty="0" smtClean="0">
-                <a:solidFill>
-                  <a:srgbClr val="C00000"/>
-                </a:solidFill>
-                <a:latin typeface="에스코어 드림 5 Medium" panose="020B0503030302020204" pitchFamily="34" charset="-127"/>
-                <a:ea typeface="에스코어 드림 5 Medium" panose="020B0503030302020204" pitchFamily="34" charset="-127"/>
-              </a:rPr>
               <a:t> 항상 가장 큰 값만 빠집니다</a:t>
             </a:r>
             <a:r>
-              <a:rPr lang="en-US" altLang="ko-KR" dirty="0" smtClean="0">
+              <a:rPr lang="en-US" altLang="ko-KR" dirty="0">
                 <a:solidFill>
                   <a:srgbClr val="C00000"/>
                 </a:solidFill>
@@ -7887,11 +7817,11 @@
           <a:p>
             <a:pPr algn="ctr"/>
             <a:r>
-              <a:rPr lang="en-US" altLang="ko-KR" dirty="0" err="1" smtClean="0"/>
+              <a:rPr lang="en-US" altLang="ko-KR" dirty="0" err="1"/>
               <a:t>Arr</a:t>
             </a:r>
             <a:r>
-              <a:rPr lang="en-US" altLang="ko-KR" dirty="0" smtClean="0"/>
+              <a:rPr lang="en-US" altLang="ko-KR" dirty="0"/>
               <a:t>[0]</a:t>
             </a:r>
           </a:p>
@@ -7902,7 +7832,7 @@
           <a:p>
             <a:pPr algn="ctr"/>
             <a:r>
-              <a:rPr lang="en-US" altLang="ko-KR" dirty="0" smtClean="0"/>
+              <a:rPr lang="en-US" altLang="ko-KR" dirty="0"/>
               <a:t>10</a:t>
             </a:r>
             <a:endParaRPr lang="ko-KR" altLang="en-US" dirty="0"/>
@@ -7979,11 +7909,11 @@
           <a:p>
             <a:pPr algn="ctr"/>
             <a:r>
-              <a:rPr lang="en-US" altLang="ko-KR" dirty="0" err="1" smtClean="0"/>
+              <a:rPr lang="en-US" altLang="ko-KR" dirty="0" err="1"/>
               <a:t>Arr</a:t>
             </a:r>
             <a:r>
-              <a:rPr lang="en-US" altLang="ko-KR" dirty="0" smtClean="0"/>
+              <a:rPr lang="en-US" altLang="ko-KR" dirty="0"/>
               <a:t>[1]</a:t>
             </a:r>
           </a:p>
@@ -7994,7 +7924,7 @@
           <a:p>
             <a:pPr algn="ctr"/>
             <a:r>
-              <a:rPr lang="en-US" altLang="ko-KR" dirty="0" smtClean="0"/>
+              <a:rPr lang="en-US" altLang="ko-KR" dirty="0"/>
               <a:t>20</a:t>
             </a:r>
             <a:endParaRPr lang="ko-KR" altLang="en-US" dirty="0"/>
@@ -8038,11 +7968,11 @@
           <a:p>
             <a:pPr algn="ctr"/>
             <a:r>
-              <a:rPr lang="en-US" altLang="ko-KR" dirty="0" err="1" smtClean="0"/>
+              <a:rPr lang="en-US" altLang="ko-KR" dirty="0" err="1"/>
               <a:t>Arr</a:t>
             </a:r>
             <a:r>
-              <a:rPr lang="en-US" altLang="ko-KR" dirty="0" smtClean="0"/>
+              <a:rPr lang="en-US" altLang="ko-KR" dirty="0"/>
               <a:t>[2]</a:t>
             </a:r>
           </a:p>
@@ -8053,7 +7983,7 @@
           <a:p>
             <a:pPr algn="ctr"/>
             <a:r>
-              <a:rPr lang="en-US" altLang="ko-KR" dirty="0" smtClean="0"/>
+              <a:rPr lang="en-US" altLang="ko-KR" dirty="0"/>
               <a:t>15</a:t>
             </a:r>
             <a:endParaRPr lang="ko-KR" altLang="en-US" dirty="0"/>
@@ -8116,28 +8046,28 @@
           <a:lstStyle/>
           <a:p>
             <a:r>
-              <a:rPr lang="ko-KR" altLang="en-US" dirty="0" smtClean="0">
+              <a:rPr lang="ko-KR" altLang="en-US" dirty="0">
                 <a:latin typeface="에스코어 드림 5 Medium" panose="020B0503030302020204" pitchFamily="34" charset="-127"/>
                 <a:ea typeface="에스코어 드림 5 Medium" panose="020B0503030302020204" pitchFamily="34" charset="-127"/>
               </a:rPr>
               <a:t>법칙 </a:t>
             </a:r>
             <a:r>
-              <a:rPr lang="en-US" altLang="ko-KR" dirty="0" smtClean="0">
+              <a:rPr lang="en-US" altLang="ko-KR" dirty="0">
                 <a:latin typeface="에스코어 드림 5 Medium" panose="020B0503030302020204" pitchFamily="34" charset="-127"/>
                 <a:ea typeface="에스코어 드림 5 Medium" panose="020B0503030302020204" pitchFamily="34" charset="-127"/>
               </a:rPr>
               <a:t>1. </a:t>
             </a:r>
             <a:r>
-              <a:rPr lang="ko-KR" altLang="en-US" dirty="0" smtClean="0">
+              <a:rPr lang="ko-KR" altLang="en-US" dirty="0">
                 <a:latin typeface="에스코어 드림 5 Medium" panose="020B0503030302020204" pitchFamily="34" charset="-127"/>
                 <a:ea typeface="에스코어 드림 5 Medium" panose="020B0503030302020204" pitchFamily="34" charset="-127"/>
               </a:rPr>
               <a:t>무조건 높이가 균일 해야 합니다</a:t>
             </a:r>
             <a:r>
-              <a:rPr lang="en-US" altLang="ko-KR" dirty="0" smtClean="0">
+              <a:rPr lang="en-US" altLang="ko-KR" dirty="0">
                 <a:latin typeface="에스코어 드림 5 Medium" panose="020B0503030302020204" pitchFamily="34" charset="-127"/>
                 <a:ea typeface="에스코어 드림 5 Medium" panose="020B0503030302020204" pitchFamily="34" charset="-127"/>
               </a:rPr>
@@ -8146,28 +8076,28 @@
           </a:p>
           <a:p>
             <a:r>
-              <a:rPr lang="ko-KR" altLang="en-US" dirty="0" smtClean="0">
+              <a:rPr lang="ko-KR" altLang="en-US" dirty="0">
                 <a:latin typeface="에스코어 드림 5 Medium" panose="020B0503030302020204" pitchFamily="34" charset="-127"/>
                 <a:ea typeface="에스코어 드림 5 Medium" panose="020B0503030302020204" pitchFamily="34" charset="-127"/>
               </a:rPr>
               <a:t>법칙 </a:t>
             </a:r>
             <a:r>
-              <a:rPr lang="en-US" altLang="ko-KR" dirty="0" smtClean="0">
+              <a:rPr lang="en-US" altLang="ko-KR" dirty="0">
                 <a:latin typeface="에스코어 드림 5 Medium" panose="020B0503030302020204" pitchFamily="34" charset="-127"/>
                 <a:ea typeface="에스코어 드림 5 Medium" panose="020B0503030302020204" pitchFamily="34" charset="-127"/>
               </a:rPr>
               <a:t>2. </a:t>
             </a:r>
             <a:r>
-              <a:rPr lang="ko-KR" altLang="en-US" dirty="0" smtClean="0">
+              <a:rPr lang="ko-KR" altLang="en-US" dirty="0">
                 <a:latin typeface="에스코어 드림 5 Medium" panose="020B0503030302020204" pitchFamily="34" charset="-127"/>
                 <a:ea typeface="에스코어 드림 5 Medium" panose="020B0503030302020204" pitchFamily="34" charset="-127"/>
               </a:rPr>
               <a:t>왼쪽노드부터 하나씩 채운다</a:t>
             </a:r>
             <a:r>
-              <a:rPr lang="en-US" altLang="ko-KR" dirty="0" smtClean="0">
+              <a:rPr lang="en-US" altLang="ko-KR" dirty="0">
                 <a:latin typeface="에스코어 드림 5 Medium" panose="020B0503030302020204" pitchFamily="34" charset="-127"/>
                 <a:ea typeface="에스코어 드림 5 Medium" panose="020B0503030302020204" pitchFamily="34" charset="-127"/>
               </a:rPr>
@@ -8176,7 +8106,7 @@
           </a:p>
           <a:p>
             <a:r>
-              <a:rPr lang="ko-KR" altLang="en-US" dirty="0" smtClean="0">
+              <a:rPr lang="ko-KR" altLang="en-US" dirty="0">
                 <a:solidFill>
                   <a:srgbClr val="FF0000"/>
                 </a:solidFill>
@@ -8186,7 +8116,7 @@
               <a:t>법칙 </a:t>
             </a:r>
             <a:r>
-              <a:rPr lang="en-US" altLang="ko-KR" dirty="0" smtClean="0">
+              <a:rPr lang="en-US" altLang="ko-KR" dirty="0">
                 <a:solidFill>
                   <a:srgbClr val="FF0000"/>
                 </a:solidFill>
@@ -8196,7 +8126,7 @@
               <a:t>3. </a:t>
             </a:r>
             <a:r>
-              <a:rPr lang="ko-KR" altLang="en-US" dirty="0" smtClean="0">
+              <a:rPr lang="ko-KR" altLang="en-US" dirty="0">
                 <a:solidFill>
                   <a:srgbClr val="FF0000"/>
                 </a:solidFill>
@@ -8206,7 +8136,7 @@
               <a:t>부모 노드는 자식 노드보다 무조건 커야 한다</a:t>
             </a:r>
             <a:r>
-              <a:rPr lang="en-US" altLang="ko-KR" dirty="0" smtClean="0">
+              <a:rPr lang="en-US" altLang="ko-KR" dirty="0">
                 <a:solidFill>
                   <a:srgbClr val="FF0000"/>
                 </a:solidFill>
@@ -8271,20 +8201,20 @@
           <a:lstStyle/>
           <a:p>
             <a:r>
-              <a:rPr lang="ko-KR" altLang="en-US" dirty="0" smtClean="0">
+              <a:rPr lang="ko-KR" altLang="en-US" dirty="0">
                 <a:latin typeface="에스코어 드림 5 Medium" panose="020B0503030302020204" pitchFamily="34" charset="-127"/>
                 <a:ea typeface="에스코어 드림 5 Medium" panose="020B0503030302020204" pitchFamily="34" charset="-127"/>
               </a:rPr>
               <a:t>우선순위 큐</a:t>
             </a:r>
-            <a:endParaRPr lang="en-US" altLang="ko-KR" dirty="0" smtClean="0">
+            <a:endParaRPr lang="en-US" altLang="ko-KR" dirty="0">
               <a:latin typeface="에스코어 드림 5 Medium" panose="020B0503030302020204" pitchFamily="34" charset="-127"/>
               <a:ea typeface="에스코어 드림 5 Medium" panose="020B0503030302020204" pitchFamily="34" charset="-127"/>
             </a:endParaRPr>
           </a:p>
           <a:p>
             <a:r>
-              <a:rPr lang="en-US" altLang="ko-KR" dirty="0" smtClean="0">
+              <a:rPr lang="en-US" altLang="ko-KR" dirty="0">
                 <a:latin typeface="에스코어 드림 5 Medium" panose="020B0503030302020204" pitchFamily="34" charset="-127"/>
                 <a:ea typeface="에스코어 드림 5 Medium" panose="020B0503030302020204" pitchFamily="34" charset="-127"/>
               </a:rPr>
@@ -8320,14 +8250,14 @@
           <a:lstStyle/>
           <a:p>
             <a:r>
-              <a:rPr lang="ko-KR" altLang="en-US" dirty="0" smtClean="0">
+              <a:rPr lang="ko-KR" altLang="en-US" dirty="0">
                 <a:latin typeface="에스코어 드림 5 Medium" panose="020B0503030302020204" pitchFamily="34" charset="-127"/>
                 <a:ea typeface="에스코어 드림 5 Medium" panose="020B0503030302020204" pitchFamily="34" charset="-127"/>
               </a:rPr>
               <a:t>우선순위 큐에  데이터를 쌓을 때</a:t>
             </a:r>
             <a:r>
-              <a:rPr lang="en-US" altLang="ko-KR" dirty="0" smtClean="0">
+              <a:rPr lang="en-US" altLang="ko-KR" dirty="0">
                 <a:latin typeface="에스코어 드림 5 Medium" panose="020B0503030302020204" pitchFamily="34" charset="-127"/>
                 <a:ea typeface="에스코어 드림 5 Medium" panose="020B0503030302020204" pitchFamily="34" charset="-127"/>
               </a:rPr>
@@ -8359,7 +8289,7 @@
           <a:lstStyle/>
           <a:p>
             <a:r>
-              <a:rPr lang="ko-KR" altLang="en-US" dirty="0" smtClean="0">
+              <a:rPr lang="ko-KR" altLang="en-US" dirty="0">
                 <a:solidFill>
                   <a:srgbClr val="C00000"/>
                 </a:solidFill>
@@ -8369,7 +8299,7 @@
               <a:t>우선순위 큐에  데이터를 뺄 때</a:t>
             </a:r>
             <a:r>
-              <a:rPr lang="en-US" altLang="ko-KR" dirty="0" smtClean="0">
+              <a:rPr lang="en-US" altLang="ko-KR" dirty="0">
                 <a:solidFill>
                   <a:srgbClr val="C00000"/>
                 </a:solidFill>
@@ -8388,40 +8318,30 @@
                 <a:latin typeface="에스코어 드림 5 Medium" panose="020B0503030302020204" pitchFamily="34" charset="-127"/>
                 <a:ea typeface="에스코어 드림 5 Medium" panose="020B0503030302020204" pitchFamily="34" charset="-127"/>
               </a:rPr>
-              <a:t> </a:t>
-            </a:r>
-            <a:r>
-              <a:rPr lang="en-US" altLang="ko-KR" dirty="0" smtClean="0">
+              <a:t> - </a:t>
+            </a:r>
+            <a:r>
+              <a:rPr lang="ko-KR" altLang="en-US" dirty="0" err="1">
                 <a:solidFill>
                   <a:srgbClr val="C00000"/>
                 </a:solidFill>
                 <a:latin typeface="에스코어 드림 5 Medium" panose="020B0503030302020204" pitchFamily="34" charset="-127"/>
                 <a:ea typeface="에스코어 드림 5 Medium" panose="020B0503030302020204" pitchFamily="34" charset="-127"/>
               </a:rPr>
-              <a:t>- </a:t>
-            </a:r>
-            <a:r>
-              <a:rPr lang="ko-KR" altLang="en-US" dirty="0" err="1" smtClean="0">
+              <a:t>빼는거는</a:t>
+            </a:r>
+            <a:r>
+              <a:rPr lang="ko-KR" altLang="en-US" dirty="0">
                 <a:solidFill>
                   <a:srgbClr val="C00000"/>
                 </a:solidFill>
                 <a:latin typeface="에스코어 드림 5 Medium" panose="020B0503030302020204" pitchFamily="34" charset="-127"/>
                 <a:ea typeface="에스코어 드림 5 Medium" panose="020B0503030302020204" pitchFamily="34" charset="-127"/>
               </a:rPr>
-              <a:t>빼는거는</a:t>
-            </a:r>
-            <a:r>
-              <a:rPr lang="ko-KR" altLang="en-US" dirty="0" smtClean="0">
-                <a:solidFill>
-                  <a:srgbClr val="C00000"/>
-                </a:solidFill>
-                <a:latin typeface="에스코어 드림 5 Medium" panose="020B0503030302020204" pitchFamily="34" charset="-127"/>
-                <a:ea typeface="에스코어 드림 5 Medium" panose="020B0503030302020204" pitchFamily="34" charset="-127"/>
-              </a:rPr>
               <a:t> 항상 가장 큰 값만 빠집니다</a:t>
             </a:r>
             <a:r>
-              <a:rPr lang="en-US" altLang="ko-KR" dirty="0" smtClean="0">
+              <a:rPr lang="en-US" altLang="ko-KR" dirty="0">
                 <a:solidFill>
                   <a:srgbClr val="C00000"/>
                 </a:solidFill>
@@ -8470,11 +8390,11 @@
           <a:p>
             <a:pPr algn="ctr"/>
             <a:r>
-              <a:rPr lang="en-US" altLang="ko-KR" dirty="0" err="1" smtClean="0"/>
+              <a:rPr lang="en-US" altLang="ko-KR" dirty="0" err="1"/>
               <a:t>Arr</a:t>
             </a:r>
             <a:r>
-              <a:rPr lang="en-US" altLang="ko-KR" dirty="0" smtClean="0"/>
+              <a:rPr lang="en-US" altLang="ko-KR" dirty="0"/>
               <a:t>[0]</a:t>
             </a:r>
           </a:p>
@@ -8485,7 +8405,7 @@
           <a:p>
             <a:pPr algn="ctr"/>
             <a:r>
-              <a:rPr lang="en-US" altLang="ko-KR" dirty="0" smtClean="0"/>
+              <a:rPr lang="en-US" altLang="ko-KR" dirty="0"/>
               <a:t>20</a:t>
             </a:r>
             <a:endParaRPr lang="ko-KR" altLang="en-US" dirty="0"/>
@@ -8562,11 +8482,11 @@
           <a:p>
             <a:pPr algn="ctr"/>
             <a:r>
-              <a:rPr lang="en-US" altLang="ko-KR" dirty="0" err="1" smtClean="0"/>
+              <a:rPr lang="en-US" altLang="ko-KR" dirty="0" err="1"/>
               <a:t>Arr</a:t>
             </a:r>
             <a:r>
-              <a:rPr lang="en-US" altLang="ko-KR" dirty="0" smtClean="0"/>
+              <a:rPr lang="en-US" altLang="ko-KR" dirty="0"/>
               <a:t>[1]</a:t>
             </a:r>
           </a:p>
@@ -8577,7 +8497,7 @@
           <a:p>
             <a:pPr algn="ctr"/>
             <a:r>
-              <a:rPr lang="en-US" altLang="ko-KR" dirty="0" smtClean="0"/>
+              <a:rPr lang="en-US" altLang="ko-KR" dirty="0"/>
               <a:t>10</a:t>
             </a:r>
             <a:endParaRPr lang="ko-KR" altLang="en-US" dirty="0"/>
@@ -8621,11 +8541,11 @@
           <a:p>
             <a:pPr algn="ctr"/>
             <a:r>
-              <a:rPr lang="en-US" altLang="ko-KR" dirty="0" err="1" smtClean="0"/>
+              <a:rPr lang="en-US" altLang="ko-KR" dirty="0" err="1"/>
               <a:t>Arr</a:t>
             </a:r>
             <a:r>
-              <a:rPr lang="en-US" altLang="ko-KR" dirty="0" smtClean="0"/>
+              <a:rPr lang="en-US" altLang="ko-KR" dirty="0"/>
               <a:t>[2]</a:t>
             </a:r>
           </a:p>
@@ -8636,7 +8556,7 @@
           <a:p>
             <a:pPr algn="ctr"/>
             <a:r>
-              <a:rPr lang="en-US" altLang="ko-KR" dirty="0" smtClean="0"/>
+              <a:rPr lang="en-US" altLang="ko-KR" dirty="0"/>
               <a:t>15</a:t>
             </a:r>
             <a:endParaRPr lang="ko-KR" altLang="en-US" dirty="0"/>
@@ -8699,28 +8619,28 @@
           <a:lstStyle/>
           <a:p>
             <a:r>
-              <a:rPr lang="ko-KR" altLang="en-US" dirty="0" smtClean="0">
+              <a:rPr lang="ko-KR" altLang="en-US" dirty="0">
                 <a:latin typeface="에스코어 드림 5 Medium" panose="020B0503030302020204" pitchFamily="34" charset="-127"/>
                 <a:ea typeface="에스코어 드림 5 Medium" panose="020B0503030302020204" pitchFamily="34" charset="-127"/>
               </a:rPr>
               <a:t>법칙 </a:t>
             </a:r>
             <a:r>
-              <a:rPr lang="en-US" altLang="ko-KR" dirty="0" smtClean="0">
+              <a:rPr lang="en-US" altLang="ko-KR" dirty="0">
                 <a:latin typeface="에스코어 드림 5 Medium" panose="020B0503030302020204" pitchFamily="34" charset="-127"/>
                 <a:ea typeface="에스코어 드림 5 Medium" panose="020B0503030302020204" pitchFamily="34" charset="-127"/>
               </a:rPr>
               <a:t>1. </a:t>
             </a:r>
             <a:r>
-              <a:rPr lang="ko-KR" altLang="en-US" dirty="0" smtClean="0">
+              <a:rPr lang="ko-KR" altLang="en-US" dirty="0">
                 <a:latin typeface="에스코어 드림 5 Medium" panose="020B0503030302020204" pitchFamily="34" charset="-127"/>
                 <a:ea typeface="에스코어 드림 5 Medium" panose="020B0503030302020204" pitchFamily="34" charset="-127"/>
               </a:rPr>
               <a:t>무조건 높이가 균일 해야 합니다</a:t>
             </a:r>
             <a:r>
-              <a:rPr lang="en-US" altLang="ko-KR" dirty="0" smtClean="0">
+              <a:rPr lang="en-US" altLang="ko-KR" dirty="0">
                 <a:latin typeface="에스코어 드림 5 Medium" panose="020B0503030302020204" pitchFamily="34" charset="-127"/>
                 <a:ea typeface="에스코어 드림 5 Medium" panose="020B0503030302020204" pitchFamily="34" charset="-127"/>
               </a:rPr>
@@ -8729,28 +8649,28 @@
           </a:p>
           <a:p>
             <a:r>
-              <a:rPr lang="ko-KR" altLang="en-US" dirty="0" smtClean="0">
+              <a:rPr lang="ko-KR" altLang="en-US" dirty="0">
                 <a:latin typeface="에스코어 드림 5 Medium" panose="020B0503030302020204" pitchFamily="34" charset="-127"/>
                 <a:ea typeface="에스코어 드림 5 Medium" panose="020B0503030302020204" pitchFamily="34" charset="-127"/>
               </a:rPr>
               <a:t>법칙 </a:t>
             </a:r>
             <a:r>
-              <a:rPr lang="en-US" altLang="ko-KR" dirty="0" smtClean="0">
+              <a:rPr lang="en-US" altLang="ko-KR" dirty="0">
                 <a:latin typeface="에스코어 드림 5 Medium" panose="020B0503030302020204" pitchFamily="34" charset="-127"/>
                 <a:ea typeface="에스코어 드림 5 Medium" panose="020B0503030302020204" pitchFamily="34" charset="-127"/>
               </a:rPr>
               <a:t>2. </a:t>
             </a:r>
             <a:r>
-              <a:rPr lang="ko-KR" altLang="en-US" dirty="0" smtClean="0">
+              <a:rPr lang="ko-KR" altLang="en-US" dirty="0">
                 <a:latin typeface="에스코어 드림 5 Medium" panose="020B0503030302020204" pitchFamily="34" charset="-127"/>
                 <a:ea typeface="에스코어 드림 5 Medium" panose="020B0503030302020204" pitchFamily="34" charset="-127"/>
               </a:rPr>
               <a:t>왼쪽노드부터 하나씩 채운다</a:t>
             </a:r>
             <a:r>
-              <a:rPr lang="en-US" altLang="ko-KR" dirty="0" smtClean="0">
+              <a:rPr lang="en-US" altLang="ko-KR" dirty="0">
                 <a:latin typeface="에스코어 드림 5 Medium" panose="020B0503030302020204" pitchFamily="34" charset="-127"/>
                 <a:ea typeface="에스코어 드림 5 Medium" panose="020B0503030302020204" pitchFamily="34" charset="-127"/>
               </a:rPr>
@@ -8759,7 +8679,7 @@
           </a:p>
           <a:p>
             <a:r>
-              <a:rPr lang="ko-KR" altLang="en-US" dirty="0" smtClean="0">
+              <a:rPr lang="ko-KR" altLang="en-US" dirty="0">
                 <a:solidFill>
                   <a:srgbClr val="FF0000"/>
                 </a:solidFill>
@@ -8769,7 +8689,7 @@
               <a:t>법칙 </a:t>
             </a:r>
             <a:r>
-              <a:rPr lang="en-US" altLang="ko-KR" dirty="0" smtClean="0">
+              <a:rPr lang="en-US" altLang="ko-KR" dirty="0">
                 <a:solidFill>
                   <a:srgbClr val="FF0000"/>
                 </a:solidFill>
@@ -8779,7 +8699,7 @@
               <a:t>3. </a:t>
             </a:r>
             <a:r>
-              <a:rPr lang="ko-KR" altLang="en-US" dirty="0" smtClean="0">
+              <a:rPr lang="ko-KR" altLang="en-US" dirty="0">
                 <a:solidFill>
                   <a:srgbClr val="FF0000"/>
                 </a:solidFill>
@@ -8789,7 +8709,7 @@
               <a:t>부모 노드는 자식 노드보다 무조건 커야 한다</a:t>
             </a:r>
             <a:r>
-              <a:rPr lang="en-US" altLang="ko-KR" dirty="0" smtClean="0">
+              <a:rPr lang="en-US" altLang="ko-KR" dirty="0">
                 <a:solidFill>
                   <a:srgbClr val="FF0000"/>
                 </a:solidFill>
@@ -8838,11 +8758,11 @@
           <a:p>
             <a:pPr algn="ctr"/>
             <a:r>
-              <a:rPr lang="en-US" altLang="ko-KR" dirty="0" err="1" smtClean="0"/>
+              <a:rPr lang="en-US" altLang="ko-KR" dirty="0" err="1"/>
               <a:t>Arr</a:t>
             </a:r>
             <a:r>
-              <a:rPr lang="en-US" altLang="ko-KR" dirty="0" smtClean="0"/>
+              <a:rPr lang="en-US" altLang="ko-KR" dirty="0"/>
               <a:t>[2]</a:t>
             </a:r>
           </a:p>
@@ -8853,7 +8773,7 @@
           <a:p>
             <a:pPr algn="ctr"/>
             <a:r>
-              <a:rPr lang="en-US" altLang="ko-KR" dirty="0" smtClean="0"/>
+              <a:rPr lang="en-US" altLang="ko-KR" dirty="0"/>
               <a:t>13</a:t>
             </a:r>
             <a:endParaRPr lang="ko-KR" altLang="en-US" dirty="0"/>
@@ -8930,11 +8850,11 @@
           <a:p>
             <a:pPr algn="ctr"/>
             <a:r>
-              <a:rPr lang="en-US" altLang="ko-KR" dirty="0" err="1" smtClean="0"/>
+              <a:rPr lang="en-US" altLang="ko-KR" dirty="0" err="1"/>
               <a:t>Arr</a:t>
             </a:r>
             <a:r>
-              <a:rPr lang="en-US" altLang="ko-KR" dirty="0" smtClean="0"/>
+              <a:rPr lang="en-US" altLang="ko-KR" dirty="0"/>
               <a:t>[2]</a:t>
             </a:r>
           </a:p>
@@ -8945,7 +8865,7 @@
           <a:p>
             <a:pPr algn="ctr"/>
             <a:r>
-              <a:rPr lang="en-US" altLang="ko-KR" dirty="0" smtClean="0"/>
+              <a:rPr lang="en-US" altLang="ko-KR" dirty="0"/>
               <a:t>7</a:t>
             </a:r>
             <a:endParaRPr lang="ko-KR" altLang="en-US" dirty="0"/>
@@ -9038,20 +8958,20 @@
           <a:lstStyle/>
           <a:p>
             <a:r>
-              <a:rPr lang="ko-KR" altLang="en-US" dirty="0" smtClean="0">
+              <a:rPr lang="ko-KR" altLang="en-US" dirty="0">
                 <a:latin typeface="에스코어 드림 5 Medium" panose="020B0503030302020204" pitchFamily="34" charset="-127"/>
                 <a:ea typeface="에스코어 드림 5 Medium" panose="020B0503030302020204" pitchFamily="34" charset="-127"/>
               </a:rPr>
               <a:t>우선순위 큐</a:t>
             </a:r>
-            <a:endParaRPr lang="en-US" altLang="ko-KR" dirty="0" smtClean="0">
+            <a:endParaRPr lang="en-US" altLang="ko-KR" dirty="0">
               <a:latin typeface="에스코어 드림 5 Medium" panose="020B0503030302020204" pitchFamily="34" charset="-127"/>
               <a:ea typeface="에스코어 드림 5 Medium" panose="020B0503030302020204" pitchFamily="34" charset="-127"/>
             </a:endParaRPr>
           </a:p>
           <a:p>
             <a:r>
-              <a:rPr lang="en-US" altLang="ko-KR" dirty="0" smtClean="0">
+              <a:rPr lang="en-US" altLang="ko-KR" dirty="0">
                 <a:latin typeface="에스코어 드림 5 Medium" panose="020B0503030302020204" pitchFamily="34" charset="-127"/>
                 <a:ea typeface="에스코어 드림 5 Medium" panose="020B0503030302020204" pitchFamily="34" charset="-127"/>
               </a:rPr>
@@ -9087,14 +9007,14 @@
           <a:lstStyle/>
           <a:p>
             <a:r>
-              <a:rPr lang="ko-KR" altLang="en-US" dirty="0" smtClean="0">
+              <a:rPr lang="ko-KR" altLang="en-US" dirty="0">
                 <a:latin typeface="에스코어 드림 5 Medium" panose="020B0503030302020204" pitchFamily="34" charset="-127"/>
                 <a:ea typeface="에스코어 드림 5 Medium" panose="020B0503030302020204" pitchFamily="34" charset="-127"/>
               </a:rPr>
               <a:t>우선순위 큐에  데이터를 쌓을 때</a:t>
             </a:r>
             <a:r>
-              <a:rPr lang="en-US" altLang="ko-KR" dirty="0" smtClean="0">
+              <a:rPr lang="en-US" altLang="ko-KR" dirty="0">
                 <a:latin typeface="에스코어 드림 5 Medium" panose="020B0503030302020204" pitchFamily="34" charset="-127"/>
                 <a:ea typeface="에스코어 드림 5 Medium" panose="020B0503030302020204" pitchFamily="34" charset="-127"/>
               </a:rPr>
@@ -9110,35 +9030,35 @@
               <a:t> </a:t>
             </a:r>
             <a:r>
-              <a:rPr lang="ko-KR" altLang="en-US" dirty="0" err="1" smtClean="0">
+              <a:rPr lang="ko-KR" altLang="en-US" dirty="0" err="1">
                 <a:latin typeface="에스코어 드림 5 Medium" panose="020B0503030302020204" pitchFamily="34" charset="-127"/>
                 <a:ea typeface="에스코어 드림 5 Medium" panose="020B0503030302020204" pitchFamily="34" charset="-127"/>
               </a:rPr>
               <a:t>시간복잡도</a:t>
             </a:r>
             <a:r>
-              <a:rPr lang="ko-KR" altLang="en-US" dirty="0" smtClean="0">
+              <a:rPr lang="ko-KR" altLang="en-US" dirty="0">
                 <a:latin typeface="에스코어 드림 5 Medium" panose="020B0503030302020204" pitchFamily="34" charset="-127"/>
                 <a:ea typeface="에스코어 드림 5 Medium" panose="020B0503030302020204" pitchFamily="34" charset="-127"/>
               </a:rPr>
               <a:t> </a:t>
             </a:r>
             <a:r>
-              <a:rPr lang="en-US" altLang="ko-KR" dirty="0" smtClean="0">
+              <a:rPr lang="en-US" altLang="ko-KR" dirty="0">
                 <a:latin typeface="에스코어 드림 5 Medium" panose="020B0503030302020204" pitchFamily="34" charset="-127"/>
                 <a:ea typeface="에스코어 드림 5 Medium" panose="020B0503030302020204" pitchFamily="34" charset="-127"/>
               </a:rPr>
               <a:t>: O(</a:t>
             </a:r>
             <a:r>
-              <a:rPr lang="en-US" altLang="ko-KR" dirty="0" err="1" smtClean="0">
+              <a:rPr lang="en-US" altLang="ko-KR" dirty="0" err="1">
                 <a:latin typeface="에스코어 드림 5 Medium" panose="020B0503030302020204" pitchFamily="34" charset="-127"/>
                 <a:ea typeface="에스코어 드림 5 Medium" panose="020B0503030302020204" pitchFamily="34" charset="-127"/>
               </a:rPr>
               <a:t>logN</a:t>
             </a:r>
             <a:r>
-              <a:rPr lang="en-US" altLang="ko-KR" dirty="0" smtClean="0">
+              <a:rPr lang="en-US" altLang="ko-KR" dirty="0">
                 <a:latin typeface="에스코어 드림 5 Medium" panose="020B0503030302020204" pitchFamily="34" charset="-127"/>
                 <a:ea typeface="에스코어 드림 5 Medium" panose="020B0503030302020204" pitchFamily="34" charset="-127"/>
               </a:rPr>
@@ -9168,151 +9088,6 @@
             <a:spAutoFit/>
           </a:bodyPr>
           <a:lstStyle/>
-          <a:p>
-            <a:endParaRPr lang="en-US" altLang="ko-KR" dirty="0" smtClean="0">
-              <a:solidFill>
-                <a:srgbClr val="C00000"/>
-              </a:solidFill>
-              <a:latin typeface="에스코어 드림 5 Medium" panose="020B0503030302020204" pitchFamily="34" charset="-127"/>
-              <a:ea typeface="에스코어 드림 5 Medium" panose="020B0503030302020204" pitchFamily="34" charset="-127"/>
-            </a:endParaRPr>
-          </a:p>
-          <a:p>
-            <a:r>
-              <a:rPr lang="ko-KR" altLang="en-US" dirty="0" smtClean="0">
-                <a:solidFill>
-                  <a:srgbClr val="C00000"/>
-                </a:solidFill>
-                <a:latin typeface="에스코어 드림 5 Medium" panose="020B0503030302020204" pitchFamily="34" charset="-127"/>
-                <a:ea typeface="에스코어 드림 5 Medium" panose="020B0503030302020204" pitchFamily="34" charset="-127"/>
-              </a:rPr>
-              <a:t>우선순위 큐에  데이터를 뺄 때</a:t>
-            </a:r>
-            <a:r>
-              <a:rPr lang="en-US" altLang="ko-KR" dirty="0" smtClean="0">
-                <a:solidFill>
-                  <a:srgbClr val="C00000"/>
-                </a:solidFill>
-                <a:latin typeface="에스코어 드림 5 Medium" panose="020B0503030302020204" pitchFamily="34" charset="-127"/>
-                <a:ea typeface="에스코어 드림 5 Medium" panose="020B0503030302020204" pitchFamily="34" charset="-127"/>
-              </a:rPr>
-              <a:t>.</a:t>
-            </a:r>
-          </a:p>
-          <a:p>
-            <a:r>
-              <a:rPr lang="en-US" altLang="ko-KR" dirty="0">
-                <a:solidFill>
-                  <a:srgbClr val="C00000"/>
-                </a:solidFill>
-                <a:latin typeface="에스코어 드림 5 Medium" panose="020B0503030302020204" pitchFamily="34" charset="-127"/>
-                <a:ea typeface="에스코어 드림 5 Medium" panose="020B0503030302020204" pitchFamily="34" charset="-127"/>
-              </a:rPr>
-              <a:t> </a:t>
-            </a:r>
-            <a:r>
-              <a:rPr lang="en-US" altLang="ko-KR" dirty="0" smtClean="0">
-                <a:solidFill>
-                  <a:srgbClr val="C00000"/>
-                </a:solidFill>
-                <a:latin typeface="에스코어 드림 5 Medium" panose="020B0503030302020204" pitchFamily="34" charset="-127"/>
-                <a:ea typeface="에스코어 드림 5 Medium" panose="020B0503030302020204" pitchFamily="34" charset="-127"/>
-              </a:rPr>
-              <a:t>- </a:t>
-            </a:r>
-            <a:r>
-              <a:rPr lang="ko-KR" altLang="en-US" dirty="0" err="1" smtClean="0">
-                <a:solidFill>
-                  <a:srgbClr val="C00000"/>
-                </a:solidFill>
-                <a:latin typeface="에스코어 드림 5 Medium" panose="020B0503030302020204" pitchFamily="34" charset="-127"/>
-                <a:ea typeface="에스코어 드림 5 Medium" panose="020B0503030302020204" pitchFamily="34" charset="-127"/>
-              </a:rPr>
-              <a:t>빼는거는</a:t>
-            </a:r>
-            <a:r>
-              <a:rPr lang="ko-KR" altLang="en-US" dirty="0" smtClean="0">
-                <a:solidFill>
-                  <a:srgbClr val="C00000"/>
-                </a:solidFill>
-                <a:latin typeface="에스코어 드림 5 Medium" panose="020B0503030302020204" pitchFamily="34" charset="-127"/>
-                <a:ea typeface="에스코어 드림 5 Medium" panose="020B0503030302020204" pitchFamily="34" charset="-127"/>
-              </a:rPr>
-              <a:t> 항상 가장 큰 값만 빠집니다</a:t>
-            </a:r>
-            <a:r>
-              <a:rPr lang="en-US" altLang="ko-KR" dirty="0" smtClean="0">
-                <a:solidFill>
-                  <a:srgbClr val="C00000"/>
-                </a:solidFill>
-                <a:latin typeface="에스코어 드림 5 Medium" panose="020B0503030302020204" pitchFamily="34" charset="-127"/>
-                <a:ea typeface="에스코어 드림 5 Medium" panose="020B0503030302020204" pitchFamily="34" charset="-127"/>
-              </a:rPr>
-              <a:t>.</a:t>
-            </a:r>
-          </a:p>
-          <a:p>
-            <a:r>
-              <a:rPr lang="en-US" altLang="ko-KR" dirty="0">
-                <a:solidFill>
-                  <a:srgbClr val="C00000"/>
-                </a:solidFill>
-                <a:latin typeface="에스코어 드림 5 Medium" panose="020B0503030302020204" pitchFamily="34" charset="-127"/>
-                <a:ea typeface="에스코어 드림 5 Medium" panose="020B0503030302020204" pitchFamily="34" charset="-127"/>
-              </a:rPr>
-              <a:t> </a:t>
-            </a:r>
-            <a:r>
-              <a:rPr lang="ko-KR" altLang="en-US" dirty="0" err="1" smtClean="0">
-                <a:solidFill>
-                  <a:srgbClr val="C00000"/>
-                </a:solidFill>
-                <a:latin typeface="에스코어 드림 5 Medium" panose="020B0503030302020204" pitchFamily="34" charset="-127"/>
-                <a:ea typeface="에스코어 드림 5 Medium" panose="020B0503030302020204" pitchFamily="34" charset="-127"/>
-              </a:rPr>
-              <a:t>시간복잡도</a:t>
-            </a:r>
-            <a:r>
-              <a:rPr lang="ko-KR" altLang="en-US" dirty="0" smtClean="0">
-                <a:solidFill>
-                  <a:srgbClr val="C00000"/>
-                </a:solidFill>
-                <a:latin typeface="에스코어 드림 5 Medium" panose="020B0503030302020204" pitchFamily="34" charset="-127"/>
-                <a:ea typeface="에스코어 드림 5 Medium" panose="020B0503030302020204" pitchFamily="34" charset="-127"/>
-              </a:rPr>
-              <a:t> </a:t>
-            </a:r>
-            <a:r>
-              <a:rPr lang="en-US" altLang="ko-KR" dirty="0" smtClean="0">
-                <a:solidFill>
-                  <a:srgbClr val="C00000"/>
-                </a:solidFill>
-                <a:latin typeface="에스코어 드림 5 Medium" panose="020B0503030302020204" pitchFamily="34" charset="-127"/>
-                <a:ea typeface="에스코어 드림 5 Medium" panose="020B0503030302020204" pitchFamily="34" charset="-127"/>
-              </a:rPr>
-              <a:t>: O(</a:t>
-            </a:r>
-            <a:r>
-              <a:rPr lang="en-US" altLang="ko-KR" dirty="0" err="1" smtClean="0">
-                <a:solidFill>
-                  <a:srgbClr val="C00000"/>
-                </a:solidFill>
-                <a:latin typeface="에스코어 드림 5 Medium" panose="020B0503030302020204" pitchFamily="34" charset="-127"/>
-                <a:ea typeface="에스코어 드림 5 Medium" panose="020B0503030302020204" pitchFamily="34" charset="-127"/>
-              </a:rPr>
-              <a:t>logN</a:t>
-            </a:r>
-            <a:r>
-              <a:rPr lang="en-US" altLang="ko-KR" dirty="0" smtClean="0">
-                <a:solidFill>
-                  <a:srgbClr val="C00000"/>
-                </a:solidFill>
-                <a:latin typeface="에스코어 드림 5 Medium" panose="020B0503030302020204" pitchFamily="34" charset="-127"/>
-                <a:ea typeface="에스코어 드림 5 Medium" panose="020B0503030302020204" pitchFamily="34" charset="-127"/>
-              </a:rPr>
-              <a:t>)</a:t>
-            </a:r>
-          </a:p>
           <a:p>
             <a:endParaRPr lang="en-US" altLang="ko-KR" dirty="0">
               <a:solidFill>
@@ -9323,7 +9098,142 @@
             </a:endParaRPr>
           </a:p>
           <a:p>
-            <a:endParaRPr lang="en-US" altLang="ko-KR" dirty="0" smtClean="0">
+            <a:r>
+              <a:rPr lang="ko-KR" altLang="en-US" dirty="0">
+                <a:solidFill>
+                  <a:srgbClr val="C00000"/>
+                </a:solidFill>
+                <a:latin typeface="에스코어 드림 5 Medium" panose="020B0503030302020204" pitchFamily="34" charset="-127"/>
+                <a:ea typeface="에스코어 드림 5 Medium" panose="020B0503030302020204" pitchFamily="34" charset="-127"/>
+              </a:rPr>
+              <a:t>우선순위 큐에  데이터를 뺄 때</a:t>
+            </a:r>
+            <a:r>
+              <a:rPr lang="en-US" altLang="ko-KR" dirty="0">
+                <a:solidFill>
+                  <a:srgbClr val="C00000"/>
+                </a:solidFill>
+                <a:latin typeface="에스코어 드림 5 Medium" panose="020B0503030302020204" pitchFamily="34" charset="-127"/>
+                <a:ea typeface="에스코어 드림 5 Medium" panose="020B0503030302020204" pitchFamily="34" charset="-127"/>
+              </a:rPr>
+              <a:t>.</a:t>
+            </a:r>
+          </a:p>
+          <a:p>
+            <a:r>
+              <a:rPr lang="en-US" altLang="ko-KR" dirty="0">
+                <a:solidFill>
+                  <a:srgbClr val="C00000"/>
+                </a:solidFill>
+                <a:latin typeface="에스코어 드림 5 Medium" panose="020B0503030302020204" pitchFamily="34" charset="-127"/>
+                <a:ea typeface="에스코어 드림 5 Medium" panose="020B0503030302020204" pitchFamily="34" charset="-127"/>
+              </a:rPr>
+              <a:t> - </a:t>
+            </a:r>
+            <a:r>
+              <a:rPr lang="ko-KR" altLang="en-US" dirty="0" err="1">
+                <a:solidFill>
+                  <a:srgbClr val="C00000"/>
+                </a:solidFill>
+                <a:latin typeface="에스코어 드림 5 Medium" panose="020B0503030302020204" pitchFamily="34" charset="-127"/>
+                <a:ea typeface="에스코어 드림 5 Medium" panose="020B0503030302020204" pitchFamily="34" charset="-127"/>
+              </a:rPr>
+              <a:t>빼는거는</a:t>
+            </a:r>
+            <a:r>
+              <a:rPr lang="ko-KR" altLang="en-US" dirty="0">
+                <a:solidFill>
+                  <a:srgbClr val="C00000"/>
+                </a:solidFill>
+                <a:latin typeface="에스코어 드림 5 Medium" panose="020B0503030302020204" pitchFamily="34" charset="-127"/>
+                <a:ea typeface="에스코어 드림 5 Medium" panose="020B0503030302020204" pitchFamily="34" charset="-127"/>
+              </a:rPr>
+              <a:t> 항상 가장 큰 값만 빠집니다</a:t>
+            </a:r>
+            <a:r>
+              <a:rPr lang="en-US" altLang="ko-KR" dirty="0">
+                <a:solidFill>
+                  <a:srgbClr val="C00000"/>
+                </a:solidFill>
+                <a:latin typeface="에스코어 드림 5 Medium" panose="020B0503030302020204" pitchFamily="34" charset="-127"/>
+                <a:ea typeface="에스코어 드림 5 Medium" panose="020B0503030302020204" pitchFamily="34" charset="-127"/>
+              </a:rPr>
+              <a:t>.</a:t>
+            </a:r>
+          </a:p>
+          <a:p>
+            <a:r>
+              <a:rPr lang="en-US" altLang="ko-KR" dirty="0">
+                <a:solidFill>
+                  <a:srgbClr val="C00000"/>
+                </a:solidFill>
+                <a:latin typeface="에스코어 드림 5 Medium" panose="020B0503030302020204" pitchFamily="34" charset="-127"/>
+                <a:ea typeface="에스코어 드림 5 Medium" panose="020B0503030302020204" pitchFamily="34" charset="-127"/>
+              </a:rPr>
+              <a:t> </a:t>
+            </a:r>
+            <a:r>
+              <a:rPr lang="ko-KR" altLang="en-US" dirty="0" err="1">
+                <a:solidFill>
+                  <a:srgbClr val="C00000"/>
+                </a:solidFill>
+                <a:latin typeface="에스코어 드림 5 Medium" panose="020B0503030302020204" pitchFamily="34" charset="-127"/>
+                <a:ea typeface="에스코어 드림 5 Medium" panose="020B0503030302020204" pitchFamily="34" charset="-127"/>
+              </a:rPr>
+              <a:t>시간복잡도</a:t>
+            </a:r>
+            <a:r>
+              <a:rPr lang="ko-KR" altLang="en-US" dirty="0">
+                <a:solidFill>
+                  <a:srgbClr val="C00000"/>
+                </a:solidFill>
+                <a:latin typeface="에스코어 드림 5 Medium" panose="020B0503030302020204" pitchFamily="34" charset="-127"/>
+                <a:ea typeface="에스코어 드림 5 Medium" panose="020B0503030302020204" pitchFamily="34" charset="-127"/>
+              </a:rPr>
+              <a:t> </a:t>
+            </a:r>
+            <a:r>
+              <a:rPr lang="en-US" altLang="ko-KR" dirty="0">
+                <a:solidFill>
+                  <a:srgbClr val="C00000"/>
+                </a:solidFill>
+                <a:latin typeface="에스코어 드림 5 Medium" panose="020B0503030302020204" pitchFamily="34" charset="-127"/>
+                <a:ea typeface="에스코어 드림 5 Medium" panose="020B0503030302020204" pitchFamily="34" charset="-127"/>
+              </a:rPr>
+              <a:t>: O(</a:t>
+            </a:r>
+            <a:r>
+              <a:rPr lang="en-US" altLang="ko-KR" dirty="0" err="1">
+                <a:solidFill>
+                  <a:srgbClr val="C00000"/>
+                </a:solidFill>
+                <a:latin typeface="에스코어 드림 5 Medium" panose="020B0503030302020204" pitchFamily="34" charset="-127"/>
+                <a:ea typeface="에스코어 드림 5 Medium" panose="020B0503030302020204" pitchFamily="34" charset="-127"/>
+              </a:rPr>
+              <a:t>logN</a:t>
+            </a:r>
+            <a:r>
+              <a:rPr lang="en-US" altLang="ko-KR" dirty="0">
+                <a:solidFill>
+                  <a:srgbClr val="C00000"/>
+                </a:solidFill>
+                <a:latin typeface="에스코어 드림 5 Medium" panose="020B0503030302020204" pitchFamily="34" charset="-127"/>
+                <a:ea typeface="에스코어 드림 5 Medium" panose="020B0503030302020204" pitchFamily="34" charset="-127"/>
+              </a:rPr>
+              <a:t>)</a:t>
+            </a:r>
+          </a:p>
+          <a:p>
+            <a:endParaRPr lang="en-US" altLang="ko-KR" dirty="0">
+              <a:solidFill>
+                <a:srgbClr val="C00000"/>
+              </a:solidFill>
+              <a:latin typeface="에스코어 드림 5 Medium" panose="020B0503030302020204" pitchFamily="34" charset="-127"/>
+              <a:ea typeface="에스코어 드림 5 Medium" panose="020B0503030302020204" pitchFamily="34" charset="-127"/>
+            </a:endParaRPr>
+          </a:p>
+          <a:p>
+            <a:endParaRPr lang="en-US" altLang="ko-KR" dirty="0">
               <a:solidFill>
                 <a:srgbClr val="C00000"/>
               </a:solidFill>
@@ -9370,11 +9280,11 @@
           <a:p>
             <a:pPr algn="ctr"/>
             <a:r>
-              <a:rPr lang="en-US" altLang="ko-KR" dirty="0" err="1" smtClean="0"/>
+              <a:rPr lang="en-US" altLang="ko-KR" dirty="0" err="1"/>
               <a:t>Arr</a:t>
             </a:r>
             <a:r>
-              <a:rPr lang="en-US" altLang="ko-KR" dirty="0" smtClean="0"/>
+              <a:rPr lang="en-US" altLang="ko-KR" dirty="0"/>
               <a:t>[0]</a:t>
             </a:r>
           </a:p>
@@ -9385,7 +9295,7 @@
           <a:p>
             <a:pPr algn="ctr"/>
             <a:r>
-              <a:rPr lang="en-US" altLang="ko-KR" dirty="0" smtClean="0"/>
+              <a:rPr lang="en-US" altLang="ko-KR" dirty="0"/>
               <a:t>20</a:t>
             </a:r>
             <a:endParaRPr lang="ko-KR" altLang="en-US" dirty="0"/>
@@ -9462,11 +9372,11 @@
           <a:p>
             <a:pPr algn="ctr"/>
             <a:r>
-              <a:rPr lang="en-US" altLang="ko-KR" dirty="0" err="1" smtClean="0"/>
+              <a:rPr lang="en-US" altLang="ko-KR" dirty="0" err="1"/>
               <a:t>Arr</a:t>
             </a:r>
             <a:r>
-              <a:rPr lang="en-US" altLang="ko-KR" dirty="0" smtClean="0"/>
+              <a:rPr lang="en-US" altLang="ko-KR" dirty="0"/>
               <a:t>[1]</a:t>
             </a:r>
           </a:p>
@@ -9477,7 +9387,7 @@
           <a:p>
             <a:pPr algn="ctr"/>
             <a:r>
-              <a:rPr lang="en-US" altLang="ko-KR" dirty="0" smtClean="0"/>
+              <a:rPr lang="en-US" altLang="ko-KR" dirty="0"/>
               <a:t>13</a:t>
             </a:r>
             <a:endParaRPr lang="ko-KR" altLang="en-US" dirty="0"/>
@@ -9521,11 +9431,11 @@
           <a:p>
             <a:pPr algn="ctr"/>
             <a:r>
-              <a:rPr lang="en-US" altLang="ko-KR" dirty="0" err="1" smtClean="0"/>
+              <a:rPr lang="en-US" altLang="ko-KR" dirty="0" err="1"/>
               <a:t>Arr</a:t>
             </a:r>
             <a:r>
-              <a:rPr lang="en-US" altLang="ko-KR" dirty="0" smtClean="0"/>
+              <a:rPr lang="en-US" altLang="ko-KR" dirty="0"/>
               <a:t>[2]</a:t>
             </a:r>
           </a:p>
@@ -9536,7 +9446,7 @@
           <a:p>
             <a:pPr algn="ctr"/>
             <a:r>
-              <a:rPr lang="en-US" altLang="ko-KR" dirty="0" smtClean="0"/>
+              <a:rPr lang="en-US" altLang="ko-KR" dirty="0"/>
               <a:t>1</a:t>
             </a:r>
             <a:endParaRPr lang="ko-KR" altLang="en-US" dirty="0"/>
@@ -9599,28 +9509,28 @@
           <a:lstStyle/>
           <a:p>
             <a:r>
-              <a:rPr lang="ko-KR" altLang="en-US" dirty="0" smtClean="0">
+              <a:rPr lang="ko-KR" altLang="en-US" dirty="0">
                 <a:latin typeface="에스코어 드림 5 Medium" panose="020B0503030302020204" pitchFamily="34" charset="-127"/>
                 <a:ea typeface="에스코어 드림 5 Medium" panose="020B0503030302020204" pitchFamily="34" charset="-127"/>
               </a:rPr>
               <a:t>법칙 </a:t>
             </a:r>
             <a:r>
-              <a:rPr lang="en-US" altLang="ko-KR" dirty="0" smtClean="0">
+              <a:rPr lang="en-US" altLang="ko-KR" dirty="0">
                 <a:latin typeface="에스코어 드림 5 Medium" panose="020B0503030302020204" pitchFamily="34" charset="-127"/>
                 <a:ea typeface="에스코어 드림 5 Medium" panose="020B0503030302020204" pitchFamily="34" charset="-127"/>
               </a:rPr>
               <a:t>1. </a:t>
             </a:r>
             <a:r>
-              <a:rPr lang="ko-KR" altLang="en-US" dirty="0" smtClean="0">
+              <a:rPr lang="ko-KR" altLang="en-US" dirty="0">
                 <a:latin typeface="에스코어 드림 5 Medium" panose="020B0503030302020204" pitchFamily="34" charset="-127"/>
                 <a:ea typeface="에스코어 드림 5 Medium" panose="020B0503030302020204" pitchFamily="34" charset="-127"/>
               </a:rPr>
               <a:t>무조건 높이가 균일 해야 합니다</a:t>
             </a:r>
             <a:r>
-              <a:rPr lang="en-US" altLang="ko-KR" dirty="0" smtClean="0">
+              <a:rPr lang="en-US" altLang="ko-KR" dirty="0">
                 <a:latin typeface="에스코어 드림 5 Medium" panose="020B0503030302020204" pitchFamily="34" charset="-127"/>
                 <a:ea typeface="에스코어 드림 5 Medium" panose="020B0503030302020204" pitchFamily="34" charset="-127"/>
               </a:rPr>
@@ -9629,28 +9539,28 @@
           </a:p>
           <a:p>
             <a:r>
-              <a:rPr lang="ko-KR" altLang="en-US" dirty="0" smtClean="0">
+              <a:rPr lang="ko-KR" altLang="en-US" dirty="0">
                 <a:latin typeface="에스코어 드림 5 Medium" panose="020B0503030302020204" pitchFamily="34" charset="-127"/>
                 <a:ea typeface="에스코어 드림 5 Medium" panose="020B0503030302020204" pitchFamily="34" charset="-127"/>
               </a:rPr>
               <a:t>법칙 </a:t>
             </a:r>
             <a:r>
-              <a:rPr lang="en-US" altLang="ko-KR" dirty="0" smtClean="0">
+              <a:rPr lang="en-US" altLang="ko-KR" dirty="0">
                 <a:latin typeface="에스코어 드림 5 Medium" panose="020B0503030302020204" pitchFamily="34" charset="-127"/>
                 <a:ea typeface="에스코어 드림 5 Medium" panose="020B0503030302020204" pitchFamily="34" charset="-127"/>
               </a:rPr>
               <a:t>2. </a:t>
             </a:r>
             <a:r>
-              <a:rPr lang="ko-KR" altLang="en-US" dirty="0" smtClean="0">
+              <a:rPr lang="ko-KR" altLang="en-US" dirty="0">
                 <a:latin typeface="에스코어 드림 5 Medium" panose="020B0503030302020204" pitchFamily="34" charset="-127"/>
                 <a:ea typeface="에스코어 드림 5 Medium" panose="020B0503030302020204" pitchFamily="34" charset="-127"/>
               </a:rPr>
               <a:t>왼쪽노드부터 하나씩 채운다</a:t>
             </a:r>
             <a:r>
-              <a:rPr lang="en-US" altLang="ko-KR" dirty="0" smtClean="0">
+              <a:rPr lang="en-US" altLang="ko-KR" dirty="0">
                 <a:latin typeface="에스코어 드림 5 Medium" panose="020B0503030302020204" pitchFamily="34" charset="-127"/>
                 <a:ea typeface="에스코어 드림 5 Medium" panose="020B0503030302020204" pitchFamily="34" charset="-127"/>
               </a:rPr>
@@ -9659,7 +9569,7 @@
           </a:p>
           <a:p>
             <a:r>
-              <a:rPr lang="ko-KR" altLang="en-US" dirty="0" smtClean="0">
+              <a:rPr lang="ko-KR" altLang="en-US" dirty="0">
                 <a:solidFill>
                   <a:srgbClr val="FF0000"/>
                 </a:solidFill>
@@ -9669,7 +9579,7 @@
               <a:t>법칙 </a:t>
             </a:r>
             <a:r>
-              <a:rPr lang="en-US" altLang="ko-KR" dirty="0" smtClean="0">
+              <a:rPr lang="en-US" altLang="ko-KR" dirty="0">
                 <a:solidFill>
                   <a:srgbClr val="FF0000"/>
                 </a:solidFill>
@@ -9679,7 +9589,7 @@
               <a:t>3. </a:t>
             </a:r>
             <a:r>
-              <a:rPr lang="ko-KR" altLang="en-US" dirty="0" smtClean="0">
+              <a:rPr lang="ko-KR" altLang="en-US" dirty="0">
                 <a:solidFill>
                   <a:srgbClr val="FF0000"/>
                 </a:solidFill>
@@ -9689,7 +9599,7 @@
               <a:t>부모 노드는 자식 노드보다 무조건 커야 한다</a:t>
             </a:r>
             <a:r>
-              <a:rPr lang="en-US" altLang="ko-KR" dirty="0" smtClean="0">
+              <a:rPr lang="en-US" altLang="ko-KR" dirty="0">
                 <a:solidFill>
                   <a:srgbClr val="FF0000"/>
                 </a:solidFill>
@@ -9738,11 +9648,11 @@
           <a:p>
             <a:pPr algn="ctr"/>
             <a:r>
-              <a:rPr lang="en-US" altLang="ko-KR" dirty="0" err="1" smtClean="0"/>
+              <a:rPr lang="en-US" altLang="ko-KR" dirty="0" err="1"/>
               <a:t>Arr</a:t>
             </a:r>
             <a:r>
-              <a:rPr lang="en-US" altLang="ko-KR" dirty="0" smtClean="0"/>
+              <a:rPr lang="en-US" altLang="ko-KR" dirty="0"/>
               <a:t>[4]</a:t>
             </a:r>
           </a:p>
@@ -9753,7 +9663,7 @@
           <a:p>
             <a:pPr algn="ctr"/>
             <a:r>
-              <a:rPr lang="en-US" altLang="ko-KR" dirty="0" smtClean="0"/>
+              <a:rPr lang="en-US" altLang="ko-KR" dirty="0"/>
               <a:t>10</a:t>
             </a:r>
             <a:endParaRPr lang="ko-KR" altLang="en-US" dirty="0"/>
@@ -9830,11 +9740,11 @@
           <a:p>
             <a:pPr algn="ctr"/>
             <a:r>
-              <a:rPr lang="en-US" altLang="ko-KR" dirty="0" err="1" smtClean="0"/>
+              <a:rPr lang="en-US" altLang="ko-KR" dirty="0" err="1"/>
               <a:t>Arr</a:t>
             </a:r>
             <a:r>
-              <a:rPr lang="en-US" altLang="ko-KR" dirty="0" smtClean="0"/>
+              <a:rPr lang="en-US" altLang="ko-KR" dirty="0"/>
               <a:t>[3]</a:t>
             </a:r>
           </a:p>
@@ -9845,7 +9755,7 @@
           <a:p>
             <a:pPr algn="ctr"/>
             <a:r>
-              <a:rPr lang="en-US" altLang="ko-KR" dirty="0" smtClean="0"/>
+              <a:rPr lang="en-US" altLang="ko-KR" dirty="0"/>
               <a:t>7</a:t>
             </a:r>
             <a:endParaRPr lang="ko-KR" altLang="en-US" dirty="0"/>
@@ -9955,11 +9865,11 @@
           <a:p>
             <a:pPr algn="ctr"/>
             <a:r>
-              <a:rPr lang="en-US" altLang="ko-KR" dirty="0" err="1" smtClean="0"/>
+              <a:rPr lang="en-US" altLang="ko-KR" dirty="0" err="1"/>
               <a:t>Arr</a:t>
             </a:r>
             <a:r>
-              <a:rPr lang="en-US" altLang="ko-KR" dirty="0" smtClean="0"/>
+              <a:rPr lang="en-US" altLang="ko-KR" dirty="0"/>
               <a:t>[5]</a:t>
             </a:r>
           </a:p>
@@ -9970,7 +9880,7 @@
           <a:p>
             <a:pPr algn="ctr"/>
             <a:r>
-              <a:rPr lang="en-US" altLang="ko-KR" dirty="0" smtClean="0"/>
+              <a:rPr lang="en-US" altLang="ko-KR" dirty="0"/>
               <a:t>-100</a:t>
             </a:r>
             <a:endParaRPr lang="ko-KR" altLang="en-US" dirty="0"/>
@@ -10014,11 +9924,11 @@
           <a:p>
             <a:pPr algn="ctr"/>
             <a:r>
-              <a:rPr lang="en-US" altLang="ko-KR" dirty="0" err="1" smtClean="0"/>
+              <a:rPr lang="en-US" altLang="ko-KR" dirty="0" err="1"/>
               <a:t>Arr</a:t>
             </a:r>
             <a:r>
-              <a:rPr lang="en-US" altLang="ko-KR" dirty="0" smtClean="0"/>
+              <a:rPr lang="en-US" altLang="ko-KR" dirty="0"/>
               <a:t>[6]</a:t>
             </a:r>
           </a:p>
@@ -10029,7 +9939,7 @@
           <a:p>
             <a:pPr algn="ctr"/>
             <a:r>
-              <a:rPr lang="en-US" altLang="ko-KR" dirty="0" smtClean="0"/>
+              <a:rPr lang="en-US" altLang="ko-KR" dirty="0"/>
               <a:t>-200</a:t>
             </a:r>
             <a:endParaRPr lang="ko-KR" altLang="en-US" dirty="0"/>
@@ -10092,14 +10002,14 @@
           <a:lstStyle/>
           <a:p>
             <a:r>
-              <a:rPr lang="ko-KR" altLang="en-US" dirty="0" smtClean="0">
+              <a:rPr lang="ko-KR" altLang="en-US" dirty="0">
                 <a:latin typeface="에스코어 드림 5 Medium" panose="020B0503030302020204" pitchFamily="34" charset="-127"/>
                 <a:ea typeface="에스코어 드림 5 Medium" panose="020B0503030302020204" pitchFamily="34" charset="-127"/>
               </a:rPr>
               <a:t>우선순위 큐에 다음 데이터 확인</a:t>
             </a:r>
             <a:r>
-              <a:rPr lang="en-US" altLang="ko-KR" dirty="0" smtClean="0">
+              <a:rPr lang="en-US" altLang="ko-KR" dirty="0">
                 <a:latin typeface="에스코어 드림 5 Medium" panose="020B0503030302020204" pitchFamily="34" charset="-127"/>
                 <a:ea typeface="에스코어 드림 5 Medium" panose="020B0503030302020204" pitchFamily="34" charset="-127"/>
               </a:rPr>
@@ -10115,21 +10025,21 @@
               <a:t> </a:t>
             </a:r>
             <a:r>
-              <a:rPr lang="ko-KR" altLang="en-US" dirty="0" err="1" smtClean="0">
+              <a:rPr lang="ko-KR" altLang="en-US" dirty="0" err="1">
                 <a:latin typeface="에스코어 드림 5 Medium" panose="020B0503030302020204" pitchFamily="34" charset="-127"/>
                 <a:ea typeface="에스코어 드림 5 Medium" panose="020B0503030302020204" pitchFamily="34" charset="-127"/>
               </a:rPr>
               <a:t>시간복잡도</a:t>
             </a:r>
             <a:r>
-              <a:rPr lang="ko-KR" altLang="en-US" dirty="0" smtClean="0">
+              <a:rPr lang="ko-KR" altLang="en-US" dirty="0">
                 <a:latin typeface="에스코어 드림 5 Medium" panose="020B0503030302020204" pitchFamily="34" charset="-127"/>
                 <a:ea typeface="에스코어 드림 5 Medium" panose="020B0503030302020204" pitchFamily="34" charset="-127"/>
               </a:rPr>
               <a:t> </a:t>
             </a:r>
             <a:r>
-              <a:rPr lang="en-US" altLang="ko-KR" dirty="0" smtClean="0">
+              <a:rPr lang="en-US" altLang="ko-KR" dirty="0">
                 <a:latin typeface="에스코어 드림 5 Medium" panose="020B0503030302020204" pitchFamily="34" charset="-127"/>
                 <a:ea typeface="에스코어 드림 5 Medium" panose="020B0503030302020204" pitchFamily="34" charset="-127"/>
               </a:rPr>
@@ -10191,14 +10101,14 @@
           <a:lstStyle/>
           <a:p>
             <a:r>
-              <a:rPr lang="en-US" altLang="ko-KR" dirty="0" err="1" smtClean="0">
+              <a:rPr lang="en-US" altLang="ko-KR" dirty="0" err="1">
                 <a:latin typeface="에스코어 드림 5 Medium" panose="020B0503030302020204" pitchFamily="34" charset="-127"/>
                 <a:ea typeface="에스코어 드림 5 Medium" panose="020B0503030302020204" pitchFamily="34" charset="-127"/>
               </a:rPr>
               <a:t>RedBlack</a:t>
             </a:r>
             <a:r>
-              <a:rPr lang="en-US" altLang="ko-KR" dirty="0" smtClean="0">
+              <a:rPr lang="en-US" altLang="ko-KR" dirty="0">
                 <a:latin typeface="에스코어 드림 5 Medium" panose="020B0503030302020204" pitchFamily="34" charset="-127"/>
                 <a:ea typeface="에스코어 드림 5 Medium" panose="020B0503030302020204" pitchFamily="34" charset="-127"/>
               </a:rPr>
@@ -10712,28 +10622,28 @@
           <a:lstStyle/>
           <a:p>
             <a:r>
-              <a:rPr lang="ko-KR" altLang="en-US" dirty="0" smtClean="0">
+              <a:rPr lang="ko-KR" altLang="en-US" dirty="0">
                 <a:latin typeface="에스코어 드림 5 Medium" panose="020B0503030302020204" pitchFamily="34" charset="-127"/>
                 <a:ea typeface="에스코어 드림 5 Medium" panose="020B0503030302020204" pitchFamily="34" charset="-127"/>
               </a:rPr>
               <a:t>자료구조 </a:t>
             </a:r>
             <a:r>
-              <a:rPr lang="en-US" altLang="ko-KR" dirty="0" smtClean="0">
+              <a:rPr lang="en-US" altLang="ko-KR" dirty="0">
                 <a:latin typeface="에스코어 드림 5 Medium" panose="020B0503030302020204" pitchFamily="34" charset="-127"/>
                 <a:ea typeface="에스코어 드림 5 Medium" panose="020B0503030302020204" pitchFamily="34" charset="-127"/>
               </a:rPr>
               <a:t>(</a:t>
             </a:r>
             <a:r>
-              <a:rPr lang="ko-KR" altLang="en-US" dirty="0" err="1" smtClean="0">
+              <a:rPr lang="ko-KR" altLang="en-US" dirty="0" err="1">
                 <a:latin typeface="에스코어 드림 5 Medium" panose="020B0503030302020204" pitchFamily="34" charset="-127"/>
                 <a:ea typeface="에스코어 드림 5 Medium" panose="020B0503030302020204" pitchFamily="34" charset="-127"/>
               </a:rPr>
               <a:t>시간복잡도</a:t>
             </a:r>
             <a:r>
-              <a:rPr lang="en-US" altLang="ko-KR" dirty="0" smtClean="0">
+              <a:rPr lang="en-US" altLang="ko-KR" dirty="0">
                 <a:latin typeface="에스코어 드림 5 Medium" panose="020B0503030302020204" pitchFamily="34" charset="-127"/>
                 <a:ea typeface="에스코어 드림 5 Medium" panose="020B0503030302020204" pitchFamily="34" charset="-127"/>
               </a:rPr>
@@ -10742,27 +10652,27 @@
           </a:p>
           <a:p>
             <a:r>
-              <a:rPr lang="ko-KR" altLang="en-US" dirty="0" smtClean="0">
+              <a:rPr lang="ko-KR" altLang="en-US" dirty="0">
                 <a:latin typeface="에스코어 드림 5 Medium" panose="020B0503030302020204" pitchFamily="34" charset="-127"/>
                 <a:ea typeface="에스코어 드림 5 Medium" panose="020B0503030302020204" pitchFamily="34" charset="-127"/>
               </a:rPr>
               <a:t>장점 </a:t>
             </a:r>
             <a:r>
-              <a:rPr lang="en-US" altLang="ko-KR" dirty="0" smtClean="0">
+              <a:rPr lang="en-US" altLang="ko-KR" dirty="0">
                 <a:latin typeface="에스코어 드림 5 Medium" panose="020B0503030302020204" pitchFamily="34" charset="-127"/>
                 <a:ea typeface="에스코어 드림 5 Medium" panose="020B0503030302020204" pitchFamily="34" charset="-127"/>
               </a:rPr>
               <a:t>: binary tree</a:t>
             </a:r>
             <a:r>
-              <a:rPr lang="ko-KR" altLang="en-US" dirty="0" smtClean="0">
+              <a:rPr lang="ko-KR" altLang="en-US" dirty="0">
                 <a:latin typeface="에스코어 드림 5 Medium" panose="020B0503030302020204" pitchFamily="34" charset="-127"/>
                 <a:ea typeface="에스코어 드림 5 Medium" panose="020B0503030302020204" pitchFamily="34" charset="-127"/>
               </a:rPr>
               <a:t>의 단점을 보완한 버전</a:t>
             </a:r>
-            <a:endParaRPr lang="en-US" altLang="ko-KR" dirty="0" smtClean="0">
+            <a:endParaRPr lang="en-US" altLang="ko-KR" dirty="0">
               <a:latin typeface="에스코어 드림 5 Medium" panose="020B0503030302020204" pitchFamily="34" charset="-127"/>
               <a:ea typeface="에스코어 드림 5 Medium" panose="020B0503030302020204" pitchFamily="34" charset="-127"/>
             </a:endParaRPr>
@@ -10773,31 +10683,24 @@
                 <a:latin typeface="에스코어 드림 5 Medium" panose="020B0503030302020204" pitchFamily="34" charset="-127"/>
                 <a:ea typeface="에스코어 드림 5 Medium" panose="020B0503030302020204" pitchFamily="34" charset="-127"/>
               </a:rPr>
-              <a:t> </a:t>
-            </a:r>
-            <a:r>
-              <a:rPr lang="en-US" altLang="ko-KR" dirty="0" smtClean="0">
-                <a:latin typeface="에스코어 드림 5 Medium" panose="020B0503030302020204" pitchFamily="34" charset="-127"/>
-                <a:ea typeface="에스코어 드림 5 Medium" panose="020B0503030302020204" pitchFamily="34" charset="-127"/>
-              </a:rPr>
-              <a:t>(</a:t>
-            </a:r>
-            <a:r>
-              <a:rPr lang="ko-KR" altLang="en-US" dirty="0" smtClean="0">
+              <a:t> (</a:t>
+            </a:r>
+            <a:r>
+              <a:rPr lang="ko-KR" altLang="en-US" dirty="0">
                 <a:latin typeface="에스코어 드림 5 Medium" panose="020B0503030302020204" pitchFamily="34" charset="-127"/>
                 <a:ea typeface="에스코어 드림 5 Medium" panose="020B0503030302020204" pitchFamily="34" charset="-127"/>
               </a:rPr>
               <a:t>항상 균일하게 </a:t>
             </a:r>
             <a:r>
-              <a:rPr lang="ko-KR" altLang="en-US" dirty="0" err="1" smtClean="0">
+              <a:rPr lang="ko-KR" altLang="en-US" dirty="0" err="1">
                 <a:latin typeface="에스코어 드림 5 Medium" panose="020B0503030302020204" pitchFamily="34" charset="-127"/>
                 <a:ea typeface="에스코어 드림 5 Medium" panose="020B0503030302020204" pitchFamily="34" charset="-127"/>
               </a:rPr>
               <a:t>분포되어있어요</a:t>
             </a:r>
             <a:r>
-              <a:rPr lang="en-US" altLang="ko-KR" dirty="0" smtClean="0">
+              <a:rPr lang="en-US" altLang="ko-KR" dirty="0">
                 <a:latin typeface="에스코어 드림 5 Medium" panose="020B0503030302020204" pitchFamily="34" charset="-127"/>
                 <a:ea typeface="에스코어 드림 5 Medium" panose="020B0503030302020204" pitchFamily="34" charset="-127"/>
               </a:rPr>
@@ -10865,20 +10768,20 @@
           <a:lstStyle/>
           <a:p>
             <a:r>
-              <a:rPr lang="ko-KR" altLang="en-US" dirty="0" smtClean="0">
+              <a:rPr lang="ko-KR" altLang="en-US" dirty="0">
                 <a:latin typeface="에스코어 드림 5 Medium" panose="020B0503030302020204" pitchFamily="34" charset="-127"/>
                 <a:ea typeface="에스코어 드림 5 Medium" panose="020B0503030302020204" pitchFamily="34" charset="-127"/>
               </a:rPr>
               <a:t>우선순위 큐</a:t>
             </a:r>
-            <a:endParaRPr lang="en-US" altLang="ko-KR" dirty="0" smtClean="0">
+            <a:endParaRPr lang="en-US" altLang="ko-KR" dirty="0">
               <a:latin typeface="에스코어 드림 5 Medium" panose="020B0503030302020204" pitchFamily="34" charset="-127"/>
               <a:ea typeface="에스코어 드림 5 Medium" panose="020B0503030302020204" pitchFamily="34" charset="-127"/>
             </a:endParaRPr>
           </a:p>
           <a:p>
             <a:r>
-              <a:rPr lang="en-US" altLang="ko-KR" dirty="0" smtClean="0">
+              <a:rPr lang="en-US" altLang="ko-KR" dirty="0">
                 <a:latin typeface="에스코어 드림 5 Medium" panose="020B0503030302020204" pitchFamily="34" charset="-127"/>
                 <a:ea typeface="에스코어 드림 5 Medium" panose="020B0503030302020204" pitchFamily="34" charset="-127"/>
               </a:rPr>
@@ -10914,18 +10817,62 @@
           <a:lstStyle/>
           <a:p>
             <a:r>
-              <a:rPr lang="ko-KR" altLang="en-US" dirty="0" smtClean="0">
+              <a:rPr lang="ko-KR" altLang="en-US" dirty="0">
                 <a:latin typeface="에스코어 드림 5 Medium" panose="020B0503030302020204" pitchFamily="34" charset="-127"/>
                 <a:ea typeface="에스코어 드림 5 Medium" panose="020B0503030302020204" pitchFamily="34" charset="-127"/>
               </a:rPr>
               <a:t>우선 순위 큐 </a:t>
             </a:r>
             <a:r>
-              <a:rPr lang="en-US" altLang="ko-KR" dirty="0" smtClean="0">
+              <a:rPr lang="en-US" altLang="ko-KR" dirty="0">
                 <a:latin typeface="에스코어 드림 5 Medium" panose="020B0503030302020204" pitchFamily="34" charset="-127"/>
                 <a:ea typeface="에스코어 드림 5 Medium" panose="020B0503030302020204" pitchFamily="34" charset="-127"/>
               </a:rPr>
               <a:t>: </a:t>
+            </a:r>
+          </a:p>
+          <a:p>
+            <a:r>
+              <a:rPr lang="en-US" altLang="ko-KR" dirty="0">
+                <a:latin typeface="에스코어 드림 5 Medium" panose="020B0503030302020204" pitchFamily="34" charset="-127"/>
+                <a:ea typeface="에스코어 드림 5 Medium" panose="020B0503030302020204" pitchFamily="34" charset="-127"/>
+              </a:rPr>
+              <a:t> - </a:t>
+            </a:r>
+            <a:r>
+              <a:rPr lang="ko-KR" altLang="en-US" dirty="0">
+                <a:latin typeface="에스코어 드림 5 Medium" panose="020B0503030302020204" pitchFamily="34" charset="-127"/>
+                <a:ea typeface="에스코어 드림 5 Medium" panose="020B0503030302020204" pitchFamily="34" charset="-127"/>
+              </a:rPr>
+              <a:t>값이 </a:t>
+            </a:r>
+            <a:r>
+              <a:rPr lang="ko-KR" altLang="en-US" dirty="0" err="1">
+                <a:latin typeface="에스코어 드림 5 Medium" panose="020B0503030302020204" pitchFamily="34" charset="-127"/>
+                <a:ea typeface="에스코어 드림 5 Medium" panose="020B0503030302020204" pitchFamily="34" charset="-127"/>
+              </a:rPr>
+              <a:t>큰거</a:t>
+            </a:r>
+            <a:r>
+              <a:rPr lang="ko-KR" altLang="en-US" dirty="0">
+                <a:latin typeface="에스코어 드림 5 Medium" panose="020B0503030302020204" pitchFamily="34" charset="-127"/>
+                <a:ea typeface="에스코어 드림 5 Medium" panose="020B0503030302020204" pitchFamily="34" charset="-127"/>
+              </a:rPr>
+              <a:t> 부터 항상 나오게 끔</a:t>
+            </a:r>
+            <a:r>
+              <a:rPr lang="en-US" altLang="ko-KR" dirty="0">
+                <a:latin typeface="에스코어 드림 5 Medium" panose="020B0503030302020204" pitchFamily="34" charset="-127"/>
+                <a:ea typeface="에스코어 드림 5 Medium" panose="020B0503030302020204" pitchFamily="34" charset="-127"/>
+              </a:rPr>
+              <a:t>, </a:t>
+            </a:r>
+            <a:r>
+              <a:rPr lang="ko-KR" altLang="en-US" dirty="0">
+                <a:latin typeface="에스코어 드림 5 Medium" panose="020B0503030302020204" pitchFamily="34" charset="-127"/>
+                <a:ea typeface="에스코어 드림 5 Medium" panose="020B0503030302020204" pitchFamily="34" charset="-127"/>
+              </a:rPr>
+              <a:t>세팅해주는 자료구조</a:t>
             </a:r>
             <a:endParaRPr lang="en-US" altLang="ko-KR" dirty="0">
               <a:latin typeface="에스코어 드림 5 Medium" panose="020B0503030302020204" pitchFamily="34" charset="-127"/>
@@ -10934,62 +10881,7 @@
           </a:p>
           <a:p>
             <a:r>
-              <a:rPr lang="en-US" altLang="ko-KR" dirty="0" smtClean="0">
-                <a:latin typeface="에스코어 드림 5 Medium" panose="020B0503030302020204" pitchFamily="34" charset="-127"/>
-                <a:ea typeface="에스코어 드림 5 Medium" panose="020B0503030302020204" pitchFamily="34" charset="-127"/>
-              </a:rPr>
-              <a:t> -</a:t>
-            </a:r>
-            <a:r>
-              <a:rPr lang="en-US" altLang="ko-KR" dirty="0">
-                <a:latin typeface="에스코어 드림 5 Medium" panose="020B0503030302020204" pitchFamily="34" charset="-127"/>
-                <a:ea typeface="에스코어 드림 5 Medium" panose="020B0503030302020204" pitchFamily="34" charset="-127"/>
-              </a:rPr>
-              <a:t> </a:t>
-            </a:r>
-            <a:r>
-              <a:rPr lang="ko-KR" altLang="en-US" dirty="0" smtClean="0">
-                <a:latin typeface="에스코어 드림 5 Medium" panose="020B0503030302020204" pitchFamily="34" charset="-127"/>
-                <a:ea typeface="에스코어 드림 5 Medium" panose="020B0503030302020204" pitchFamily="34" charset="-127"/>
-              </a:rPr>
-              <a:t>값이 </a:t>
-            </a:r>
-            <a:r>
-              <a:rPr lang="ko-KR" altLang="en-US" dirty="0" err="1" smtClean="0">
-                <a:latin typeface="에스코어 드림 5 Medium" panose="020B0503030302020204" pitchFamily="34" charset="-127"/>
-                <a:ea typeface="에스코어 드림 5 Medium" panose="020B0503030302020204" pitchFamily="34" charset="-127"/>
-              </a:rPr>
-              <a:t>큰거</a:t>
-            </a:r>
-            <a:r>
-              <a:rPr lang="ko-KR" altLang="en-US" dirty="0" smtClean="0">
-                <a:latin typeface="에스코어 드림 5 Medium" panose="020B0503030302020204" pitchFamily="34" charset="-127"/>
-                <a:ea typeface="에스코어 드림 5 Medium" panose="020B0503030302020204" pitchFamily="34" charset="-127"/>
-              </a:rPr>
-              <a:t> 부터 항상 나오게 끔</a:t>
-            </a:r>
-            <a:r>
-              <a:rPr lang="en-US" altLang="ko-KR" dirty="0" smtClean="0">
-                <a:latin typeface="에스코어 드림 5 Medium" panose="020B0503030302020204" pitchFamily="34" charset="-127"/>
-                <a:ea typeface="에스코어 드림 5 Medium" panose="020B0503030302020204" pitchFamily="34" charset="-127"/>
-              </a:rPr>
-              <a:t>, </a:t>
-            </a:r>
-            <a:r>
-              <a:rPr lang="ko-KR" altLang="en-US" dirty="0" smtClean="0">
-                <a:latin typeface="에스코어 드림 5 Medium" panose="020B0503030302020204" pitchFamily="34" charset="-127"/>
-                <a:ea typeface="에스코어 드림 5 Medium" panose="020B0503030302020204" pitchFamily="34" charset="-127"/>
-              </a:rPr>
-              <a:t>세팅해주는 자료구조</a:t>
-            </a:r>
-            <a:endParaRPr lang="en-US" altLang="ko-KR" dirty="0" smtClean="0">
-              <a:latin typeface="에스코어 드림 5 Medium" panose="020B0503030302020204" pitchFamily="34" charset="-127"/>
-              <a:ea typeface="에스코어 드림 5 Medium" panose="020B0503030302020204" pitchFamily="34" charset="-127"/>
-            </a:endParaRPr>
-          </a:p>
-          <a:p>
-            <a:r>
-              <a:rPr lang="en-US" altLang="ko-KR" dirty="0" smtClean="0">
+              <a:rPr lang="en-US" altLang="ko-KR" dirty="0">
                 <a:latin typeface="에스코어 드림 5 Medium" panose="020B0503030302020204" pitchFamily="34" charset="-127"/>
                 <a:ea typeface="에스코어 드림 5 Medium" panose="020B0503030302020204" pitchFamily="34" charset="-127"/>
               </a:rPr>
@@ -11004,28 +10896,28 @@
           </a:p>
           <a:p>
             <a:r>
-              <a:rPr lang="en-US" altLang="ko-KR" dirty="0" smtClean="0">
+              <a:rPr lang="en-US" altLang="ko-KR" dirty="0">
                 <a:latin typeface="에스코어 드림 5 Medium" panose="020B0503030302020204" pitchFamily="34" charset="-127"/>
                 <a:ea typeface="에스코어 드림 5 Medium" panose="020B0503030302020204" pitchFamily="34" charset="-127"/>
               </a:rPr>
               <a:t> - </a:t>
             </a:r>
             <a:r>
-              <a:rPr lang="ko-KR" altLang="en-US" dirty="0" smtClean="0">
+              <a:rPr lang="ko-KR" altLang="en-US" dirty="0">
                 <a:latin typeface="에스코어 드림 5 Medium" panose="020B0503030302020204" pitchFamily="34" charset="-127"/>
                 <a:ea typeface="에스코어 드림 5 Medium" panose="020B0503030302020204" pitchFamily="34" charset="-127"/>
               </a:rPr>
               <a:t>선입 선출이 아닌</a:t>
             </a:r>
             <a:r>
-              <a:rPr lang="en-US" altLang="ko-KR" dirty="0" smtClean="0">
+              <a:rPr lang="en-US" altLang="ko-KR" dirty="0">
                 <a:latin typeface="에스코어 드림 5 Medium" panose="020B0503030302020204" pitchFamily="34" charset="-127"/>
                 <a:ea typeface="에스코어 드림 5 Medium" panose="020B0503030302020204" pitchFamily="34" charset="-127"/>
               </a:rPr>
               <a:t>, </a:t>
             </a:r>
             <a:r>
-              <a:rPr lang="ko-KR" altLang="en-US" dirty="0" smtClean="0">
+              <a:rPr lang="ko-KR" altLang="en-US" dirty="0">
                 <a:latin typeface="에스코어 드림 5 Medium" panose="020B0503030302020204" pitchFamily="34" charset="-127"/>
                 <a:ea typeface="에스코어 드림 5 Medium" panose="020B0503030302020204" pitchFamily="34" charset="-127"/>
               </a:rPr>
@@ -11038,121 +10930,121 @@
           </a:p>
           <a:p>
             <a:r>
-              <a:rPr lang="ko-KR" altLang="en-US" dirty="0" smtClean="0">
+              <a:rPr lang="ko-KR" altLang="en-US" dirty="0">
                 <a:latin typeface="에스코어 드림 5 Medium" panose="020B0503030302020204" pitchFamily="34" charset="-127"/>
                 <a:ea typeface="에스코어 드림 5 Medium" panose="020B0503030302020204" pitchFamily="34" charset="-127"/>
               </a:rPr>
               <a:t>해주는 자료구조</a:t>
             </a:r>
-            <a:endParaRPr lang="en-US" altLang="ko-KR" dirty="0" smtClean="0">
-              <a:latin typeface="에스코어 드림 5 Medium" panose="020B0503030302020204" pitchFamily="34" charset="-127"/>
-              <a:ea typeface="에스코어 드림 5 Medium" panose="020B0503030302020204" pitchFamily="34" charset="-127"/>
-            </a:endParaRPr>
-          </a:p>
-          <a:p>
             <a:endParaRPr lang="en-US" altLang="ko-KR" dirty="0">
               <a:latin typeface="에스코어 드림 5 Medium" panose="020B0503030302020204" pitchFamily="34" charset="-127"/>
               <a:ea typeface="에스코어 드림 5 Medium" panose="020B0503030302020204" pitchFamily="34" charset="-127"/>
             </a:endParaRPr>
           </a:p>
           <a:p>
-            <a:endParaRPr lang="en-US" altLang="ko-KR" dirty="0" smtClean="0">
-              <a:latin typeface="에스코어 드림 5 Medium" panose="020B0503030302020204" pitchFamily="34" charset="-127"/>
-              <a:ea typeface="에스코어 드림 5 Medium" panose="020B0503030302020204" pitchFamily="34" charset="-127"/>
-            </a:endParaRPr>
-          </a:p>
-          <a:p>
-            <a:r>
-              <a:rPr lang="ko-KR" altLang="en-US" dirty="0" smtClean="0">
-                <a:latin typeface="에스코어 드림 5 Medium" panose="020B0503030302020204" pitchFamily="34" charset="-127"/>
-                <a:ea typeface="에스코어 드림 5 Medium" panose="020B0503030302020204" pitchFamily="34" charset="-127"/>
-              </a:rPr>
-              <a:t>우선 순위 큐는 보통 단독 자료구조로는 </a:t>
-            </a:r>
-            <a:r>
-              <a:rPr lang="ko-KR" altLang="en-US" dirty="0" err="1" smtClean="0">
-                <a:latin typeface="에스코어 드림 5 Medium" panose="020B0503030302020204" pitchFamily="34" charset="-127"/>
-                <a:ea typeface="에스코어 드림 5 Medium" panose="020B0503030302020204" pitchFamily="34" charset="-127"/>
-              </a:rPr>
-              <a:t>안쓰이고</a:t>
-            </a:r>
-            <a:endParaRPr lang="en-US" altLang="ko-KR" dirty="0" smtClean="0">
-              <a:latin typeface="에스코어 드림 5 Medium" panose="020B0503030302020204" pitchFamily="34" charset="-127"/>
-              <a:ea typeface="에스코어 드림 5 Medium" panose="020B0503030302020204" pitchFamily="34" charset="-127"/>
-            </a:endParaRPr>
-          </a:p>
-          <a:p>
-            <a:r>
-              <a:rPr lang="en-US" altLang="ko-KR" dirty="0">
-                <a:latin typeface="에스코어 드림 5 Medium" panose="020B0503030302020204" pitchFamily="34" charset="-127"/>
-                <a:ea typeface="에스코어 드림 5 Medium" panose="020B0503030302020204" pitchFamily="34" charset="-127"/>
-              </a:rPr>
-              <a:t> </a:t>
-            </a:r>
-            <a:r>
-              <a:rPr lang="ko-KR" altLang="en-US" dirty="0" smtClean="0">
-                <a:latin typeface="에스코어 드림 5 Medium" panose="020B0503030302020204" pitchFamily="34" charset="-127"/>
-                <a:ea typeface="에스코어 드림 5 Medium" panose="020B0503030302020204" pitchFamily="34" charset="-127"/>
-              </a:rPr>
-              <a:t>알고리즘에 포함되어서 쓰이는 경우가 많습니다</a:t>
-            </a:r>
-            <a:r>
-              <a:rPr lang="en-US" altLang="ko-KR" dirty="0" smtClean="0">
-                <a:latin typeface="에스코어 드림 5 Medium" panose="020B0503030302020204" pitchFamily="34" charset="-127"/>
-                <a:ea typeface="에스코어 드림 5 Medium" panose="020B0503030302020204" pitchFamily="34" charset="-127"/>
-              </a:rPr>
-              <a:t>.</a:t>
-            </a:r>
-          </a:p>
-          <a:p>
-            <a:endParaRPr lang="en-US" altLang="ko-KR" dirty="0" smtClean="0">
-              <a:latin typeface="에스코어 드림 5 Medium" panose="020B0503030302020204" pitchFamily="34" charset="-127"/>
-              <a:ea typeface="에스코어 드림 5 Medium" panose="020B0503030302020204" pitchFamily="34" charset="-127"/>
-            </a:endParaRPr>
-          </a:p>
-          <a:p>
             <a:endParaRPr lang="en-US" altLang="ko-KR" dirty="0">
               <a:latin typeface="에스코어 드림 5 Medium" panose="020B0503030302020204" pitchFamily="34" charset="-127"/>
               <a:ea typeface="에스코어 드림 5 Medium" panose="020B0503030302020204" pitchFamily="34" charset="-127"/>
             </a:endParaRPr>
           </a:p>
           <a:p>
-            <a:r>
-              <a:rPr lang="ko-KR" altLang="en-US" dirty="0" smtClean="0">
+            <a:endParaRPr lang="en-US" altLang="ko-KR" dirty="0">
+              <a:latin typeface="에스코어 드림 5 Medium" panose="020B0503030302020204" pitchFamily="34" charset="-127"/>
+              <a:ea typeface="에스코어 드림 5 Medium" panose="020B0503030302020204" pitchFamily="34" charset="-127"/>
+            </a:endParaRPr>
+          </a:p>
+          <a:p>
+            <a:r>
+              <a:rPr lang="ko-KR" altLang="en-US" dirty="0">
+                <a:latin typeface="에스코어 드림 5 Medium" panose="020B0503030302020204" pitchFamily="34" charset="-127"/>
+                <a:ea typeface="에스코어 드림 5 Medium" panose="020B0503030302020204" pitchFamily="34" charset="-127"/>
+              </a:rPr>
+              <a:t>우선 순위 큐는 보통 단독 자료구조로는 </a:t>
+            </a:r>
+            <a:r>
+              <a:rPr lang="ko-KR" altLang="en-US" dirty="0" err="1">
+                <a:latin typeface="에스코어 드림 5 Medium" panose="020B0503030302020204" pitchFamily="34" charset="-127"/>
+                <a:ea typeface="에스코어 드림 5 Medium" panose="020B0503030302020204" pitchFamily="34" charset="-127"/>
+              </a:rPr>
+              <a:t>안쓰이고</a:t>
+            </a:r>
+            <a:endParaRPr lang="en-US" altLang="ko-KR" dirty="0">
+              <a:latin typeface="에스코어 드림 5 Medium" panose="020B0503030302020204" pitchFamily="34" charset="-127"/>
+              <a:ea typeface="에스코어 드림 5 Medium" panose="020B0503030302020204" pitchFamily="34" charset="-127"/>
+            </a:endParaRPr>
+          </a:p>
+          <a:p>
+            <a:r>
+              <a:rPr lang="en-US" altLang="ko-KR" dirty="0">
+                <a:latin typeface="에스코어 드림 5 Medium" panose="020B0503030302020204" pitchFamily="34" charset="-127"/>
+                <a:ea typeface="에스코어 드림 5 Medium" panose="020B0503030302020204" pitchFamily="34" charset="-127"/>
+              </a:rPr>
+              <a:t> </a:t>
+            </a:r>
+            <a:r>
+              <a:rPr lang="ko-KR" altLang="en-US" dirty="0">
+                <a:latin typeface="에스코어 드림 5 Medium" panose="020B0503030302020204" pitchFamily="34" charset="-127"/>
+                <a:ea typeface="에스코어 드림 5 Medium" panose="020B0503030302020204" pitchFamily="34" charset="-127"/>
+              </a:rPr>
+              <a:t>알고리즘에 포함되어서 쓰이는 경우가 많습니다</a:t>
+            </a:r>
+            <a:r>
+              <a:rPr lang="en-US" altLang="ko-KR" dirty="0">
+                <a:latin typeface="에스코어 드림 5 Medium" panose="020B0503030302020204" pitchFamily="34" charset="-127"/>
+                <a:ea typeface="에스코어 드림 5 Medium" panose="020B0503030302020204" pitchFamily="34" charset="-127"/>
+              </a:rPr>
+              <a:t>.</a:t>
+            </a:r>
+          </a:p>
+          <a:p>
+            <a:endParaRPr lang="en-US" altLang="ko-KR" dirty="0">
+              <a:latin typeface="에스코어 드림 5 Medium" panose="020B0503030302020204" pitchFamily="34" charset="-127"/>
+              <a:ea typeface="에스코어 드림 5 Medium" panose="020B0503030302020204" pitchFamily="34" charset="-127"/>
+            </a:endParaRPr>
+          </a:p>
+          <a:p>
+            <a:endParaRPr lang="en-US" altLang="ko-KR" dirty="0">
+              <a:latin typeface="에스코어 드림 5 Medium" panose="020B0503030302020204" pitchFamily="34" charset="-127"/>
+              <a:ea typeface="에스코어 드림 5 Medium" panose="020B0503030302020204" pitchFamily="34" charset="-127"/>
+            </a:endParaRPr>
+          </a:p>
+          <a:p>
+            <a:r>
+              <a:rPr lang="ko-KR" altLang="en-US" dirty="0">
                 <a:latin typeface="에스코어 드림 5 Medium" panose="020B0503030302020204" pitchFamily="34" charset="-127"/>
                 <a:ea typeface="에스코어 드림 5 Medium" panose="020B0503030302020204" pitchFamily="34" charset="-127"/>
               </a:rPr>
               <a:t>알고리즘 </a:t>
             </a:r>
             <a:r>
-              <a:rPr lang="en-US" altLang="ko-KR" dirty="0" smtClean="0">
+              <a:rPr lang="en-US" altLang="ko-KR" dirty="0">
                 <a:latin typeface="에스코어 드림 5 Medium" panose="020B0503030302020204" pitchFamily="34" charset="-127"/>
                 <a:ea typeface="에스코어 드림 5 Medium" panose="020B0503030302020204" pitchFamily="34" charset="-127"/>
               </a:rPr>
               <a:t>– </a:t>
             </a:r>
             <a:r>
-              <a:rPr lang="ko-KR" altLang="en-US" dirty="0" smtClean="0">
+              <a:rPr lang="ko-KR" altLang="en-US" dirty="0">
                 <a:latin typeface="에스코어 드림 5 Medium" panose="020B0503030302020204" pitchFamily="34" charset="-127"/>
                 <a:ea typeface="에스코어 드림 5 Medium" panose="020B0503030302020204" pitchFamily="34" charset="-127"/>
               </a:rPr>
               <a:t>나중에 배울 </a:t>
             </a:r>
             <a:r>
-              <a:rPr lang="ko-KR" altLang="en-US" dirty="0" err="1" smtClean="0">
+              <a:rPr lang="ko-KR" altLang="en-US" dirty="0" err="1">
                 <a:latin typeface="에스코어 드림 5 Medium" panose="020B0503030302020204" pitchFamily="34" charset="-127"/>
                 <a:ea typeface="에스코어 드림 5 Medium" panose="020B0503030302020204" pitchFamily="34" charset="-127"/>
               </a:rPr>
               <a:t>길찾기</a:t>
             </a:r>
             <a:r>
-              <a:rPr lang="ko-KR" altLang="en-US" dirty="0" smtClean="0">
+              <a:rPr lang="ko-KR" altLang="en-US" dirty="0">
                 <a:latin typeface="에스코어 드림 5 Medium" panose="020B0503030302020204" pitchFamily="34" charset="-127"/>
                 <a:ea typeface="에스코어 드림 5 Medium" panose="020B0503030302020204" pitchFamily="34" charset="-127"/>
               </a:rPr>
               <a:t> 알고리즘에 쓰이는 자료구조</a:t>
             </a:r>
-            <a:endParaRPr lang="en-US" altLang="ko-KR" dirty="0" smtClean="0">
+            <a:endParaRPr lang="en-US" altLang="ko-KR" dirty="0">
               <a:latin typeface="에스코어 드림 5 Medium" panose="020B0503030302020204" pitchFamily="34" charset="-127"/>
               <a:ea typeface="에스코어 드림 5 Medium" panose="020B0503030302020204" pitchFamily="34" charset="-127"/>
             </a:endParaRPr>
@@ -11196,7 +11088,7 @@
           <a:p>
             <a:pPr algn="ctr"/>
             <a:r>
-              <a:rPr lang="en-US" altLang="ko-KR" dirty="0" smtClean="0"/>
+              <a:rPr lang="en-US" altLang="ko-KR" dirty="0"/>
               <a:t>5 - 150</a:t>
             </a:r>
             <a:endParaRPr lang="ko-KR" altLang="en-US" dirty="0"/>
@@ -11240,7 +11132,7 @@
           <a:p>
             <a:pPr algn="ctr"/>
             <a:r>
-              <a:rPr lang="en-US" altLang="ko-KR" dirty="0" smtClean="0"/>
+              <a:rPr lang="en-US" altLang="ko-KR" dirty="0"/>
               <a:t>4 - 35</a:t>
             </a:r>
             <a:endParaRPr lang="ko-KR" altLang="en-US" dirty="0"/>
@@ -11284,7 +11176,7 @@
           <a:p>
             <a:pPr algn="ctr"/>
             <a:r>
-              <a:rPr lang="en-US" altLang="ko-KR" dirty="0" smtClean="0"/>
+              <a:rPr lang="en-US" altLang="ko-KR" dirty="0"/>
               <a:t>3 - 50</a:t>
             </a:r>
             <a:endParaRPr lang="ko-KR" altLang="en-US" dirty="0"/>
@@ -11328,7 +11220,7 @@
           <a:p>
             <a:pPr algn="ctr"/>
             <a:r>
-              <a:rPr lang="en-US" altLang="ko-KR" dirty="0" smtClean="0"/>
+              <a:rPr lang="en-US" altLang="ko-KR" dirty="0"/>
               <a:t>2 - 100</a:t>
             </a:r>
             <a:endParaRPr lang="ko-KR" altLang="en-US" dirty="0"/>
@@ -11372,7 +11264,7 @@
           <a:p>
             <a:pPr algn="ctr"/>
             <a:r>
-              <a:rPr lang="en-US" altLang="ko-KR" dirty="0" smtClean="0"/>
+              <a:rPr lang="en-US" altLang="ko-KR" dirty="0"/>
               <a:t>1 - 20</a:t>
             </a:r>
             <a:endParaRPr lang="ko-KR" altLang="en-US" dirty="0"/>
@@ -11416,7 +11308,7 @@
           <a:p>
             <a:pPr algn="ctr"/>
             <a:r>
-              <a:rPr lang="en-US" altLang="ko-KR" dirty="0" smtClean="0"/>
+              <a:rPr lang="en-US" altLang="ko-KR" dirty="0"/>
               <a:t>6 - 1</a:t>
             </a:r>
             <a:endParaRPr lang="ko-KR" altLang="en-US" dirty="0"/>
@@ -11476,7 +11368,7 @@
           <a:lstStyle/>
           <a:p>
             <a:r>
-              <a:rPr lang="en-US" altLang="ko-KR" dirty="0" smtClean="0">
+              <a:rPr lang="en-US" altLang="ko-KR" dirty="0">
                 <a:latin typeface="에스코어 드림 5 Medium" panose="020B0503030302020204" pitchFamily="34" charset="-127"/>
                 <a:ea typeface="에스코어 드림 5 Medium" panose="020B0503030302020204" pitchFamily="34" charset="-127"/>
               </a:rPr>
@@ -11526,7 +11418,7 @@
           <a:p>
             <a:pPr algn="ctr"/>
             <a:r>
-              <a:rPr lang="en-US" altLang="ko-KR" dirty="0" smtClean="0"/>
+              <a:rPr lang="en-US" altLang="ko-KR" dirty="0"/>
               <a:t>5</a:t>
             </a:r>
             <a:endParaRPr lang="ko-KR" altLang="en-US" dirty="0"/>
@@ -11570,7 +11462,7 @@
           <a:p>
             <a:pPr algn="ctr"/>
             <a:r>
-              <a:rPr lang="en-US" altLang="ko-KR" dirty="0" smtClean="0"/>
+              <a:rPr lang="en-US" altLang="ko-KR" dirty="0"/>
               <a:t>4</a:t>
             </a:r>
             <a:endParaRPr lang="ko-KR" altLang="en-US" dirty="0"/>
@@ -11614,7 +11506,7 @@
           <a:p>
             <a:pPr algn="ctr"/>
             <a:r>
-              <a:rPr lang="en-US" altLang="ko-KR" dirty="0" smtClean="0"/>
+              <a:rPr lang="en-US" altLang="ko-KR" dirty="0"/>
               <a:t>3</a:t>
             </a:r>
             <a:endParaRPr lang="ko-KR" altLang="en-US" dirty="0"/>
@@ -11658,7 +11550,7 @@
           <a:p>
             <a:pPr algn="ctr"/>
             <a:r>
-              <a:rPr lang="en-US" altLang="ko-KR" dirty="0" smtClean="0"/>
+              <a:rPr lang="en-US" altLang="ko-KR" dirty="0"/>
               <a:t>2</a:t>
             </a:r>
             <a:endParaRPr lang="ko-KR" altLang="en-US" dirty="0"/>
@@ -11702,7 +11594,7 @@
           <a:p>
             <a:pPr algn="ctr"/>
             <a:r>
-              <a:rPr lang="en-US" altLang="ko-KR" dirty="0" smtClean="0"/>
+              <a:rPr lang="en-US" altLang="ko-KR" dirty="0"/>
               <a:t>1</a:t>
             </a:r>
             <a:endParaRPr lang="ko-KR" altLang="en-US" dirty="0"/>
@@ -11776,68 +11668,68 @@
           <a:lstStyle/>
           <a:p>
             <a:r>
-              <a:rPr lang="ko-KR" altLang="en-US" dirty="0" smtClean="0">
+              <a:rPr lang="ko-KR" altLang="en-US" dirty="0">
                 <a:latin typeface="에스코어 드림 5 Medium" panose="020B0503030302020204" pitchFamily="34" charset="-127"/>
                 <a:ea typeface="에스코어 드림 5 Medium" panose="020B0503030302020204" pitchFamily="34" charset="-127"/>
               </a:rPr>
               <a:t> </a:t>
             </a:r>
             <a:r>
-              <a:rPr lang="en-US" altLang="ko-KR" dirty="0" smtClean="0">
+              <a:rPr lang="en-US" altLang="ko-KR" dirty="0">
                 <a:latin typeface="에스코어 드림 5 Medium" panose="020B0503030302020204" pitchFamily="34" charset="-127"/>
                 <a:ea typeface="에스코어 드림 5 Medium" panose="020B0503030302020204" pitchFamily="34" charset="-127"/>
               </a:rPr>
               <a:t>- </a:t>
             </a:r>
             <a:r>
-              <a:rPr lang="ko-KR" altLang="en-US" dirty="0" smtClean="0">
+              <a:rPr lang="ko-KR" altLang="en-US" dirty="0">
                 <a:latin typeface="에스코어 드림 5 Medium" panose="020B0503030302020204" pitchFamily="34" charset="-127"/>
                 <a:ea typeface="에스코어 드림 5 Medium" panose="020B0503030302020204" pitchFamily="34" charset="-127"/>
               </a:rPr>
               <a:t>선입선출</a:t>
             </a:r>
-            <a:endParaRPr lang="en-US" altLang="ko-KR" dirty="0" smtClean="0">
-              <a:latin typeface="에스코어 드림 5 Medium" panose="020B0503030302020204" pitchFamily="34" charset="-127"/>
-              <a:ea typeface="에스코어 드림 5 Medium" panose="020B0503030302020204" pitchFamily="34" charset="-127"/>
-            </a:endParaRPr>
-          </a:p>
-          <a:p>
             <a:endParaRPr lang="en-US" altLang="ko-KR" dirty="0">
               <a:latin typeface="에스코어 드림 5 Medium" panose="020B0503030302020204" pitchFamily="34" charset="-127"/>
               <a:ea typeface="에스코어 드림 5 Medium" panose="020B0503030302020204" pitchFamily="34" charset="-127"/>
             </a:endParaRPr>
           </a:p>
           <a:p>
-            <a:r>
-              <a:rPr lang="en-US" altLang="ko-KR" dirty="0" smtClean="0">
+            <a:endParaRPr lang="en-US" altLang="ko-KR" dirty="0">
+              <a:latin typeface="에스코어 드림 5 Medium" panose="020B0503030302020204" pitchFamily="34" charset="-127"/>
+              <a:ea typeface="에스코어 드림 5 Medium" panose="020B0503030302020204" pitchFamily="34" charset="-127"/>
+            </a:endParaRPr>
+          </a:p>
+          <a:p>
+            <a:r>
+              <a:rPr lang="en-US" altLang="ko-KR" dirty="0">
                 <a:latin typeface="에스코어 드림 5 Medium" panose="020B0503030302020204" pitchFamily="34" charset="-127"/>
                 <a:ea typeface="에스코어 드림 5 Medium" panose="020B0503030302020204" pitchFamily="34" charset="-127"/>
               </a:rPr>
               <a:t> - </a:t>
             </a:r>
             <a:r>
-              <a:rPr lang="ko-KR" altLang="en-US" dirty="0" smtClean="0">
+              <a:rPr lang="ko-KR" altLang="en-US" dirty="0">
                 <a:latin typeface="에스코어 드림 5 Medium" panose="020B0503030302020204" pitchFamily="34" charset="-127"/>
                 <a:ea typeface="에스코어 드림 5 Medium" panose="020B0503030302020204" pitchFamily="34" charset="-127"/>
               </a:rPr>
               <a:t>쉬운 말로 </a:t>
             </a:r>
             <a:r>
-              <a:rPr lang="en-US" altLang="ko-KR" dirty="0" smtClean="0">
+              <a:rPr lang="en-US" altLang="ko-KR" dirty="0">
                 <a:latin typeface="에스코어 드림 5 Medium" panose="020B0503030302020204" pitchFamily="34" charset="-127"/>
                 <a:ea typeface="에스코어 드림 5 Medium" panose="020B0503030302020204" pitchFamily="34" charset="-127"/>
               </a:rPr>
               <a:t>“</a:t>
             </a:r>
             <a:r>
-              <a:rPr lang="ko-KR" altLang="en-US" dirty="0" smtClean="0">
+              <a:rPr lang="ko-KR" altLang="en-US" dirty="0">
                 <a:latin typeface="에스코어 드림 5 Medium" panose="020B0503030302020204" pitchFamily="34" charset="-127"/>
                 <a:ea typeface="에스코어 드림 5 Medium" panose="020B0503030302020204" pitchFamily="34" charset="-127"/>
               </a:rPr>
               <a:t>똥</a:t>
             </a:r>
             <a:r>
-              <a:rPr lang="en-US" altLang="ko-KR" dirty="0" smtClean="0">
+              <a:rPr lang="en-US" altLang="ko-KR" dirty="0">
                 <a:latin typeface="에스코어 드림 5 Medium" panose="020B0503030302020204" pitchFamily="34" charset="-127"/>
                 <a:ea typeface="에스코어 드림 5 Medium" panose="020B0503030302020204" pitchFamily="34" charset="-127"/>
               </a:rPr>
@@ -11903,20 +11795,20 @@
           <a:lstStyle/>
           <a:p>
             <a:r>
-              <a:rPr lang="ko-KR" altLang="en-US" dirty="0" smtClean="0">
+              <a:rPr lang="ko-KR" altLang="en-US" dirty="0">
                 <a:latin typeface="에스코어 드림 5 Medium" panose="020B0503030302020204" pitchFamily="34" charset="-127"/>
                 <a:ea typeface="에스코어 드림 5 Medium" panose="020B0503030302020204" pitchFamily="34" charset="-127"/>
               </a:rPr>
               <a:t>우선순위 큐</a:t>
             </a:r>
-            <a:endParaRPr lang="en-US" altLang="ko-KR" dirty="0" smtClean="0">
+            <a:endParaRPr lang="en-US" altLang="ko-KR" dirty="0">
               <a:latin typeface="에스코어 드림 5 Medium" panose="020B0503030302020204" pitchFamily="34" charset="-127"/>
               <a:ea typeface="에스코어 드림 5 Medium" panose="020B0503030302020204" pitchFamily="34" charset="-127"/>
             </a:endParaRPr>
           </a:p>
           <a:p>
             <a:r>
-              <a:rPr lang="en-US" altLang="ko-KR" dirty="0" smtClean="0">
+              <a:rPr lang="en-US" altLang="ko-KR" dirty="0">
                 <a:latin typeface="에스코어 드림 5 Medium" panose="020B0503030302020204" pitchFamily="34" charset="-127"/>
                 <a:ea typeface="에스코어 드림 5 Medium" panose="020B0503030302020204" pitchFamily="34" charset="-127"/>
               </a:rPr>
@@ -11966,11 +11858,11 @@
           <a:p>
             <a:pPr algn="ctr"/>
             <a:r>
-              <a:rPr lang="en-US" altLang="ko-KR" dirty="0" err="1" smtClean="0"/>
+              <a:rPr lang="en-US" altLang="ko-KR" dirty="0" err="1"/>
               <a:t>Arr</a:t>
             </a:r>
             <a:r>
-              <a:rPr lang="en-US" altLang="ko-KR" dirty="0" smtClean="0"/>
+              <a:rPr lang="en-US" altLang="ko-KR" dirty="0"/>
               <a:t>[0]</a:t>
             </a:r>
             <a:endParaRPr lang="ko-KR" altLang="en-US" dirty="0"/>
@@ -12014,11 +11906,11 @@
           <a:p>
             <a:pPr algn="ctr"/>
             <a:r>
-              <a:rPr lang="en-US" altLang="ko-KR" dirty="0" err="1" smtClean="0"/>
+              <a:rPr lang="en-US" altLang="ko-KR" dirty="0" err="1"/>
               <a:t>Arr</a:t>
             </a:r>
             <a:r>
-              <a:rPr lang="en-US" altLang="ko-KR" dirty="0" smtClean="0"/>
+              <a:rPr lang="en-US" altLang="ko-KR" dirty="0"/>
               <a:t>[1]</a:t>
             </a:r>
             <a:endParaRPr lang="ko-KR" altLang="en-US" dirty="0"/>
@@ -12062,11 +11954,11 @@
           <a:p>
             <a:pPr algn="ctr"/>
             <a:r>
-              <a:rPr lang="en-US" altLang="ko-KR" dirty="0" err="1" smtClean="0"/>
+              <a:rPr lang="en-US" altLang="ko-KR" dirty="0" err="1"/>
               <a:t>Arr</a:t>
             </a:r>
             <a:r>
-              <a:rPr lang="en-US" altLang="ko-KR" dirty="0" smtClean="0"/>
+              <a:rPr lang="en-US" altLang="ko-KR" dirty="0"/>
               <a:t>[2]</a:t>
             </a:r>
             <a:endParaRPr lang="ko-KR" altLang="en-US" dirty="0"/>
@@ -12176,11 +12068,11 @@
           <a:p>
             <a:pPr algn="ctr"/>
             <a:r>
-              <a:rPr lang="en-US" altLang="ko-KR" dirty="0" err="1" smtClean="0"/>
+              <a:rPr lang="en-US" altLang="ko-KR" dirty="0" err="1"/>
               <a:t>Arr</a:t>
             </a:r>
             <a:r>
-              <a:rPr lang="en-US" altLang="ko-KR" dirty="0" smtClean="0"/>
+              <a:rPr lang="en-US" altLang="ko-KR" dirty="0"/>
               <a:t>[3]</a:t>
             </a:r>
             <a:endParaRPr lang="ko-KR" altLang="en-US" dirty="0"/>
@@ -12224,11 +12116,11 @@
           <a:p>
             <a:pPr algn="ctr"/>
             <a:r>
-              <a:rPr lang="en-US" altLang="ko-KR" dirty="0" err="1" smtClean="0"/>
+              <a:rPr lang="en-US" altLang="ko-KR" dirty="0" err="1"/>
               <a:t>Arr</a:t>
             </a:r>
             <a:r>
-              <a:rPr lang="en-US" altLang="ko-KR" dirty="0" smtClean="0"/>
+              <a:rPr lang="en-US" altLang="ko-KR" dirty="0"/>
               <a:t>[4]</a:t>
             </a:r>
             <a:endParaRPr lang="ko-KR" altLang="en-US" dirty="0"/>
@@ -12338,11 +12230,11 @@
           <a:p>
             <a:pPr algn="ctr"/>
             <a:r>
-              <a:rPr lang="en-US" altLang="ko-KR" dirty="0" err="1" smtClean="0"/>
+              <a:rPr lang="en-US" altLang="ko-KR" dirty="0" err="1"/>
               <a:t>Arr</a:t>
             </a:r>
             <a:r>
-              <a:rPr lang="en-US" altLang="ko-KR" dirty="0" smtClean="0"/>
+              <a:rPr lang="en-US" altLang="ko-KR" dirty="0"/>
               <a:t>[5]</a:t>
             </a:r>
             <a:endParaRPr lang="ko-KR" altLang="en-US" dirty="0"/>
@@ -12386,11 +12278,11 @@
           <a:p>
             <a:pPr algn="ctr"/>
             <a:r>
-              <a:rPr lang="en-US" altLang="ko-KR" dirty="0" err="1" smtClean="0"/>
+              <a:rPr lang="en-US" altLang="ko-KR" dirty="0" err="1"/>
               <a:t>Arr</a:t>
             </a:r>
             <a:r>
-              <a:rPr lang="en-US" altLang="ko-KR" dirty="0" smtClean="0"/>
+              <a:rPr lang="en-US" altLang="ko-KR" dirty="0"/>
               <a:t>[6]</a:t>
             </a:r>
             <a:endParaRPr lang="ko-KR" altLang="en-US" dirty="0"/>
@@ -12486,14 +12378,14 @@
           <a:lstStyle/>
           <a:p>
             <a:r>
-              <a:rPr lang="ko-KR" altLang="en-US" dirty="0" smtClean="0">
+              <a:rPr lang="ko-KR" altLang="en-US" dirty="0">
                 <a:latin typeface="에스코어 드림 5 Medium" panose="020B0503030302020204" pitchFamily="34" charset="-127"/>
                 <a:ea typeface="에스코어 드림 5 Medium" panose="020B0503030302020204" pitchFamily="34" charset="-127"/>
               </a:rPr>
               <a:t>우선순위 큐는 트리 구조를 지녔습니다</a:t>
             </a:r>
             <a:r>
-              <a:rPr lang="en-US" altLang="ko-KR" dirty="0" smtClean="0">
+              <a:rPr lang="en-US" altLang="ko-KR" dirty="0">
                 <a:latin typeface="에스코어 드림 5 Medium" panose="020B0503030302020204" pitchFamily="34" charset="-127"/>
                 <a:ea typeface="에스코어 드림 5 Medium" panose="020B0503030302020204" pitchFamily="34" charset="-127"/>
               </a:rPr>
@@ -12508,34 +12400,12 @@
           </a:p>
           <a:p>
             <a:r>
-              <a:rPr lang="ko-KR" altLang="en-US" dirty="0" smtClean="0">
+              <a:rPr lang="ko-KR" altLang="en-US" dirty="0">
                 <a:latin typeface="에스코어 드림 5 Medium" panose="020B0503030302020204" pitchFamily="34" charset="-127"/>
                 <a:ea typeface="에스코어 드림 5 Medium" panose="020B0503030302020204" pitchFamily="34" charset="-127"/>
               </a:rPr>
               <a:t>저렇게 분배가 잘되어있는 트리는</a:t>
             </a:r>
-            <a:endParaRPr lang="en-US" altLang="ko-KR" dirty="0" smtClean="0">
-              <a:latin typeface="에스코어 드림 5 Medium" panose="020B0503030302020204" pitchFamily="34" charset="-127"/>
-              <a:ea typeface="에스코어 드림 5 Medium" panose="020B0503030302020204" pitchFamily="34" charset="-127"/>
-            </a:endParaRPr>
-          </a:p>
-          <a:p>
-            <a:r>
-              <a:rPr lang="ko-KR" altLang="en-US" dirty="0" smtClean="0">
-                <a:latin typeface="에스코어 드림 5 Medium" panose="020B0503030302020204" pitchFamily="34" charset="-127"/>
-                <a:ea typeface="에스코어 드림 5 Medium" panose="020B0503030302020204" pitchFamily="34" charset="-127"/>
-              </a:rPr>
-              <a:t>배열로 표현할 수 있음</a:t>
-            </a:r>
-            <a:r>
-              <a:rPr lang="en-US" altLang="ko-KR" dirty="0" smtClean="0">
-                <a:latin typeface="에스코어 드림 5 Medium" panose="020B0503030302020204" pitchFamily="34" charset="-127"/>
-                <a:ea typeface="에스코어 드림 5 Medium" panose="020B0503030302020204" pitchFamily="34" charset="-127"/>
-              </a:rPr>
-              <a:t>.</a:t>
-            </a:r>
-          </a:p>
-          <a:p>
             <a:endParaRPr lang="en-US" altLang="ko-KR" dirty="0">
               <a:latin typeface="에스코어 드림 5 Medium" panose="020B0503030302020204" pitchFamily="34" charset="-127"/>
               <a:ea typeface="에스코어 드림 5 Medium" panose="020B0503030302020204" pitchFamily="34" charset="-127"/>
@@ -12543,42 +12413,14 @@
           </a:p>
           <a:p>
             <a:r>
-              <a:rPr lang="en-US" altLang="ko-KR" dirty="0" smtClean="0">
-                <a:latin typeface="에스코어 드림 5 Medium" panose="020B0503030302020204" pitchFamily="34" charset="-127"/>
-                <a:ea typeface="에스코어 드림 5 Medium" panose="020B0503030302020204" pitchFamily="34" charset="-127"/>
-              </a:rPr>
-              <a:t> ex. </a:t>
-            </a:r>
-            <a:r>
-              <a:rPr lang="ko-KR" altLang="en-US" dirty="0" smtClean="0">
-                <a:latin typeface="에스코어 드림 5 Medium" panose="020B0503030302020204" pitchFamily="34" charset="-127"/>
-                <a:ea typeface="에스코어 드림 5 Medium" panose="020B0503030302020204" pitchFamily="34" charset="-127"/>
-              </a:rPr>
-              <a:t>옆에 트리는 길이가 </a:t>
-            </a:r>
-            <a:r>
-              <a:rPr lang="en-US" altLang="ko-KR" dirty="0" smtClean="0">
-                <a:latin typeface="에스코어 드림 5 Medium" panose="020B0503030302020204" pitchFamily="34" charset="-127"/>
-                <a:ea typeface="에스코어 드림 5 Medium" panose="020B0503030302020204" pitchFamily="34" charset="-127"/>
-              </a:rPr>
-              <a:t>7</a:t>
-            </a:r>
-            <a:r>
-              <a:rPr lang="ko-KR" altLang="en-US" dirty="0" err="1" smtClean="0">
-                <a:latin typeface="에스코어 드림 5 Medium" panose="020B0503030302020204" pitchFamily="34" charset="-127"/>
-                <a:ea typeface="에스코어 드림 5 Medium" panose="020B0503030302020204" pitchFamily="34" charset="-127"/>
-              </a:rPr>
-              <a:t>짜리</a:t>
-            </a:r>
-            <a:r>
-              <a:rPr lang="ko-KR" altLang="en-US" dirty="0" smtClean="0">
-                <a:latin typeface="에스코어 드림 5 Medium" panose="020B0503030302020204" pitchFamily="34" charset="-127"/>
-                <a:ea typeface="에스코어 드림 5 Medium" panose="020B0503030302020204" pitchFamily="34" charset="-127"/>
-              </a:rPr>
-              <a:t> 배열</a:t>
-            </a:r>
-            <a:r>
-              <a:rPr lang="en-US" altLang="ko-KR" dirty="0" smtClean="0">
+              <a:rPr lang="ko-KR" altLang="en-US" dirty="0">
+                <a:latin typeface="에스코어 드림 5 Medium" panose="020B0503030302020204" pitchFamily="34" charset="-127"/>
+                <a:ea typeface="에스코어 드림 5 Medium" panose="020B0503030302020204" pitchFamily="34" charset="-127"/>
+              </a:rPr>
+              <a:t>배열로 표현할 수 있음</a:t>
+            </a:r>
+            <a:r>
+              <a:rPr lang="en-US" altLang="ko-KR" dirty="0">
                 <a:latin typeface="에스코어 드림 5 Medium" panose="020B0503030302020204" pitchFamily="34" charset="-127"/>
                 <a:ea typeface="에스코어 드림 5 Medium" panose="020B0503030302020204" pitchFamily="34" charset="-127"/>
               </a:rPr>
@@ -12593,92 +12435,135 @@
           </a:p>
           <a:p>
             <a:r>
-              <a:rPr lang="ko-KR" altLang="en-US" dirty="0" smtClean="0">
-                <a:latin typeface="에스코어 드림 5 Medium" panose="020B0503030302020204" pitchFamily="34" charset="-127"/>
-                <a:ea typeface="에스코어 드림 5 Medium" panose="020B0503030302020204" pitchFamily="34" charset="-127"/>
-              </a:rPr>
-              <a:t>왜 배열로 선언을 하나</a:t>
-            </a:r>
-            <a:r>
-              <a:rPr lang="en-US" altLang="ko-KR" dirty="0" smtClean="0">
-                <a:latin typeface="에스코어 드림 5 Medium" panose="020B0503030302020204" pitchFamily="34" charset="-127"/>
-                <a:ea typeface="에스코어 드림 5 Medium" panose="020B0503030302020204" pitchFamily="34" charset="-127"/>
-              </a:rPr>
-              <a:t>??</a:t>
-            </a:r>
-          </a:p>
-          <a:p>
-            <a:r>
-              <a:rPr lang="en-US" altLang="ko-KR" dirty="0">
-                <a:latin typeface="에스코어 드림 5 Medium" panose="020B0503030302020204" pitchFamily="34" charset="-127"/>
-                <a:ea typeface="에스코어 드림 5 Medium" panose="020B0503030302020204" pitchFamily="34" charset="-127"/>
-              </a:rPr>
-              <a:t> </a:t>
-            </a:r>
-            <a:r>
-              <a:rPr lang="en-US" altLang="ko-KR" dirty="0" smtClean="0">
-                <a:latin typeface="에스코어 드림 5 Medium" panose="020B0503030302020204" pitchFamily="34" charset="-127"/>
-                <a:ea typeface="에스코어 드림 5 Medium" panose="020B0503030302020204" pitchFamily="34" charset="-127"/>
-              </a:rPr>
-              <a:t>-&gt; </a:t>
-            </a:r>
-            <a:r>
-              <a:rPr lang="ko-KR" altLang="en-US" dirty="0" err="1" smtClean="0">
-                <a:latin typeface="에스코어 드림 5 Medium" panose="020B0503030302020204" pitchFamily="34" charset="-127"/>
-                <a:ea typeface="에스코어 드림 5 Medium" panose="020B0503030302020204" pitchFamily="34" charset="-127"/>
-              </a:rPr>
-              <a:t>시간복잡도</a:t>
-            </a:r>
-            <a:r>
-              <a:rPr lang="ko-KR" altLang="en-US" dirty="0" smtClean="0">
-                <a:latin typeface="에스코어 드림 5 Medium" panose="020B0503030302020204" pitchFamily="34" charset="-127"/>
-                <a:ea typeface="에스코어 드림 5 Medium" panose="020B0503030302020204" pitchFamily="34" charset="-127"/>
-              </a:rPr>
-              <a:t> 측면에서 유리</a:t>
-            </a:r>
-            <a:endParaRPr lang="en-US" altLang="ko-KR" dirty="0" smtClean="0">
+              <a:rPr lang="en-US" altLang="ko-KR" dirty="0">
+                <a:latin typeface="에스코어 드림 5 Medium" panose="020B0503030302020204" pitchFamily="34" charset="-127"/>
+                <a:ea typeface="에스코어 드림 5 Medium" panose="020B0503030302020204" pitchFamily="34" charset="-127"/>
+              </a:rPr>
+              <a:t> ex. </a:t>
+            </a:r>
+            <a:r>
+              <a:rPr lang="ko-KR" altLang="en-US" dirty="0">
+                <a:latin typeface="에스코어 드림 5 Medium" panose="020B0503030302020204" pitchFamily="34" charset="-127"/>
+                <a:ea typeface="에스코어 드림 5 Medium" panose="020B0503030302020204" pitchFamily="34" charset="-127"/>
+              </a:rPr>
+              <a:t>옆에 트리는 길이가 </a:t>
+            </a:r>
+            <a:r>
+              <a:rPr lang="en-US" altLang="ko-KR" dirty="0">
+                <a:latin typeface="에스코어 드림 5 Medium" panose="020B0503030302020204" pitchFamily="34" charset="-127"/>
+                <a:ea typeface="에스코어 드림 5 Medium" panose="020B0503030302020204" pitchFamily="34" charset="-127"/>
+              </a:rPr>
+              <a:t>7</a:t>
+            </a:r>
+            <a:r>
+              <a:rPr lang="ko-KR" altLang="en-US" dirty="0" err="1">
+                <a:latin typeface="에스코어 드림 5 Medium" panose="020B0503030302020204" pitchFamily="34" charset="-127"/>
+                <a:ea typeface="에스코어 드림 5 Medium" panose="020B0503030302020204" pitchFamily="34" charset="-127"/>
+              </a:rPr>
+              <a:t>짜리</a:t>
+            </a:r>
+            <a:r>
+              <a:rPr lang="ko-KR" altLang="en-US" dirty="0">
+                <a:latin typeface="에스코어 드림 5 Medium" panose="020B0503030302020204" pitchFamily="34" charset="-127"/>
+                <a:ea typeface="에스코어 드림 5 Medium" panose="020B0503030302020204" pitchFamily="34" charset="-127"/>
+              </a:rPr>
+              <a:t> 배열</a:t>
+            </a:r>
+            <a:r>
+              <a:rPr lang="en-US" altLang="ko-KR" dirty="0">
+                <a:latin typeface="에스코어 드림 5 Medium" panose="020B0503030302020204" pitchFamily="34" charset="-127"/>
+                <a:ea typeface="에스코어 드림 5 Medium" panose="020B0503030302020204" pitchFamily="34" charset="-127"/>
+              </a:rPr>
+              <a:t>.</a:t>
+            </a:r>
+          </a:p>
+          <a:p>
+            <a:endParaRPr lang="en-US" altLang="ko-KR" dirty="0">
               <a:latin typeface="에스코어 드림 5 Medium" panose="020B0503030302020204" pitchFamily="34" charset="-127"/>
               <a:ea typeface="에스코어 드림 5 Medium" panose="020B0503030302020204" pitchFamily="34" charset="-127"/>
             </a:endParaRPr>
           </a:p>
           <a:p>
             <a:r>
-              <a:rPr lang="en-US" altLang="ko-KR" dirty="0" smtClean="0">
+              <a:rPr lang="ko-KR" altLang="en-US" dirty="0">
+                <a:latin typeface="에스코어 드림 5 Medium" panose="020B0503030302020204" pitchFamily="34" charset="-127"/>
+                <a:ea typeface="에스코어 드림 5 Medium" panose="020B0503030302020204" pitchFamily="34" charset="-127"/>
+              </a:rPr>
+              <a:t>왜 배열로 선언을 하나</a:t>
+            </a:r>
+            <a:r>
+              <a:rPr lang="en-US" altLang="ko-KR" dirty="0">
+                <a:latin typeface="에스코어 드림 5 Medium" panose="020B0503030302020204" pitchFamily="34" charset="-127"/>
+                <a:ea typeface="에스코어 드림 5 Medium" panose="020B0503030302020204" pitchFamily="34" charset="-127"/>
+              </a:rPr>
+              <a:t>??</a:t>
+            </a:r>
+          </a:p>
+          <a:p>
+            <a:r>
+              <a:rPr lang="en-US" altLang="ko-KR" dirty="0">
+                <a:latin typeface="에스코어 드림 5 Medium" panose="020B0503030302020204" pitchFamily="34" charset="-127"/>
+                <a:ea typeface="에스코어 드림 5 Medium" panose="020B0503030302020204" pitchFamily="34" charset="-127"/>
+              </a:rPr>
+              <a:t> -&gt; </a:t>
+            </a:r>
+            <a:r>
+              <a:rPr lang="ko-KR" altLang="en-US" dirty="0" err="1">
+                <a:latin typeface="에스코어 드림 5 Medium" panose="020B0503030302020204" pitchFamily="34" charset="-127"/>
+                <a:ea typeface="에스코어 드림 5 Medium" panose="020B0503030302020204" pitchFamily="34" charset="-127"/>
+              </a:rPr>
+              <a:t>시간복잡도</a:t>
+            </a:r>
+            <a:r>
+              <a:rPr lang="ko-KR" altLang="en-US" dirty="0">
+                <a:latin typeface="에스코어 드림 5 Medium" panose="020B0503030302020204" pitchFamily="34" charset="-127"/>
+                <a:ea typeface="에스코어 드림 5 Medium" panose="020B0503030302020204" pitchFamily="34" charset="-127"/>
+              </a:rPr>
+              <a:t> 측면에서 유리</a:t>
+            </a:r>
+            <a:endParaRPr lang="en-US" altLang="ko-KR" dirty="0">
+              <a:latin typeface="에스코어 드림 5 Medium" panose="020B0503030302020204" pitchFamily="34" charset="-127"/>
+              <a:ea typeface="에스코어 드림 5 Medium" panose="020B0503030302020204" pitchFamily="34" charset="-127"/>
+            </a:endParaRPr>
+          </a:p>
+          <a:p>
+            <a:r>
+              <a:rPr lang="en-US" altLang="ko-KR" dirty="0">
                 <a:latin typeface="에스코어 드림 5 Medium" panose="020B0503030302020204" pitchFamily="34" charset="-127"/>
                 <a:ea typeface="에스코어 드림 5 Medium" panose="020B0503030302020204" pitchFamily="34" charset="-127"/>
               </a:rPr>
               <a:t> </a:t>
             </a:r>
             <a:r>
-              <a:rPr lang="ko-KR" altLang="en-US" dirty="0" err="1" smtClean="0">
+              <a:rPr lang="ko-KR" altLang="en-US" dirty="0" err="1">
                 <a:latin typeface="에스코어 드림 5 Medium" panose="020B0503030302020204" pitchFamily="34" charset="-127"/>
                 <a:ea typeface="에스코어 드림 5 Medium" panose="020B0503030302020204" pitchFamily="34" charset="-127"/>
               </a:rPr>
               <a:t>배열구조</a:t>
             </a:r>
             <a:r>
-              <a:rPr lang="ko-KR" altLang="en-US" dirty="0" smtClean="0">
+              <a:rPr lang="ko-KR" altLang="en-US" dirty="0">
                 <a:latin typeface="에스코어 드림 5 Medium" panose="020B0503030302020204" pitchFamily="34" charset="-127"/>
                 <a:ea typeface="에스코어 드림 5 Medium" panose="020B0503030302020204" pitchFamily="34" charset="-127"/>
               </a:rPr>
               <a:t> </a:t>
             </a:r>
             <a:r>
-              <a:rPr lang="en-US" altLang="ko-KR" dirty="0" smtClean="0">
+              <a:rPr lang="en-US" altLang="ko-KR" dirty="0">
                 <a:latin typeface="에스코어 드림 5 Medium" panose="020B0503030302020204" pitchFamily="34" charset="-127"/>
                 <a:ea typeface="에스코어 드림 5 Medium" panose="020B0503030302020204" pitchFamily="34" charset="-127"/>
               </a:rPr>
               <a:t>: O(1) (</a:t>
             </a:r>
             <a:r>
-              <a:rPr lang="ko-KR" altLang="en-US" dirty="0" smtClean="0">
+              <a:rPr lang="ko-KR" altLang="en-US" dirty="0">
                 <a:latin typeface="에스코어 드림 5 Medium" panose="020B0503030302020204" pitchFamily="34" charset="-127"/>
                 <a:ea typeface="에스코어 드림 5 Medium" panose="020B0503030302020204" pitchFamily="34" charset="-127"/>
               </a:rPr>
               <a:t>인덱스로 접근</a:t>
             </a:r>
             <a:r>
-              <a:rPr lang="en-US" altLang="ko-KR" dirty="0" smtClean="0">
+              <a:rPr lang="en-US" altLang="ko-KR" dirty="0">
                 <a:latin typeface="에스코어 드림 5 Medium" panose="020B0503030302020204" pitchFamily="34" charset="-127"/>
                 <a:ea typeface="에스코어 드림 5 Medium" panose="020B0503030302020204" pitchFamily="34" charset="-127"/>
               </a:rPr>
@@ -12687,42 +12572,42 @@
           </a:p>
           <a:p>
             <a:r>
-              <a:rPr lang="en-US" altLang="ko-KR" dirty="0" smtClean="0">
+              <a:rPr lang="en-US" altLang="ko-KR" dirty="0">
                 <a:latin typeface="에스코어 드림 5 Medium" panose="020B0503030302020204" pitchFamily="34" charset="-127"/>
                 <a:ea typeface="에스코어 드림 5 Medium" panose="020B0503030302020204" pitchFamily="34" charset="-127"/>
               </a:rPr>
               <a:t> </a:t>
             </a:r>
             <a:r>
-              <a:rPr lang="ko-KR" altLang="en-US" dirty="0" err="1" smtClean="0">
+              <a:rPr lang="ko-KR" altLang="en-US" dirty="0" err="1">
                 <a:latin typeface="에스코어 드림 5 Medium" panose="020B0503030302020204" pitchFamily="34" charset="-127"/>
                 <a:ea typeface="에스코어 드림 5 Medium" panose="020B0503030302020204" pitchFamily="34" charset="-127"/>
               </a:rPr>
               <a:t>트리구조</a:t>
             </a:r>
             <a:r>
-              <a:rPr lang="ko-KR" altLang="en-US" dirty="0" smtClean="0">
+              <a:rPr lang="ko-KR" altLang="en-US" dirty="0">
                 <a:latin typeface="에스코어 드림 5 Medium" panose="020B0503030302020204" pitchFamily="34" charset="-127"/>
                 <a:ea typeface="에스코어 드림 5 Medium" panose="020B0503030302020204" pitchFamily="34" charset="-127"/>
               </a:rPr>
               <a:t> </a:t>
             </a:r>
             <a:r>
-              <a:rPr lang="en-US" altLang="ko-KR" dirty="0" smtClean="0">
+              <a:rPr lang="en-US" altLang="ko-KR" dirty="0">
                 <a:latin typeface="에스코어 드림 5 Medium" panose="020B0503030302020204" pitchFamily="34" charset="-127"/>
                 <a:ea typeface="에스코어 드림 5 Medium" panose="020B0503030302020204" pitchFamily="34" charset="-127"/>
               </a:rPr>
               <a:t>: O(</a:t>
             </a:r>
             <a:r>
-              <a:rPr lang="en-US" altLang="ko-KR" dirty="0" err="1" smtClean="0">
+              <a:rPr lang="en-US" altLang="ko-KR" dirty="0" err="1">
                 <a:latin typeface="에스코어 드림 5 Medium" panose="020B0503030302020204" pitchFamily="34" charset="-127"/>
                 <a:ea typeface="에스코어 드림 5 Medium" panose="020B0503030302020204" pitchFamily="34" charset="-127"/>
               </a:rPr>
               <a:t>logN</a:t>
             </a:r>
             <a:r>
-              <a:rPr lang="en-US" altLang="ko-KR" dirty="0" smtClean="0">
+              <a:rPr lang="en-US" altLang="ko-KR" dirty="0">
                 <a:latin typeface="에스코어 드림 5 Medium" panose="020B0503030302020204" pitchFamily="34" charset="-127"/>
                 <a:ea typeface="에스코어 드림 5 Medium" panose="020B0503030302020204" pitchFamily="34" charset="-127"/>
               </a:rPr>
@@ -12790,20 +12675,20 @@
           <a:lstStyle/>
           <a:p>
             <a:r>
-              <a:rPr lang="ko-KR" altLang="en-US" dirty="0" smtClean="0">
+              <a:rPr lang="ko-KR" altLang="en-US" dirty="0">
                 <a:latin typeface="에스코어 드림 5 Medium" panose="020B0503030302020204" pitchFamily="34" charset="-127"/>
                 <a:ea typeface="에스코어 드림 5 Medium" panose="020B0503030302020204" pitchFamily="34" charset="-127"/>
               </a:rPr>
               <a:t>우선순위 큐</a:t>
             </a:r>
-            <a:endParaRPr lang="en-US" altLang="ko-KR" dirty="0" smtClean="0">
+            <a:endParaRPr lang="en-US" altLang="ko-KR" dirty="0">
               <a:latin typeface="에스코어 드림 5 Medium" panose="020B0503030302020204" pitchFamily="34" charset="-127"/>
               <a:ea typeface="에스코어 드림 5 Medium" panose="020B0503030302020204" pitchFamily="34" charset="-127"/>
             </a:endParaRPr>
           </a:p>
           <a:p>
             <a:r>
-              <a:rPr lang="en-US" altLang="ko-KR" dirty="0" smtClean="0">
+              <a:rPr lang="en-US" altLang="ko-KR" dirty="0">
                 <a:latin typeface="에스코어 드림 5 Medium" panose="020B0503030302020204" pitchFamily="34" charset="-127"/>
                 <a:ea typeface="에스코어 드림 5 Medium" panose="020B0503030302020204" pitchFamily="34" charset="-127"/>
               </a:rPr>
@@ -12853,18 +12738,18 @@
           <a:p>
             <a:pPr algn="ctr"/>
             <a:r>
-              <a:rPr lang="en-US" altLang="ko-KR" dirty="0" err="1" smtClean="0"/>
+              <a:rPr lang="en-US" altLang="ko-KR" dirty="0" err="1"/>
               <a:t>Arr</a:t>
             </a:r>
             <a:r>
-              <a:rPr lang="en-US" altLang="ko-KR" dirty="0" smtClean="0"/>
+              <a:rPr lang="en-US" altLang="ko-KR" dirty="0"/>
               <a:t>[0]</a:t>
             </a:r>
           </a:p>
           <a:p>
             <a:pPr algn="ctr"/>
             <a:r>
-              <a:rPr lang="en-US" altLang="ko-KR" dirty="0" smtClean="0"/>
+              <a:rPr lang="en-US" altLang="ko-KR" dirty="0"/>
               <a:t>10</a:t>
             </a:r>
             <a:endParaRPr lang="ko-KR" altLang="en-US" dirty="0"/>
@@ -12908,11 +12793,11 @@
           <a:p>
             <a:pPr algn="ctr"/>
             <a:r>
-              <a:rPr lang="en-US" altLang="ko-KR" dirty="0" err="1" smtClean="0"/>
+              <a:rPr lang="en-US" altLang="ko-KR" dirty="0" err="1"/>
               <a:t>Arr</a:t>
             </a:r>
             <a:r>
-              <a:rPr lang="en-US" altLang="ko-KR" dirty="0" smtClean="0"/>
+              <a:rPr lang="en-US" altLang="ko-KR" dirty="0"/>
               <a:t>[1]</a:t>
             </a:r>
             <a:endParaRPr lang="ko-KR" altLang="en-US" dirty="0"/>
@@ -12956,11 +12841,11 @@
           <a:p>
             <a:pPr algn="ctr"/>
             <a:r>
-              <a:rPr lang="en-US" altLang="ko-KR" dirty="0" err="1" smtClean="0"/>
+              <a:rPr lang="en-US" altLang="ko-KR" dirty="0" err="1"/>
               <a:t>Arr</a:t>
             </a:r>
             <a:r>
-              <a:rPr lang="en-US" altLang="ko-KR" dirty="0" smtClean="0"/>
+              <a:rPr lang="en-US" altLang="ko-KR" dirty="0"/>
               <a:t>[2]</a:t>
             </a:r>
             <a:endParaRPr lang="ko-KR" altLang="en-US" dirty="0"/>
@@ -13070,11 +12955,11 @@
           <a:p>
             <a:pPr algn="ctr"/>
             <a:r>
-              <a:rPr lang="en-US" altLang="ko-KR" dirty="0" err="1" smtClean="0"/>
+              <a:rPr lang="en-US" altLang="ko-KR" dirty="0" err="1"/>
               <a:t>Arr</a:t>
             </a:r>
             <a:r>
-              <a:rPr lang="en-US" altLang="ko-KR" dirty="0" smtClean="0"/>
+              <a:rPr lang="en-US" altLang="ko-KR" dirty="0"/>
               <a:t>[3]</a:t>
             </a:r>
             <a:endParaRPr lang="ko-KR" altLang="en-US" dirty="0"/>
@@ -13137,28 +13022,28 @@
           <a:lstStyle/>
           <a:p>
             <a:r>
-              <a:rPr lang="ko-KR" altLang="en-US" dirty="0" smtClean="0">
+              <a:rPr lang="ko-KR" altLang="en-US" dirty="0">
                 <a:latin typeface="에스코어 드림 5 Medium" panose="020B0503030302020204" pitchFamily="34" charset="-127"/>
                 <a:ea typeface="에스코어 드림 5 Medium" panose="020B0503030302020204" pitchFamily="34" charset="-127"/>
               </a:rPr>
               <a:t>법칙 </a:t>
             </a:r>
             <a:r>
-              <a:rPr lang="en-US" altLang="ko-KR" dirty="0" smtClean="0">
+              <a:rPr lang="en-US" altLang="ko-KR" dirty="0">
                 <a:latin typeface="에스코어 드림 5 Medium" panose="020B0503030302020204" pitchFamily="34" charset="-127"/>
                 <a:ea typeface="에스코어 드림 5 Medium" panose="020B0503030302020204" pitchFamily="34" charset="-127"/>
               </a:rPr>
               <a:t>1. </a:t>
             </a:r>
             <a:r>
-              <a:rPr lang="ko-KR" altLang="en-US" dirty="0" smtClean="0">
+              <a:rPr lang="ko-KR" altLang="en-US" dirty="0">
                 <a:latin typeface="에스코어 드림 5 Medium" panose="020B0503030302020204" pitchFamily="34" charset="-127"/>
                 <a:ea typeface="에스코어 드림 5 Medium" panose="020B0503030302020204" pitchFamily="34" charset="-127"/>
               </a:rPr>
               <a:t>무조건 높이가 균일 해야 합니다</a:t>
             </a:r>
             <a:r>
-              <a:rPr lang="en-US" altLang="ko-KR" dirty="0" smtClean="0">
+              <a:rPr lang="en-US" altLang="ko-KR" dirty="0">
                 <a:latin typeface="에스코어 드림 5 Medium" panose="020B0503030302020204" pitchFamily="34" charset="-127"/>
                 <a:ea typeface="에스코어 드림 5 Medium" panose="020B0503030302020204" pitchFamily="34" charset="-127"/>
               </a:rPr>
@@ -13167,28 +13052,28 @@
           </a:p>
           <a:p>
             <a:r>
-              <a:rPr lang="ko-KR" altLang="en-US" dirty="0" smtClean="0">
+              <a:rPr lang="ko-KR" altLang="en-US" dirty="0">
                 <a:latin typeface="에스코어 드림 5 Medium" panose="020B0503030302020204" pitchFamily="34" charset="-127"/>
                 <a:ea typeface="에스코어 드림 5 Medium" panose="020B0503030302020204" pitchFamily="34" charset="-127"/>
               </a:rPr>
               <a:t>법칙 </a:t>
             </a:r>
             <a:r>
-              <a:rPr lang="en-US" altLang="ko-KR" dirty="0" smtClean="0">
+              <a:rPr lang="en-US" altLang="ko-KR" dirty="0">
                 <a:latin typeface="에스코어 드림 5 Medium" panose="020B0503030302020204" pitchFamily="34" charset="-127"/>
                 <a:ea typeface="에스코어 드림 5 Medium" panose="020B0503030302020204" pitchFamily="34" charset="-127"/>
               </a:rPr>
               <a:t>2. </a:t>
             </a:r>
             <a:r>
-              <a:rPr lang="ko-KR" altLang="en-US" dirty="0" smtClean="0">
+              <a:rPr lang="ko-KR" altLang="en-US" dirty="0">
                 <a:latin typeface="에스코어 드림 5 Medium" panose="020B0503030302020204" pitchFamily="34" charset="-127"/>
                 <a:ea typeface="에스코어 드림 5 Medium" panose="020B0503030302020204" pitchFamily="34" charset="-127"/>
               </a:rPr>
               <a:t>왼쪽노드부터 하나씩 채운다</a:t>
             </a:r>
             <a:r>
-              <a:rPr lang="en-US" altLang="ko-KR" dirty="0" smtClean="0">
+              <a:rPr lang="en-US" altLang="ko-KR" dirty="0">
                 <a:latin typeface="에스코어 드림 5 Medium" panose="020B0503030302020204" pitchFamily="34" charset="-127"/>
                 <a:ea typeface="에스코어 드림 5 Medium" panose="020B0503030302020204" pitchFamily="34" charset="-127"/>
               </a:rPr>
@@ -13197,28 +13082,28 @@
           </a:p>
           <a:p>
             <a:r>
-              <a:rPr lang="ko-KR" altLang="en-US" dirty="0" smtClean="0">
+              <a:rPr lang="ko-KR" altLang="en-US" dirty="0">
                 <a:latin typeface="에스코어 드림 5 Medium" panose="020B0503030302020204" pitchFamily="34" charset="-127"/>
                 <a:ea typeface="에스코어 드림 5 Medium" panose="020B0503030302020204" pitchFamily="34" charset="-127"/>
               </a:rPr>
               <a:t>법칙 </a:t>
             </a:r>
             <a:r>
-              <a:rPr lang="en-US" altLang="ko-KR" dirty="0" smtClean="0">
+              <a:rPr lang="en-US" altLang="ko-KR" dirty="0">
                 <a:latin typeface="에스코어 드림 5 Medium" panose="020B0503030302020204" pitchFamily="34" charset="-127"/>
                 <a:ea typeface="에스코어 드림 5 Medium" panose="020B0503030302020204" pitchFamily="34" charset="-127"/>
               </a:rPr>
               <a:t>3. </a:t>
             </a:r>
             <a:r>
-              <a:rPr lang="ko-KR" altLang="en-US" dirty="0" smtClean="0">
+              <a:rPr lang="ko-KR" altLang="en-US" dirty="0">
                 <a:latin typeface="에스코어 드림 5 Medium" panose="020B0503030302020204" pitchFamily="34" charset="-127"/>
                 <a:ea typeface="에스코어 드림 5 Medium" panose="020B0503030302020204" pitchFamily="34" charset="-127"/>
               </a:rPr>
               <a:t>부모 노드는 자식 노드보다 무조건 커야 한다</a:t>
             </a:r>
             <a:r>
-              <a:rPr lang="en-US" altLang="ko-KR" dirty="0" smtClean="0">
+              <a:rPr lang="en-US" altLang="ko-KR" dirty="0">
                 <a:latin typeface="에스코어 드림 5 Medium" panose="020B0503030302020204" pitchFamily="34" charset="-127"/>
                 <a:ea typeface="에스코어 드림 5 Medium" panose="020B0503030302020204" pitchFamily="34" charset="-127"/>
               </a:rPr>
@@ -13297,11 +13182,11 @@
           <a:p>
             <a:pPr algn="ctr"/>
             <a:r>
-              <a:rPr lang="en-US" altLang="ko-KR" dirty="0" err="1" smtClean="0"/>
+              <a:rPr lang="en-US" altLang="ko-KR" dirty="0" err="1"/>
               <a:t>Arr</a:t>
             </a:r>
             <a:r>
-              <a:rPr lang="en-US" altLang="ko-KR" dirty="0" smtClean="0"/>
+              <a:rPr lang="en-US" altLang="ko-KR" dirty="0"/>
               <a:t>[4]</a:t>
             </a:r>
             <a:endParaRPr lang="ko-KR" altLang="en-US" dirty="0"/>
@@ -13317,7 +13202,7 @@
         <p:spPr>
           <a:xfrm>
             <a:off x="7134759" y="2097152"/>
-            <a:ext cx="4798108" cy="2585323"/>
+            <a:ext cx="5003293" cy="2862322"/>
           </a:xfrm>
           <a:prstGeom prst="rect">
             <a:avLst/>
@@ -13331,14 +13216,14 @@
           <a:lstStyle/>
           <a:p>
             <a:r>
-              <a:rPr lang="ko-KR" altLang="en-US" dirty="0" smtClean="0">
+              <a:rPr lang="ko-KR" altLang="en-US" dirty="0">
                 <a:latin typeface="에스코어 드림 5 Medium" panose="020B0503030302020204" pitchFamily="34" charset="-127"/>
                 <a:ea typeface="에스코어 드림 5 Medium" panose="020B0503030302020204" pitchFamily="34" charset="-127"/>
               </a:rPr>
               <a:t>특징 </a:t>
             </a:r>
             <a:r>
-              <a:rPr lang="en-US" altLang="ko-KR" dirty="0" smtClean="0">
+              <a:rPr lang="en-US" altLang="ko-KR" dirty="0">
                 <a:latin typeface="에스코어 드림 5 Medium" panose="020B0503030302020204" pitchFamily="34" charset="-127"/>
                 <a:ea typeface="에스코어 드림 5 Medium" panose="020B0503030302020204" pitchFamily="34" charset="-127"/>
               </a:rPr>
@@ -13347,229 +13232,231 @@
           </a:p>
           <a:p>
             <a:r>
-              <a:rPr lang="en-US" altLang="ko-KR" dirty="0" smtClean="0">
-                <a:latin typeface="에스코어 드림 5 Medium" panose="020B0503030302020204" pitchFamily="34" charset="-127"/>
-                <a:ea typeface="에스코어 드림 5 Medium" panose="020B0503030302020204" pitchFamily="34" charset="-127"/>
-              </a:rPr>
-              <a:t> - </a:t>
-            </a:r>
-            <a:r>
-              <a:rPr lang="en-US" altLang="ko-KR" dirty="0" err="1" smtClean="0">
-                <a:latin typeface="에스코어 드림 5 Medium" panose="020B0503030302020204" pitchFamily="34" charset="-127"/>
-                <a:ea typeface="에스코어 드림 5 Medium" panose="020B0503030302020204" pitchFamily="34" charset="-127"/>
-              </a:rPr>
-              <a:t>i</a:t>
-            </a:r>
-            <a:r>
-              <a:rPr lang="ko-KR" altLang="en-US" dirty="0" smtClean="0">
-                <a:latin typeface="에스코어 드림 5 Medium" panose="020B0503030302020204" pitchFamily="34" charset="-127"/>
-                <a:ea typeface="에스코어 드림 5 Medium" panose="020B0503030302020204" pitchFamily="34" charset="-127"/>
-              </a:rPr>
-              <a:t>번째 노드의 부모 인덱스  </a:t>
-            </a:r>
-            <a:r>
-              <a:rPr lang="en-US" altLang="ko-KR" dirty="0" smtClean="0">
-                <a:latin typeface="에스코어 드림 5 Medium" panose="020B0503030302020204" pitchFamily="34" charset="-127"/>
-                <a:ea typeface="에스코어 드림 5 Medium" panose="020B0503030302020204" pitchFamily="34" charset="-127"/>
-              </a:rPr>
-              <a:t>: (i-1) / 2</a:t>
-            </a:r>
-          </a:p>
-          <a:p>
-            <a:r>
-              <a:rPr lang="en-US" altLang="ko-KR" dirty="0" smtClean="0">
-                <a:latin typeface="에스코어 드림 5 Medium" panose="020B0503030302020204" pitchFamily="34" charset="-127"/>
-                <a:ea typeface="에스코어 드림 5 Medium" panose="020B0503030302020204" pitchFamily="34" charset="-127"/>
-              </a:rPr>
-              <a:t> - I</a:t>
-            </a:r>
-            <a:r>
-              <a:rPr lang="ko-KR" altLang="en-US" dirty="0" smtClean="0">
-                <a:latin typeface="에스코어 드림 5 Medium" panose="020B0503030302020204" pitchFamily="34" charset="-127"/>
-                <a:ea typeface="에스코어 드림 5 Medium" panose="020B0503030302020204" pitchFamily="34" charset="-127"/>
-              </a:rPr>
-              <a:t>번째 노드의 왼쪽 자식 인덱스 </a:t>
-            </a:r>
-            <a:r>
-              <a:rPr lang="en-US" altLang="ko-KR" dirty="0" smtClean="0">
-                <a:latin typeface="에스코어 드림 5 Medium" panose="020B0503030302020204" pitchFamily="34" charset="-127"/>
-                <a:ea typeface="에스코어 드림 5 Medium" panose="020B0503030302020204" pitchFamily="34" charset="-127"/>
-              </a:rPr>
-              <a:t>: (</a:t>
-            </a:r>
-            <a:r>
-              <a:rPr lang="en-US" altLang="ko-KR" dirty="0" err="1" smtClean="0">
-                <a:latin typeface="에스코어 드림 5 Medium" panose="020B0503030302020204" pitchFamily="34" charset="-127"/>
-                <a:ea typeface="에스코어 드림 5 Medium" panose="020B0503030302020204" pitchFamily="34" charset="-127"/>
-              </a:rPr>
-              <a:t>i</a:t>
-            </a:r>
-            <a:r>
-              <a:rPr lang="en-US" altLang="ko-KR" dirty="0" smtClean="0">
-                <a:latin typeface="에스코어 드림 5 Medium" panose="020B0503030302020204" pitchFamily="34" charset="-127"/>
-                <a:ea typeface="에스코어 드림 5 Medium" panose="020B0503030302020204" pitchFamily="34" charset="-127"/>
-              </a:rPr>
-              <a:t>*2)  + 1</a:t>
-            </a:r>
-          </a:p>
-          <a:p>
-            <a:r>
-              <a:rPr lang="en-US" altLang="ko-KR" dirty="0" smtClean="0">
-                <a:latin typeface="에스코어 드림 5 Medium" panose="020B0503030302020204" pitchFamily="34" charset="-127"/>
-                <a:ea typeface="에스코어 드림 5 Medium" panose="020B0503030302020204" pitchFamily="34" charset="-127"/>
-              </a:rPr>
-              <a:t> - I</a:t>
-            </a:r>
-            <a:r>
-              <a:rPr lang="ko-KR" altLang="en-US" dirty="0" smtClean="0">
-                <a:latin typeface="에스코어 드림 5 Medium" panose="020B0503030302020204" pitchFamily="34" charset="-127"/>
-                <a:ea typeface="에스코어 드림 5 Medium" panose="020B0503030302020204" pitchFamily="34" charset="-127"/>
-              </a:rPr>
-              <a:t>번째 노드의 </a:t>
-            </a:r>
-            <a:r>
-              <a:rPr lang="ko-KR" altLang="en-US" dirty="0" smtClean="0">
-                <a:latin typeface="에스코어 드림 5 Medium" panose="020B0503030302020204" pitchFamily="34" charset="-127"/>
-                <a:ea typeface="에스코어 드림 5 Medium" panose="020B0503030302020204" pitchFamily="34" charset="-127"/>
-              </a:rPr>
-              <a:t>오른</a:t>
-            </a:r>
-            <a:r>
-              <a:rPr lang="ko-KR" altLang="en-US" dirty="0" smtClean="0">
-                <a:latin typeface="에스코어 드림 5 Medium" panose="020B0503030302020204" pitchFamily="34" charset="-127"/>
-                <a:ea typeface="에스코어 드림 5 Medium" panose="020B0503030302020204" pitchFamily="34" charset="-127"/>
-              </a:rPr>
-              <a:t>쪽 자식 인덱스 </a:t>
-            </a:r>
-            <a:r>
-              <a:rPr lang="en-US" altLang="ko-KR" dirty="0" smtClean="0">
-                <a:latin typeface="에스코어 드림 5 Medium" panose="020B0503030302020204" pitchFamily="34" charset="-127"/>
-                <a:ea typeface="에스코어 드림 5 Medium" panose="020B0503030302020204" pitchFamily="34" charset="-127"/>
-              </a:rPr>
-              <a:t>: (</a:t>
-            </a:r>
-            <a:r>
-              <a:rPr lang="en-US" altLang="ko-KR" dirty="0" err="1" smtClean="0">
-                <a:latin typeface="에스코어 드림 5 Medium" panose="020B0503030302020204" pitchFamily="34" charset="-127"/>
-                <a:ea typeface="에스코어 드림 5 Medium" panose="020B0503030302020204" pitchFamily="34" charset="-127"/>
-              </a:rPr>
-              <a:t>i</a:t>
-            </a:r>
-            <a:r>
-              <a:rPr lang="en-US" altLang="ko-KR" dirty="0" smtClean="0">
-                <a:latin typeface="에스코어 드림 5 Medium" panose="020B0503030302020204" pitchFamily="34" charset="-127"/>
-                <a:ea typeface="에스코어 드림 5 Medium" panose="020B0503030302020204" pitchFamily="34" charset="-127"/>
-              </a:rPr>
-              <a:t>*2)  + 2</a:t>
-            </a:r>
-          </a:p>
-          <a:p>
+              <a:rPr lang="en-US" altLang="ko-KR" dirty="0">
+                <a:latin typeface="에스코어 드림 5 Medium" panose="020B0503030302020204" pitchFamily="34" charset="-127"/>
+                <a:ea typeface="에스코어 드림 5 Medium" panose="020B0503030302020204" pitchFamily="34" charset="-127"/>
+              </a:rPr>
+              <a:t> </a:t>
+            </a:r>
+            <a:r>
+              <a:rPr lang="ko-KR" altLang="en-US" dirty="0">
+                <a:latin typeface="에스코어 드림 5 Medium" panose="020B0503030302020204" pitchFamily="34" charset="-127"/>
+                <a:ea typeface="에스코어 드림 5 Medium" panose="020B0503030302020204" pitchFamily="34" charset="-127"/>
+              </a:rPr>
+              <a:t>노드 시작이 </a:t>
+            </a:r>
+            <a:r>
+              <a:rPr lang="en-US" altLang="ko-KR" dirty="0">
+                <a:latin typeface="에스코어 드림 5 Medium" panose="020B0503030302020204" pitchFamily="34" charset="-127"/>
+                <a:ea typeface="에스코어 드림 5 Medium" panose="020B0503030302020204" pitchFamily="34" charset="-127"/>
+              </a:rPr>
+              <a:t>0 </a:t>
+            </a:r>
+            <a:r>
+              <a:rPr lang="ko-KR" altLang="en-US" dirty="0">
+                <a:latin typeface="에스코어 드림 5 Medium" panose="020B0503030302020204" pitchFamily="34" charset="-127"/>
+                <a:ea typeface="에스코어 드림 5 Medium" panose="020B0503030302020204" pitchFamily="34" charset="-127"/>
+              </a:rPr>
+              <a:t>이라는 </a:t>
+            </a:r>
+            <a:r>
+              <a:rPr lang="ko-KR" altLang="en-US">
+                <a:latin typeface="에스코어 드림 5 Medium" panose="020B0503030302020204" pitchFamily="34" charset="-127"/>
+                <a:ea typeface="에스코어 드림 5 Medium" panose="020B0503030302020204" pitchFamily="34" charset="-127"/>
+              </a:rPr>
+              <a:t>것에 주의</a:t>
+            </a:r>
             <a:endParaRPr lang="en-US" altLang="ko-KR" dirty="0">
               <a:latin typeface="에스코어 드림 5 Medium" panose="020B0503030302020204" pitchFamily="34" charset="-127"/>
               <a:ea typeface="에스코어 드림 5 Medium" panose="020B0503030302020204" pitchFamily="34" charset="-127"/>
             </a:endParaRPr>
           </a:p>
           <a:p>
-            <a:endParaRPr lang="en-US" altLang="ko-KR" dirty="0" smtClean="0">
+            <a:r>
+              <a:rPr lang="en-US" altLang="ko-KR" dirty="0">
+                <a:latin typeface="에스코어 드림 5 Medium" panose="020B0503030302020204" pitchFamily="34" charset="-127"/>
+                <a:ea typeface="에스코어 드림 5 Medium" panose="020B0503030302020204" pitchFamily="34" charset="-127"/>
+              </a:rPr>
+              <a:t> - </a:t>
+            </a:r>
+            <a:r>
+              <a:rPr lang="en-US" altLang="ko-KR" dirty="0" err="1">
+                <a:latin typeface="에스코어 드림 5 Medium" panose="020B0503030302020204" pitchFamily="34" charset="-127"/>
+                <a:ea typeface="에스코어 드림 5 Medium" panose="020B0503030302020204" pitchFamily="34" charset="-127"/>
+              </a:rPr>
+              <a:t>i</a:t>
+            </a:r>
+            <a:r>
+              <a:rPr lang="ko-KR" altLang="en-US" dirty="0">
+                <a:latin typeface="에스코어 드림 5 Medium" panose="020B0503030302020204" pitchFamily="34" charset="-127"/>
+                <a:ea typeface="에스코어 드림 5 Medium" panose="020B0503030302020204" pitchFamily="34" charset="-127"/>
+              </a:rPr>
+              <a:t>번째 노드의 부모 인덱스  </a:t>
+            </a:r>
+            <a:r>
+              <a:rPr lang="en-US" altLang="ko-KR" dirty="0">
+                <a:latin typeface="에스코어 드림 5 Medium" panose="020B0503030302020204" pitchFamily="34" charset="-127"/>
+                <a:ea typeface="에스코어 드림 5 Medium" panose="020B0503030302020204" pitchFamily="34" charset="-127"/>
+              </a:rPr>
+              <a:t>: (i-1) / 2</a:t>
+            </a:r>
+          </a:p>
+          <a:p>
+            <a:r>
+              <a:rPr lang="en-US" altLang="ko-KR" dirty="0">
+                <a:latin typeface="에스코어 드림 5 Medium" panose="020B0503030302020204" pitchFamily="34" charset="-127"/>
+                <a:ea typeface="에스코어 드림 5 Medium" panose="020B0503030302020204" pitchFamily="34" charset="-127"/>
+              </a:rPr>
+              <a:t> - I</a:t>
+            </a:r>
+            <a:r>
+              <a:rPr lang="ko-KR" altLang="en-US" dirty="0">
+                <a:latin typeface="에스코어 드림 5 Medium" panose="020B0503030302020204" pitchFamily="34" charset="-127"/>
+                <a:ea typeface="에스코어 드림 5 Medium" panose="020B0503030302020204" pitchFamily="34" charset="-127"/>
+              </a:rPr>
+              <a:t>번째 노드의 왼쪽 자식 인덱스 </a:t>
+            </a:r>
+            <a:r>
+              <a:rPr lang="en-US" altLang="ko-KR" dirty="0">
+                <a:latin typeface="에스코어 드림 5 Medium" panose="020B0503030302020204" pitchFamily="34" charset="-127"/>
+                <a:ea typeface="에스코어 드림 5 Medium" panose="020B0503030302020204" pitchFamily="34" charset="-127"/>
+              </a:rPr>
+              <a:t>: (</a:t>
+            </a:r>
+            <a:r>
+              <a:rPr lang="en-US" altLang="ko-KR" dirty="0" err="1">
+                <a:latin typeface="에스코어 드림 5 Medium" panose="020B0503030302020204" pitchFamily="34" charset="-127"/>
+                <a:ea typeface="에스코어 드림 5 Medium" panose="020B0503030302020204" pitchFamily="34" charset="-127"/>
+              </a:rPr>
+              <a:t>i</a:t>
+            </a:r>
+            <a:r>
+              <a:rPr lang="en-US" altLang="ko-KR" dirty="0">
+                <a:latin typeface="에스코어 드림 5 Medium" panose="020B0503030302020204" pitchFamily="34" charset="-127"/>
+                <a:ea typeface="에스코어 드림 5 Medium" panose="020B0503030302020204" pitchFamily="34" charset="-127"/>
+              </a:rPr>
+              <a:t>*2)  + 1</a:t>
+            </a:r>
+          </a:p>
+          <a:p>
+            <a:r>
+              <a:rPr lang="en-US" altLang="ko-KR" dirty="0">
+                <a:latin typeface="에스코어 드림 5 Medium" panose="020B0503030302020204" pitchFamily="34" charset="-127"/>
+                <a:ea typeface="에스코어 드림 5 Medium" panose="020B0503030302020204" pitchFamily="34" charset="-127"/>
+              </a:rPr>
+              <a:t> - I</a:t>
+            </a:r>
+            <a:r>
+              <a:rPr lang="ko-KR" altLang="en-US" dirty="0">
+                <a:latin typeface="에스코어 드림 5 Medium" panose="020B0503030302020204" pitchFamily="34" charset="-127"/>
+                <a:ea typeface="에스코어 드림 5 Medium" panose="020B0503030302020204" pitchFamily="34" charset="-127"/>
+              </a:rPr>
+              <a:t>번째 노드의 오른쪽 자식 인덱스 </a:t>
+            </a:r>
+            <a:r>
+              <a:rPr lang="en-US" altLang="ko-KR" dirty="0">
+                <a:latin typeface="에스코어 드림 5 Medium" panose="020B0503030302020204" pitchFamily="34" charset="-127"/>
+                <a:ea typeface="에스코어 드림 5 Medium" panose="020B0503030302020204" pitchFamily="34" charset="-127"/>
+              </a:rPr>
+              <a:t>: (</a:t>
+            </a:r>
+            <a:r>
+              <a:rPr lang="en-US" altLang="ko-KR" dirty="0" err="1">
+                <a:latin typeface="에스코어 드림 5 Medium" panose="020B0503030302020204" pitchFamily="34" charset="-127"/>
+                <a:ea typeface="에스코어 드림 5 Medium" panose="020B0503030302020204" pitchFamily="34" charset="-127"/>
+              </a:rPr>
+              <a:t>i</a:t>
+            </a:r>
+            <a:r>
+              <a:rPr lang="en-US" altLang="ko-KR" dirty="0">
+                <a:latin typeface="에스코어 드림 5 Medium" panose="020B0503030302020204" pitchFamily="34" charset="-127"/>
+                <a:ea typeface="에스코어 드림 5 Medium" panose="020B0503030302020204" pitchFamily="34" charset="-127"/>
+              </a:rPr>
+              <a:t>*2)  + 2</a:t>
+            </a:r>
+          </a:p>
+          <a:p>
+            <a:endParaRPr lang="en-US" altLang="ko-KR" dirty="0">
               <a:latin typeface="에스코어 드림 5 Medium" panose="020B0503030302020204" pitchFamily="34" charset="-127"/>
               <a:ea typeface="에스코어 드림 5 Medium" panose="020B0503030302020204" pitchFamily="34" charset="-127"/>
             </a:endParaRPr>
           </a:p>
           <a:p>
-            <a:r>
-              <a:rPr lang="ko-KR" altLang="en-US" dirty="0" smtClean="0">
-                <a:latin typeface="에스코어 드림 5 Medium" panose="020B0503030302020204" pitchFamily="34" charset="-127"/>
-                <a:ea typeface="에스코어 드림 5 Medium" panose="020B0503030302020204" pitchFamily="34" charset="-127"/>
-              </a:rPr>
-              <a:t>특징 </a:t>
-            </a:r>
-            <a:r>
-              <a:rPr lang="en-US" altLang="ko-KR" dirty="0" smtClean="0">
-                <a:latin typeface="에스코어 드림 5 Medium" panose="020B0503030302020204" pitchFamily="34" charset="-127"/>
-                <a:ea typeface="에스코어 드림 5 Medium" panose="020B0503030302020204" pitchFamily="34" charset="-127"/>
-              </a:rPr>
-              <a:t>2.</a:t>
-            </a:r>
-          </a:p>
-          <a:p>
-            <a:r>
-              <a:rPr lang="en-US" altLang="ko-KR" dirty="0">
-                <a:latin typeface="에스코어 드림 5 Medium" panose="020B0503030302020204" pitchFamily="34" charset="-127"/>
-                <a:ea typeface="에스코어 드림 5 Medium" panose="020B0503030302020204" pitchFamily="34" charset="-127"/>
-              </a:rPr>
-              <a:t> </a:t>
-            </a:r>
-            <a:r>
-              <a:rPr lang="en-US" altLang="ko-KR" dirty="0" smtClean="0">
-                <a:latin typeface="에스코어 드림 5 Medium" panose="020B0503030302020204" pitchFamily="34" charset="-127"/>
-                <a:ea typeface="에스코어 드림 5 Medium" panose="020B0503030302020204" pitchFamily="34" charset="-127"/>
-              </a:rPr>
-              <a:t>- Root</a:t>
-            </a:r>
-            <a:r>
-              <a:rPr lang="ko-KR" altLang="en-US" dirty="0" smtClean="0">
-                <a:latin typeface="에스코어 드림 5 Medium" panose="020B0503030302020204" pitchFamily="34" charset="-127"/>
-                <a:ea typeface="에스코어 드림 5 Medium" panose="020B0503030302020204" pitchFamily="34" charset="-127"/>
-              </a:rPr>
-              <a:t>는 항상 제일 큰 값이다</a:t>
-            </a:r>
-            <a:r>
-              <a:rPr lang="en-US" altLang="ko-KR" dirty="0" smtClean="0">
-                <a:latin typeface="에스코어 드림 5 Medium" panose="020B0503030302020204" pitchFamily="34" charset="-127"/>
-                <a:ea typeface="에스코어 드림 5 Medium" panose="020B0503030302020204" pitchFamily="34" charset="-127"/>
-              </a:rPr>
-              <a:t>.</a:t>
-            </a:r>
-            <a:r>
-              <a:rPr lang="en-US" altLang="ko-KR" dirty="0">
-                <a:latin typeface="에스코어 드림 5 Medium" panose="020B0503030302020204" pitchFamily="34" charset="-127"/>
-                <a:ea typeface="에스코어 드림 5 Medium" panose="020B0503030302020204" pitchFamily="34" charset="-127"/>
-              </a:rPr>
-              <a:t> </a:t>
-            </a:r>
-            <a:endParaRPr lang="en-US" altLang="ko-KR" dirty="0" smtClean="0">
+            <a:endParaRPr lang="en-US" altLang="ko-KR" dirty="0">
               <a:latin typeface="에스코어 드림 5 Medium" panose="020B0503030302020204" pitchFamily="34" charset="-127"/>
               <a:ea typeface="에스코어 드림 5 Medium" panose="020B0503030302020204" pitchFamily="34" charset="-127"/>
             </a:endParaRPr>
           </a:p>
           <a:p>
             <a:r>
-              <a:rPr lang="en-US" altLang="ko-KR" dirty="0">
-                <a:latin typeface="에스코어 드림 5 Medium" panose="020B0503030302020204" pitchFamily="34" charset="-127"/>
-                <a:ea typeface="에스코어 드림 5 Medium" panose="020B0503030302020204" pitchFamily="34" charset="-127"/>
-              </a:rPr>
-              <a:t> </a:t>
-            </a:r>
-            <a:r>
-              <a:rPr lang="en-US" altLang="ko-KR" dirty="0" smtClean="0">
-                <a:latin typeface="에스코어 드림 5 Medium" panose="020B0503030302020204" pitchFamily="34" charset="-127"/>
-                <a:ea typeface="에스코어 드림 5 Medium" panose="020B0503030302020204" pitchFamily="34" charset="-127"/>
-              </a:rPr>
-              <a:t>- </a:t>
-            </a:r>
-            <a:r>
-              <a:rPr lang="ko-KR" altLang="en-US" dirty="0" smtClean="0">
+              <a:rPr lang="ko-KR" altLang="en-US" dirty="0">
+                <a:latin typeface="에스코어 드림 5 Medium" panose="020B0503030302020204" pitchFamily="34" charset="-127"/>
+                <a:ea typeface="에스코어 드림 5 Medium" panose="020B0503030302020204" pitchFamily="34" charset="-127"/>
+              </a:rPr>
+              <a:t>특징 </a:t>
+            </a:r>
+            <a:r>
+              <a:rPr lang="en-US" altLang="ko-KR" dirty="0">
+                <a:latin typeface="에스코어 드림 5 Medium" panose="020B0503030302020204" pitchFamily="34" charset="-127"/>
+                <a:ea typeface="에스코어 드림 5 Medium" panose="020B0503030302020204" pitchFamily="34" charset="-127"/>
+              </a:rPr>
+              <a:t>2.</a:t>
+            </a:r>
+          </a:p>
+          <a:p>
+            <a:r>
+              <a:rPr lang="en-US" altLang="ko-KR" dirty="0">
+                <a:latin typeface="에스코어 드림 5 Medium" panose="020B0503030302020204" pitchFamily="34" charset="-127"/>
+                <a:ea typeface="에스코어 드림 5 Medium" panose="020B0503030302020204" pitchFamily="34" charset="-127"/>
+              </a:rPr>
+              <a:t> - Root</a:t>
+            </a:r>
+            <a:r>
+              <a:rPr lang="ko-KR" altLang="en-US" dirty="0">
+                <a:latin typeface="에스코어 드림 5 Medium" panose="020B0503030302020204" pitchFamily="34" charset="-127"/>
+                <a:ea typeface="에스코어 드림 5 Medium" panose="020B0503030302020204" pitchFamily="34" charset="-127"/>
+              </a:rPr>
+              <a:t>는 항상 제일 큰 값이다</a:t>
+            </a:r>
+            <a:r>
+              <a:rPr lang="en-US" altLang="ko-KR" dirty="0">
+                <a:latin typeface="에스코어 드림 5 Medium" panose="020B0503030302020204" pitchFamily="34" charset="-127"/>
+                <a:ea typeface="에스코어 드림 5 Medium" panose="020B0503030302020204" pitchFamily="34" charset="-127"/>
+              </a:rPr>
+              <a:t>. </a:t>
+            </a:r>
+          </a:p>
+          <a:p>
+            <a:r>
+              <a:rPr lang="en-US" altLang="ko-KR" dirty="0">
+                <a:latin typeface="에스코어 드림 5 Medium" panose="020B0503030302020204" pitchFamily="34" charset="-127"/>
+                <a:ea typeface="에스코어 드림 5 Medium" panose="020B0503030302020204" pitchFamily="34" charset="-127"/>
+              </a:rPr>
+              <a:t> - </a:t>
+            </a:r>
+            <a:r>
+              <a:rPr lang="ko-KR" altLang="en-US" dirty="0">
                 <a:latin typeface="에스코어 드림 5 Medium" panose="020B0503030302020204" pitchFamily="34" charset="-127"/>
                 <a:ea typeface="에스코어 드림 5 Medium" panose="020B0503030302020204" pitchFamily="34" charset="-127"/>
               </a:rPr>
               <a:t>다음 </a:t>
             </a:r>
             <a:r>
-              <a:rPr lang="ko-KR" altLang="en-US" dirty="0" err="1" smtClean="0">
+              <a:rPr lang="ko-KR" altLang="en-US" dirty="0" err="1">
                 <a:latin typeface="에스코어 드림 5 Medium" panose="020B0503030302020204" pitchFamily="34" charset="-127"/>
                 <a:ea typeface="에스코어 드림 5 Medium" panose="020B0503030302020204" pitchFamily="34" charset="-127"/>
               </a:rPr>
               <a:t>나올값</a:t>
             </a:r>
             <a:r>
-              <a:rPr lang="ko-KR" altLang="en-US" dirty="0" smtClean="0">
+              <a:rPr lang="ko-KR" altLang="en-US" dirty="0">
                 <a:latin typeface="에스코어 드림 5 Medium" panose="020B0503030302020204" pitchFamily="34" charset="-127"/>
                 <a:ea typeface="에스코어 드림 5 Medium" panose="020B0503030302020204" pitchFamily="34" charset="-127"/>
               </a:rPr>
               <a:t> 확인 </a:t>
             </a:r>
             <a:r>
-              <a:rPr lang="en-US" altLang="ko-KR" dirty="0" smtClean="0">
+              <a:rPr lang="en-US" altLang="ko-KR" dirty="0">
                 <a:latin typeface="에스코어 드림 5 Medium" panose="020B0503030302020204" pitchFamily="34" charset="-127"/>
                 <a:ea typeface="에스코어 드림 5 Medium" panose="020B0503030302020204" pitchFamily="34" charset="-127"/>
               </a:rPr>
@@ -13631,20 +13518,20 @@
           <a:lstStyle/>
           <a:p>
             <a:r>
-              <a:rPr lang="ko-KR" altLang="en-US" dirty="0" smtClean="0">
+              <a:rPr lang="ko-KR" altLang="en-US" dirty="0">
                 <a:latin typeface="에스코어 드림 5 Medium" panose="020B0503030302020204" pitchFamily="34" charset="-127"/>
                 <a:ea typeface="에스코어 드림 5 Medium" panose="020B0503030302020204" pitchFamily="34" charset="-127"/>
               </a:rPr>
               <a:t>우선순위 큐</a:t>
             </a:r>
-            <a:endParaRPr lang="en-US" altLang="ko-KR" dirty="0" smtClean="0">
+            <a:endParaRPr lang="en-US" altLang="ko-KR" dirty="0">
               <a:latin typeface="에스코어 드림 5 Medium" panose="020B0503030302020204" pitchFamily="34" charset="-127"/>
               <a:ea typeface="에스코어 드림 5 Medium" panose="020B0503030302020204" pitchFamily="34" charset="-127"/>
             </a:endParaRPr>
           </a:p>
           <a:p>
             <a:r>
-              <a:rPr lang="en-US" altLang="ko-KR" dirty="0" smtClean="0">
+              <a:rPr lang="en-US" altLang="ko-KR" dirty="0">
                 <a:latin typeface="에스코어 드림 5 Medium" panose="020B0503030302020204" pitchFamily="34" charset="-127"/>
                 <a:ea typeface="에스코어 드림 5 Medium" panose="020B0503030302020204" pitchFamily="34" charset="-127"/>
               </a:rPr>
@@ -13680,7 +13567,7 @@
           <a:lstStyle/>
           <a:p>
             <a:r>
-              <a:rPr lang="ko-KR" altLang="en-US" dirty="0" smtClean="0">
+              <a:rPr lang="ko-KR" altLang="en-US" dirty="0">
                 <a:solidFill>
                   <a:srgbClr val="FF0000"/>
                 </a:solidFill>
@@ -13690,7 +13577,7 @@
               <a:t>우선순위 큐에  데이터를 쌓을 때</a:t>
             </a:r>
             <a:r>
-              <a:rPr lang="en-US" altLang="ko-KR" dirty="0" smtClean="0">
+              <a:rPr lang="en-US" altLang="ko-KR" dirty="0">
                 <a:solidFill>
                   <a:srgbClr val="FF0000"/>
                 </a:solidFill>
@@ -13725,14 +13612,14 @@
           <a:lstStyle/>
           <a:p>
             <a:r>
-              <a:rPr lang="ko-KR" altLang="en-US" dirty="0" smtClean="0">
+              <a:rPr lang="ko-KR" altLang="en-US" dirty="0">
                 <a:latin typeface="에스코어 드림 5 Medium" panose="020B0503030302020204" pitchFamily="34" charset="-127"/>
                 <a:ea typeface="에스코어 드림 5 Medium" panose="020B0503030302020204" pitchFamily="34" charset="-127"/>
               </a:rPr>
               <a:t>우선순위 큐에  데이터를 뺄 때</a:t>
             </a:r>
             <a:r>
-              <a:rPr lang="en-US" altLang="ko-KR" dirty="0" smtClean="0">
+              <a:rPr lang="en-US" altLang="ko-KR" dirty="0">
                 <a:latin typeface="에스코어 드림 5 Medium" panose="020B0503030302020204" pitchFamily="34" charset="-127"/>
                 <a:ea typeface="에스코어 드림 5 Medium" panose="020B0503030302020204" pitchFamily="34" charset="-127"/>
               </a:rPr>
@@ -13778,11 +13665,11 @@
           <a:p>
             <a:pPr algn="ctr"/>
             <a:r>
-              <a:rPr lang="en-US" altLang="ko-KR" dirty="0" err="1" smtClean="0"/>
+              <a:rPr lang="en-US" altLang="ko-KR" dirty="0" err="1"/>
               <a:t>Arr</a:t>
             </a:r>
             <a:r>
-              <a:rPr lang="en-US" altLang="ko-KR" dirty="0" smtClean="0"/>
+              <a:rPr lang="en-US" altLang="ko-KR" dirty="0"/>
               <a:t>[0]</a:t>
             </a:r>
           </a:p>
@@ -13793,7 +13680,7 @@
           <a:p>
             <a:pPr algn="ctr"/>
             <a:r>
-              <a:rPr lang="en-US" altLang="ko-KR" dirty="0" smtClean="0"/>
+              <a:rPr lang="en-US" altLang="ko-KR" dirty="0"/>
               <a:t>15</a:t>
             </a:r>
             <a:endParaRPr lang="ko-KR" altLang="en-US" dirty="0"/>
@@ -13853,20 +13740,20 @@
           <a:lstStyle/>
           <a:p>
             <a:r>
-              <a:rPr lang="ko-KR" altLang="en-US" dirty="0" smtClean="0">
+              <a:rPr lang="ko-KR" altLang="en-US" dirty="0">
                 <a:latin typeface="에스코어 드림 5 Medium" panose="020B0503030302020204" pitchFamily="34" charset="-127"/>
                 <a:ea typeface="에스코어 드림 5 Medium" panose="020B0503030302020204" pitchFamily="34" charset="-127"/>
               </a:rPr>
               <a:t>우선순위 큐</a:t>
             </a:r>
-            <a:endParaRPr lang="en-US" altLang="ko-KR" dirty="0" smtClean="0">
+            <a:endParaRPr lang="en-US" altLang="ko-KR" dirty="0">
               <a:latin typeface="에스코어 드림 5 Medium" panose="020B0503030302020204" pitchFamily="34" charset="-127"/>
               <a:ea typeface="에스코어 드림 5 Medium" panose="020B0503030302020204" pitchFamily="34" charset="-127"/>
             </a:endParaRPr>
           </a:p>
           <a:p>
             <a:r>
-              <a:rPr lang="en-US" altLang="ko-KR" dirty="0" smtClean="0">
+              <a:rPr lang="en-US" altLang="ko-KR" dirty="0">
                 <a:latin typeface="에스코어 드림 5 Medium" panose="020B0503030302020204" pitchFamily="34" charset="-127"/>
                 <a:ea typeface="에스코어 드림 5 Medium" panose="020B0503030302020204" pitchFamily="34" charset="-127"/>
               </a:rPr>
@@ -13902,7 +13789,7 @@
           <a:lstStyle/>
           <a:p>
             <a:r>
-              <a:rPr lang="ko-KR" altLang="en-US" dirty="0" smtClean="0">
+              <a:rPr lang="ko-KR" altLang="en-US" dirty="0">
                 <a:solidFill>
                   <a:srgbClr val="FF0000"/>
                 </a:solidFill>
@@ -13912,7 +13799,7 @@
               <a:t>우선순위 큐에  데이터를 쌓을 때</a:t>
             </a:r>
             <a:r>
-              <a:rPr lang="en-US" altLang="ko-KR" dirty="0" smtClean="0">
+              <a:rPr lang="en-US" altLang="ko-KR" dirty="0">
                 <a:solidFill>
                   <a:srgbClr val="FF0000"/>
                 </a:solidFill>
@@ -13947,14 +13834,14 @@
           <a:lstStyle/>
           <a:p>
             <a:r>
-              <a:rPr lang="ko-KR" altLang="en-US" dirty="0" smtClean="0">
+              <a:rPr lang="ko-KR" altLang="en-US" dirty="0">
                 <a:latin typeface="에스코어 드림 5 Medium" panose="020B0503030302020204" pitchFamily="34" charset="-127"/>
                 <a:ea typeface="에스코어 드림 5 Medium" panose="020B0503030302020204" pitchFamily="34" charset="-127"/>
               </a:rPr>
               <a:t>우선순위 큐에  데이터를 뺄 때</a:t>
             </a:r>
             <a:r>
-              <a:rPr lang="en-US" altLang="ko-KR" dirty="0" smtClean="0">
+              <a:rPr lang="en-US" altLang="ko-KR" dirty="0">
                 <a:latin typeface="에스코어 드림 5 Medium" panose="020B0503030302020204" pitchFamily="34" charset="-127"/>
                 <a:ea typeface="에스코어 드림 5 Medium" panose="020B0503030302020204" pitchFamily="34" charset="-127"/>
               </a:rPr>
@@ -14000,11 +13887,11 @@
           <a:p>
             <a:pPr algn="ctr"/>
             <a:r>
-              <a:rPr lang="en-US" altLang="ko-KR" dirty="0" err="1" smtClean="0"/>
+              <a:rPr lang="en-US" altLang="ko-KR" dirty="0" err="1"/>
               <a:t>Arr</a:t>
             </a:r>
             <a:r>
-              <a:rPr lang="en-US" altLang="ko-KR" dirty="0" smtClean="0"/>
+              <a:rPr lang="en-US" altLang="ko-KR" dirty="0"/>
               <a:t>[0]</a:t>
             </a:r>
           </a:p>
@@ -14015,7 +13902,7 @@
           <a:p>
             <a:pPr algn="ctr"/>
             <a:r>
-              <a:rPr lang="en-US" altLang="ko-KR" dirty="0" smtClean="0"/>
+              <a:rPr lang="en-US" altLang="ko-KR" dirty="0"/>
               <a:t>15</a:t>
             </a:r>
             <a:endParaRPr lang="ko-KR" altLang="en-US" dirty="0"/>
@@ -14092,11 +13979,11 @@
           <a:p>
             <a:pPr algn="ctr"/>
             <a:r>
-              <a:rPr lang="en-US" altLang="ko-KR" dirty="0" err="1" smtClean="0"/>
+              <a:rPr lang="en-US" altLang="ko-KR" dirty="0" err="1"/>
               <a:t>Arr</a:t>
             </a:r>
             <a:r>
-              <a:rPr lang="en-US" altLang="ko-KR" dirty="0" smtClean="0"/>
+              <a:rPr lang="en-US" altLang="ko-KR" dirty="0"/>
               <a:t>[1]</a:t>
             </a:r>
           </a:p>
@@ -14107,7 +13994,7 @@
           <a:p>
             <a:pPr algn="ctr"/>
             <a:r>
-              <a:rPr lang="en-US" altLang="ko-KR" dirty="0" smtClean="0"/>
+              <a:rPr lang="en-US" altLang="ko-KR" dirty="0"/>
               <a:t>10</a:t>
             </a:r>
             <a:endParaRPr lang="ko-KR" altLang="en-US" dirty="0"/>
@@ -14151,11 +14038,11 @@
           <a:p>
             <a:pPr algn="ctr"/>
             <a:r>
-              <a:rPr lang="en-US" altLang="ko-KR" dirty="0" err="1" smtClean="0"/>
+              <a:rPr lang="en-US" altLang="ko-KR" dirty="0" err="1"/>
               <a:t>Arr</a:t>
             </a:r>
             <a:r>
-              <a:rPr lang="en-US" altLang="ko-KR" dirty="0" smtClean="0"/>
+              <a:rPr lang="en-US" altLang="ko-KR" dirty="0"/>
               <a:t>[1]</a:t>
             </a:r>
           </a:p>
@@ -14166,7 +14053,7 @@
           <a:p>
             <a:pPr algn="ctr"/>
             <a:r>
-              <a:rPr lang="en-US" altLang="ko-KR" dirty="0" smtClean="0"/>
+              <a:rPr lang="en-US" altLang="ko-KR" dirty="0"/>
               <a:t>10</a:t>
             </a:r>
             <a:endParaRPr lang="ko-KR" altLang="en-US" dirty="0"/>
@@ -14226,20 +14113,20 @@
           <a:lstStyle/>
           <a:p>
             <a:r>
-              <a:rPr lang="ko-KR" altLang="en-US" dirty="0" smtClean="0">
+              <a:rPr lang="ko-KR" altLang="en-US" dirty="0">
                 <a:latin typeface="에스코어 드림 5 Medium" panose="020B0503030302020204" pitchFamily="34" charset="-127"/>
                 <a:ea typeface="에스코어 드림 5 Medium" panose="020B0503030302020204" pitchFamily="34" charset="-127"/>
               </a:rPr>
               <a:t>우선순위 큐</a:t>
             </a:r>
-            <a:endParaRPr lang="en-US" altLang="ko-KR" dirty="0" smtClean="0">
+            <a:endParaRPr lang="en-US" altLang="ko-KR" dirty="0">
               <a:latin typeface="에스코어 드림 5 Medium" panose="020B0503030302020204" pitchFamily="34" charset="-127"/>
               <a:ea typeface="에스코어 드림 5 Medium" panose="020B0503030302020204" pitchFamily="34" charset="-127"/>
             </a:endParaRPr>
           </a:p>
           <a:p>
             <a:r>
-              <a:rPr lang="en-US" altLang="ko-KR" dirty="0" smtClean="0">
+              <a:rPr lang="en-US" altLang="ko-KR" dirty="0">
                 <a:latin typeface="에스코어 드림 5 Medium" panose="020B0503030302020204" pitchFamily="34" charset="-127"/>
                 <a:ea typeface="에스코어 드림 5 Medium" panose="020B0503030302020204" pitchFamily="34" charset="-127"/>
               </a:rPr>
@@ -14275,7 +14162,7 @@
           <a:lstStyle/>
           <a:p>
             <a:r>
-              <a:rPr lang="ko-KR" altLang="en-US" dirty="0" smtClean="0">
+              <a:rPr lang="ko-KR" altLang="en-US" dirty="0">
                 <a:solidFill>
                   <a:srgbClr val="FF0000"/>
                 </a:solidFill>
@@ -14285,7 +14172,7 @@
               <a:t>우선순위 큐에  데이터를 쌓을 때</a:t>
             </a:r>
             <a:r>
-              <a:rPr lang="en-US" altLang="ko-KR" dirty="0" smtClean="0">
+              <a:rPr lang="en-US" altLang="ko-KR" dirty="0">
                 <a:solidFill>
                   <a:srgbClr val="FF0000"/>
                 </a:solidFill>
@@ -14320,14 +14207,14 @@
           <a:lstStyle/>
           <a:p>
             <a:r>
-              <a:rPr lang="ko-KR" altLang="en-US" dirty="0" smtClean="0">
+              <a:rPr lang="ko-KR" altLang="en-US" dirty="0">
                 <a:latin typeface="에스코어 드림 5 Medium" panose="020B0503030302020204" pitchFamily="34" charset="-127"/>
                 <a:ea typeface="에스코어 드림 5 Medium" panose="020B0503030302020204" pitchFamily="34" charset="-127"/>
               </a:rPr>
               <a:t>우선순위 큐에  데이터를 뺄 때</a:t>
             </a:r>
             <a:r>
-              <a:rPr lang="en-US" altLang="ko-KR" dirty="0" smtClean="0">
+              <a:rPr lang="en-US" altLang="ko-KR" dirty="0">
                 <a:latin typeface="에스코어 드림 5 Medium" panose="020B0503030302020204" pitchFamily="34" charset="-127"/>
                 <a:ea typeface="에스코어 드림 5 Medium" panose="020B0503030302020204" pitchFamily="34" charset="-127"/>
               </a:rPr>
@@ -14373,11 +14260,11 @@
           <a:p>
             <a:pPr algn="ctr"/>
             <a:r>
-              <a:rPr lang="en-US" altLang="ko-KR" dirty="0" err="1" smtClean="0"/>
+              <a:rPr lang="en-US" altLang="ko-KR" dirty="0" err="1"/>
               <a:t>Arr</a:t>
             </a:r>
             <a:r>
-              <a:rPr lang="en-US" altLang="ko-KR" dirty="0" smtClean="0"/>
+              <a:rPr lang="en-US" altLang="ko-KR" dirty="0"/>
               <a:t>[0]</a:t>
             </a:r>
           </a:p>
@@ -14388,7 +14275,7 @@
           <a:p>
             <a:pPr algn="ctr"/>
             <a:r>
-              <a:rPr lang="en-US" altLang="ko-KR" dirty="0" smtClean="0"/>
+              <a:rPr lang="en-US" altLang="ko-KR" dirty="0"/>
               <a:t>15</a:t>
             </a:r>
             <a:endParaRPr lang="ko-KR" altLang="en-US" dirty="0"/>
@@ -14465,11 +14352,11 @@
           <a:p>
             <a:pPr algn="ctr"/>
             <a:r>
-              <a:rPr lang="en-US" altLang="ko-KR" dirty="0" err="1" smtClean="0"/>
+              <a:rPr lang="en-US" altLang="ko-KR" dirty="0" err="1"/>
               <a:t>Arr</a:t>
             </a:r>
             <a:r>
-              <a:rPr lang="en-US" altLang="ko-KR" dirty="0" smtClean="0"/>
+              <a:rPr lang="en-US" altLang="ko-KR" dirty="0"/>
               <a:t>[1]</a:t>
             </a:r>
           </a:p>
@@ -14480,7 +14367,7 @@
           <a:p>
             <a:pPr algn="ctr"/>
             <a:r>
-              <a:rPr lang="en-US" altLang="ko-KR" dirty="0" smtClean="0"/>
+              <a:rPr lang="en-US" altLang="ko-KR" dirty="0"/>
               <a:t>10</a:t>
             </a:r>
             <a:endParaRPr lang="ko-KR" altLang="en-US" dirty="0"/>
@@ -14524,11 +14411,11 @@
           <a:p>
             <a:pPr algn="ctr"/>
             <a:r>
-              <a:rPr lang="en-US" altLang="ko-KR" dirty="0" err="1" smtClean="0"/>
+              <a:rPr lang="en-US" altLang="ko-KR" dirty="0" err="1"/>
               <a:t>Arr</a:t>
             </a:r>
             <a:r>
-              <a:rPr lang="en-US" altLang="ko-KR" dirty="0" smtClean="0"/>
+              <a:rPr lang="en-US" altLang="ko-KR" dirty="0"/>
               <a:t>[2]</a:t>
             </a:r>
           </a:p>
@@ -14539,7 +14426,7 @@
           <a:p>
             <a:pPr algn="ctr"/>
             <a:r>
-              <a:rPr lang="en-US" altLang="ko-KR" dirty="0" smtClean="0"/>
+              <a:rPr lang="en-US" altLang="ko-KR" dirty="0"/>
               <a:t>20</a:t>
             </a:r>
             <a:endParaRPr lang="ko-KR" altLang="en-US" dirty="0"/>
@@ -14602,28 +14489,28 @@
           <a:lstStyle/>
           <a:p>
             <a:r>
-              <a:rPr lang="ko-KR" altLang="en-US" dirty="0" smtClean="0">
+              <a:rPr lang="ko-KR" altLang="en-US" dirty="0">
                 <a:latin typeface="에스코어 드림 5 Medium" panose="020B0503030302020204" pitchFamily="34" charset="-127"/>
                 <a:ea typeface="에스코어 드림 5 Medium" panose="020B0503030302020204" pitchFamily="34" charset="-127"/>
               </a:rPr>
               <a:t>법칙 </a:t>
             </a:r>
             <a:r>
-              <a:rPr lang="en-US" altLang="ko-KR" dirty="0" smtClean="0">
+              <a:rPr lang="en-US" altLang="ko-KR" dirty="0">
                 <a:latin typeface="에스코어 드림 5 Medium" panose="020B0503030302020204" pitchFamily="34" charset="-127"/>
                 <a:ea typeface="에스코어 드림 5 Medium" panose="020B0503030302020204" pitchFamily="34" charset="-127"/>
               </a:rPr>
               <a:t>1. </a:t>
             </a:r>
             <a:r>
-              <a:rPr lang="ko-KR" altLang="en-US" dirty="0" smtClean="0">
+              <a:rPr lang="ko-KR" altLang="en-US" dirty="0">
                 <a:latin typeface="에스코어 드림 5 Medium" panose="020B0503030302020204" pitchFamily="34" charset="-127"/>
                 <a:ea typeface="에스코어 드림 5 Medium" panose="020B0503030302020204" pitchFamily="34" charset="-127"/>
               </a:rPr>
               <a:t>무조건 높이가 균일 해야 합니다</a:t>
             </a:r>
             <a:r>
-              <a:rPr lang="en-US" altLang="ko-KR" dirty="0" smtClean="0">
+              <a:rPr lang="en-US" altLang="ko-KR" dirty="0">
                 <a:latin typeface="에스코어 드림 5 Medium" panose="020B0503030302020204" pitchFamily="34" charset="-127"/>
                 <a:ea typeface="에스코어 드림 5 Medium" panose="020B0503030302020204" pitchFamily="34" charset="-127"/>
               </a:rPr>
@@ -14632,28 +14519,28 @@
           </a:p>
           <a:p>
             <a:r>
-              <a:rPr lang="ko-KR" altLang="en-US" dirty="0" smtClean="0">
+              <a:rPr lang="ko-KR" altLang="en-US" dirty="0">
                 <a:latin typeface="에스코어 드림 5 Medium" panose="020B0503030302020204" pitchFamily="34" charset="-127"/>
                 <a:ea typeface="에스코어 드림 5 Medium" panose="020B0503030302020204" pitchFamily="34" charset="-127"/>
               </a:rPr>
               <a:t>법칙 </a:t>
             </a:r>
             <a:r>
-              <a:rPr lang="en-US" altLang="ko-KR" dirty="0" smtClean="0">
+              <a:rPr lang="en-US" altLang="ko-KR" dirty="0">
                 <a:latin typeface="에스코어 드림 5 Medium" panose="020B0503030302020204" pitchFamily="34" charset="-127"/>
                 <a:ea typeface="에스코어 드림 5 Medium" panose="020B0503030302020204" pitchFamily="34" charset="-127"/>
               </a:rPr>
               <a:t>2. </a:t>
             </a:r>
             <a:r>
-              <a:rPr lang="ko-KR" altLang="en-US" dirty="0" smtClean="0">
+              <a:rPr lang="ko-KR" altLang="en-US" dirty="0">
                 <a:latin typeface="에스코어 드림 5 Medium" panose="020B0503030302020204" pitchFamily="34" charset="-127"/>
                 <a:ea typeface="에스코어 드림 5 Medium" panose="020B0503030302020204" pitchFamily="34" charset="-127"/>
               </a:rPr>
               <a:t>왼쪽노드부터 하나씩 채운다</a:t>
             </a:r>
             <a:r>
-              <a:rPr lang="en-US" altLang="ko-KR" dirty="0" smtClean="0">
+              <a:rPr lang="en-US" altLang="ko-KR" dirty="0">
                 <a:latin typeface="에스코어 드림 5 Medium" panose="020B0503030302020204" pitchFamily="34" charset="-127"/>
                 <a:ea typeface="에스코어 드림 5 Medium" panose="020B0503030302020204" pitchFamily="34" charset="-127"/>
               </a:rPr>
@@ -14662,7 +14549,7 @@
           </a:p>
           <a:p>
             <a:r>
-              <a:rPr lang="ko-KR" altLang="en-US" dirty="0" smtClean="0">
+              <a:rPr lang="ko-KR" altLang="en-US" dirty="0">
                 <a:solidFill>
                   <a:srgbClr val="FF0000"/>
                 </a:solidFill>
@@ -14672,7 +14559,7 @@
               <a:t>법칙 </a:t>
             </a:r>
             <a:r>
-              <a:rPr lang="en-US" altLang="ko-KR" dirty="0" smtClean="0">
+              <a:rPr lang="en-US" altLang="ko-KR" dirty="0">
                 <a:solidFill>
                   <a:srgbClr val="FF0000"/>
                 </a:solidFill>
@@ -14682,7 +14569,7 @@
               <a:t>3. </a:t>
             </a:r>
             <a:r>
-              <a:rPr lang="ko-KR" altLang="en-US" dirty="0" smtClean="0">
+              <a:rPr lang="ko-KR" altLang="en-US" dirty="0">
                 <a:solidFill>
                   <a:srgbClr val="FF0000"/>
                 </a:solidFill>
@@ -14692,7 +14579,7 @@
               <a:t>부모 노드는 자식 노드보다 무조건 커야 한다</a:t>
             </a:r>
             <a:r>
-              <a:rPr lang="en-US" altLang="ko-KR" dirty="0" smtClean="0">
+              <a:rPr lang="en-US" altLang="ko-KR" dirty="0">
                 <a:solidFill>
                   <a:srgbClr val="FF0000"/>
                 </a:solidFill>
